--- a/vnode/public/分享.pptx
+++ b/vnode/public/分享.pptx
@@ -5,7 +5,7 @@
     <p:sldMasterId id="2147483660" r:id="rId1"/>
   </p:sldMasterIdLst>
   <p:notesMasterIdLst>
-    <p:notesMasterId r:id="rId20"/>
+    <p:notesMasterId r:id="rId22"/>
   </p:notesMasterIdLst>
   <p:sldIdLst>
     <p:sldId id="287" r:id="rId2"/>
@@ -25,12 +25,14 @@
     <p:sldId id="302" r:id="rId16"/>
     <p:sldId id="303" r:id="rId17"/>
     <p:sldId id="304" r:id="rId18"/>
-    <p:sldId id="282" r:id="rId19"/>
+    <p:sldId id="305" r:id="rId19"/>
+    <p:sldId id="306" r:id="rId20"/>
+    <p:sldId id="282" r:id="rId21"/>
   </p:sldIdLst>
   <p:sldSz cx="12192000" cy="6858000"/>
   <p:notesSz cx="6858000" cy="9144000"/>
   <p:custDataLst>
-    <p:tags r:id="rId21"/>
+    <p:tags r:id="rId23"/>
   </p:custDataLst>
   <p:defaultTextStyle>
     <a:defPPr>
@@ -240,7 +242,7 @@
           <a:p>
             <a:fld id="{FF5F94EA-5688-4FEA-9ADF-B6A181947A35}" type="datetimeFigureOut">
               <a:rPr lang="zh-CN" altLang="en-US" smtClean="0"/>
-              <a:t>2018/11/5</a:t>
+              <a:t>2018/11/6</a:t>
             </a:fld>
             <a:endParaRPr lang="zh-CN" altLang="en-US"/>
           </a:p>
@@ -1368,7 +1370,7 @@
           <a:bodyPr/>
           <a:lstStyle/>
           <a:p>
-            <a:endParaRPr lang="zh-CN" altLang="en-US"/>
+            <a:endParaRPr lang="zh-CN" altLang="en-US" dirty="0"/>
           </a:p>
         </p:txBody>
       </p:sp>
@@ -1387,7 +1389,7 @@
           <a:bodyPr/>
           <a:lstStyle/>
           <a:p>
-            <a:fld id="{19073E7D-005B-40FA-BA74-142CD851F01B}" type="slidenum">
+            <a:fld id="{144CAA79-63ED-4D4C-97FF-23192032DF93}" type="slidenum">
               <a:rPr lang="zh-CN" altLang="en-US" smtClean="0"/>
               <a:t>18</a:t>
             </a:fld>
@@ -1398,7 +1400,223 @@
     </p:spTree>
     <p:extLst>
       <p:ext uri="{BB962C8B-B14F-4D97-AF65-F5344CB8AC3E}">
-        <p14:creationId xmlns:p14="http://schemas.microsoft.com/office/powerpoint/2010/main" val="1390490528"/>
+        <p14:creationId xmlns:p14="http://schemas.microsoft.com/office/powerpoint/2010/main" val="125239982"/>
+      </p:ext>
+    </p:extLst>
+  </p:cSld>
+  <p:clrMapOvr>
+    <a:masterClrMapping/>
+  </p:clrMapOvr>
+</p:notes>
+</file>
+
+<file path=ppt/notesSlides/notesSlide19.xml><?xml version="1.0" encoding="utf-8"?>
+<p:notes xmlns:a="http://schemas.openxmlformats.org/drawingml/2006/main" xmlns:r="http://schemas.openxmlformats.org/officeDocument/2006/relationships" xmlns:p="http://schemas.openxmlformats.org/presentationml/2006/main">
+  <p:cSld>
+    <p:spTree>
+      <p:nvGrpSpPr>
+        <p:cNvPr id="1" name=""/>
+        <p:cNvGrpSpPr/>
+        <p:nvPr/>
+      </p:nvGrpSpPr>
+      <p:grpSpPr>
+        <a:xfrm>
+          <a:off x="0" y="0"/>
+          <a:ext cx="0" cy="0"/>
+          <a:chOff x="0" y="0"/>
+          <a:chExt cx="0" cy="0"/>
+        </a:xfrm>
+      </p:grpSpPr>
+      <p:sp>
+        <p:nvSpPr>
+          <p:cNvPr id="2" name="幻灯片图像占位符 1"/>
+          <p:cNvSpPr>
+            <a:spLocks noGrp="1" noRot="1" noChangeAspect="1"/>
+          </p:cNvSpPr>
+          <p:nvPr>
+            <p:ph type="sldImg"/>
+          </p:nvPr>
+        </p:nvSpPr>
+        <p:spPr/>
+      </p:sp>
+      <p:sp>
+        <p:nvSpPr>
+          <p:cNvPr id="3" name="备注占位符 2"/>
+          <p:cNvSpPr>
+            <a:spLocks noGrp="1"/>
+          </p:cNvSpPr>
+          <p:nvPr>
+            <p:ph type="body" idx="1"/>
+          </p:nvPr>
+        </p:nvSpPr>
+        <p:spPr/>
+        <p:txBody>
+          <a:bodyPr/>
+          <a:lstStyle/>
+          <a:p>
+            <a:r>
+              <a:rPr lang="en-US" altLang="zh-CN" sz="1200" b="1" i="0" kern="1200" dirty="0" smtClean="0">
+                <a:solidFill>
+                  <a:schemeClr val="tx1"/>
+                </a:solidFill>
+                <a:effectLst/>
+                <a:latin typeface="+mn-lt"/>
+                <a:ea typeface="+mn-ea"/>
+                <a:cs typeface="+mn-cs"/>
+              </a:rPr>
+              <a:t>key</a:t>
+            </a:r>
+            <a:r>
+              <a:rPr lang="zh-CN" altLang="en-US" sz="1200" b="1" i="0" kern="1200" dirty="0" smtClean="0">
+                <a:solidFill>
+                  <a:schemeClr val="tx1"/>
+                </a:solidFill>
+                <a:effectLst/>
+                <a:latin typeface="+mn-lt"/>
+                <a:ea typeface="+mn-ea"/>
+                <a:cs typeface="+mn-cs"/>
+              </a:rPr>
+              <a:t>的作用主要是为了高效的更新虚拟</a:t>
+            </a:r>
+            <a:r>
+              <a:rPr lang="en-US" altLang="zh-CN" sz="1200" b="1" i="0" kern="1200" dirty="0" smtClean="0">
+                <a:solidFill>
+                  <a:schemeClr val="tx1"/>
+                </a:solidFill>
+                <a:effectLst/>
+                <a:latin typeface="+mn-lt"/>
+                <a:ea typeface="+mn-ea"/>
+                <a:cs typeface="+mn-cs"/>
+              </a:rPr>
+              <a:t>DOM</a:t>
+            </a:r>
+            <a:r>
+              <a:rPr lang="zh-CN" altLang="en-US" sz="1200" b="1" i="0" kern="1200" dirty="0" smtClean="0">
+                <a:solidFill>
+                  <a:schemeClr val="tx1"/>
+                </a:solidFill>
+                <a:effectLst/>
+                <a:latin typeface="+mn-lt"/>
+                <a:ea typeface="+mn-ea"/>
+                <a:cs typeface="+mn-cs"/>
+              </a:rPr>
+              <a:t>，</a:t>
+            </a:r>
+            <a:r>
+              <a:rPr lang="zh-CN" altLang="en-US" sz="1200" b="0" i="0" kern="1200" dirty="0" smtClean="0">
+                <a:solidFill>
+                  <a:schemeClr val="tx1"/>
+                </a:solidFill>
+                <a:effectLst/>
+                <a:latin typeface="+mn-lt"/>
+                <a:ea typeface="+mn-ea"/>
+                <a:cs typeface="+mn-cs"/>
+              </a:rPr>
+              <a:t>另外</a:t>
+            </a:r>
+            <a:r>
+              <a:rPr lang="en-US" altLang="zh-CN" sz="1200" b="0" i="0" kern="1200" dirty="0" err="1" smtClean="0">
+                <a:solidFill>
+                  <a:schemeClr val="tx1"/>
+                </a:solidFill>
+                <a:effectLst/>
+                <a:latin typeface="+mn-lt"/>
+                <a:ea typeface="+mn-ea"/>
+                <a:cs typeface="+mn-cs"/>
+              </a:rPr>
+              <a:t>vue</a:t>
+            </a:r>
+            <a:r>
+              <a:rPr lang="zh-CN" altLang="en-US" sz="1200" b="0" i="0" kern="1200" dirty="0" smtClean="0">
+                <a:solidFill>
+                  <a:schemeClr val="tx1"/>
+                </a:solidFill>
+                <a:effectLst/>
+                <a:latin typeface="+mn-lt"/>
+                <a:ea typeface="+mn-ea"/>
+                <a:cs typeface="+mn-cs"/>
+              </a:rPr>
+              <a:t>中在使用</a:t>
+            </a:r>
+            <a:r>
+              <a:rPr lang="zh-CN" altLang="en-US" sz="1200" b="1" i="0" kern="1200" dirty="0" smtClean="0">
+                <a:solidFill>
+                  <a:schemeClr val="tx1"/>
+                </a:solidFill>
+                <a:effectLst/>
+                <a:latin typeface="+mn-lt"/>
+                <a:ea typeface="+mn-ea"/>
+                <a:cs typeface="+mn-cs"/>
+              </a:rPr>
+              <a:t>相同标签名元素的过渡切换</a:t>
+            </a:r>
+            <a:r>
+              <a:rPr lang="zh-CN" altLang="en-US" sz="1200" b="0" i="0" kern="1200" dirty="0" smtClean="0">
+                <a:solidFill>
+                  <a:schemeClr val="tx1"/>
+                </a:solidFill>
+                <a:effectLst/>
+                <a:latin typeface="+mn-lt"/>
+                <a:ea typeface="+mn-ea"/>
+                <a:cs typeface="+mn-cs"/>
+              </a:rPr>
+              <a:t>时，也会使用到</a:t>
+            </a:r>
+            <a:r>
+              <a:rPr lang="en-US" altLang="zh-CN" sz="1200" b="0" i="0" kern="1200" dirty="0" smtClean="0">
+                <a:solidFill>
+                  <a:schemeClr val="tx1"/>
+                </a:solidFill>
+                <a:effectLst/>
+                <a:latin typeface="+mn-lt"/>
+                <a:ea typeface="+mn-ea"/>
+                <a:cs typeface="+mn-cs"/>
+              </a:rPr>
+              <a:t>key</a:t>
+            </a:r>
+            <a:r>
+              <a:rPr lang="zh-CN" altLang="en-US" sz="1200" b="0" i="0" kern="1200" dirty="0" smtClean="0">
+                <a:solidFill>
+                  <a:schemeClr val="tx1"/>
+                </a:solidFill>
+                <a:effectLst/>
+                <a:latin typeface="+mn-lt"/>
+                <a:ea typeface="+mn-ea"/>
+                <a:cs typeface="+mn-cs"/>
+              </a:rPr>
+              <a:t>属性</a:t>
+            </a:r>
+            <a:endParaRPr lang="zh-CN" altLang="en-US" dirty="0"/>
+          </a:p>
+        </p:txBody>
+      </p:sp>
+      <p:sp>
+        <p:nvSpPr>
+          <p:cNvPr id="4" name="灯片编号占位符 3"/>
+          <p:cNvSpPr>
+            <a:spLocks noGrp="1"/>
+          </p:cNvSpPr>
+          <p:nvPr>
+            <p:ph type="sldNum" sz="quarter" idx="10"/>
+          </p:nvPr>
+        </p:nvSpPr>
+        <p:spPr/>
+        <p:txBody>
+          <a:bodyPr/>
+          <a:lstStyle/>
+          <a:p>
+            <a:fld id="{144CAA79-63ED-4D4C-97FF-23192032DF93}" type="slidenum">
+              <a:rPr lang="zh-CN" altLang="en-US" smtClean="0"/>
+              <a:t>19</a:t>
+            </a:fld>
+            <a:endParaRPr lang="zh-CN" altLang="en-US"/>
+          </a:p>
+        </p:txBody>
+      </p:sp>
+    </p:spTree>
+    <p:extLst>
+      <p:ext uri="{BB962C8B-B14F-4D97-AF65-F5344CB8AC3E}">
+        <p14:creationId xmlns:p14="http://schemas.microsoft.com/office/powerpoint/2010/main" val="1473269279"/>
       </p:ext>
     </p:extLst>
   </p:cSld>
@@ -1483,6 +1701,90 @@
     <p:extLst>
       <p:ext uri="{BB962C8B-B14F-4D97-AF65-F5344CB8AC3E}">
         <p14:creationId xmlns:p14="http://schemas.microsoft.com/office/powerpoint/2010/main" val="627646829"/>
+      </p:ext>
+    </p:extLst>
+  </p:cSld>
+  <p:clrMapOvr>
+    <a:masterClrMapping/>
+  </p:clrMapOvr>
+</p:notes>
+</file>
+
+<file path=ppt/notesSlides/notesSlide20.xml><?xml version="1.0" encoding="utf-8"?>
+<p:notes xmlns:a="http://schemas.openxmlformats.org/drawingml/2006/main" xmlns:r="http://schemas.openxmlformats.org/officeDocument/2006/relationships" xmlns:p="http://schemas.openxmlformats.org/presentationml/2006/main">
+  <p:cSld>
+    <p:spTree>
+      <p:nvGrpSpPr>
+        <p:cNvPr id="1" name=""/>
+        <p:cNvGrpSpPr/>
+        <p:nvPr/>
+      </p:nvGrpSpPr>
+      <p:grpSpPr>
+        <a:xfrm>
+          <a:off x="0" y="0"/>
+          <a:ext cx="0" cy="0"/>
+          <a:chOff x="0" y="0"/>
+          <a:chExt cx="0" cy="0"/>
+        </a:xfrm>
+      </p:grpSpPr>
+      <p:sp>
+        <p:nvSpPr>
+          <p:cNvPr id="2" name="幻灯片图像占位符 1"/>
+          <p:cNvSpPr>
+            <a:spLocks noGrp="1" noRot="1" noChangeAspect="1"/>
+          </p:cNvSpPr>
+          <p:nvPr>
+            <p:ph type="sldImg"/>
+          </p:nvPr>
+        </p:nvSpPr>
+        <p:spPr/>
+      </p:sp>
+      <p:sp>
+        <p:nvSpPr>
+          <p:cNvPr id="3" name="备注占位符 2"/>
+          <p:cNvSpPr>
+            <a:spLocks noGrp="1"/>
+          </p:cNvSpPr>
+          <p:nvPr>
+            <p:ph type="body" idx="1"/>
+          </p:nvPr>
+        </p:nvSpPr>
+        <p:spPr/>
+        <p:txBody>
+          <a:bodyPr/>
+          <a:lstStyle/>
+          <a:p>
+            <a:endParaRPr lang="zh-CN" altLang="en-US"/>
+          </a:p>
+        </p:txBody>
+      </p:sp>
+      <p:sp>
+        <p:nvSpPr>
+          <p:cNvPr id="4" name="灯片编号占位符 3"/>
+          <p:cNvSpPr>
+            <a:spLocks noGrp="1"/>
+          </p:cNvSpPr>
+          <p:nvPr>
+            <p:ph type="sldNum" sz="quarter" idx="10"/>
+          </p:nvPr>
+        </p:nvSpPr>
+        <p:spPr/>
+        <p:txBody>
+          <a:bodyPr/>
+          <a:lstStyle/>
+          <a:p>
+            <a:fld id="{19073E7D-005B-40FA-BA74-142CD851F01B}" type="slidenum">
+              <a:rPr lang="zh-CN" altLang="en-US" smtClean="0"/>
+              <a:t>20</a:t>
+            </a:fld>
+            <a:endParaRPr lang="zh-CN" altLang="en-US"/>
+          </a:p>
+        </p:txBody>
+      </p:sp>
+    </p:spTree>
+    <p:extLst>
+      <p:ext uri="{BB962C8B-B14F-4D97-AF65-F5344CB8AC3E}">
+        <p14:creationId xmlns:p14="http://schemas.microsoft.com/office/powerpoint/2010/main" val="1390490528"/>
       </p:ext>
     </p:extLst>
   </p:cSld>
@@ -8332,7 +8634,6 @@
               <a:rPr lang="zh-CN" altLang="en-US" dirty="0"/>
               <a:t>时结束循环</a:t>
             </a:r>
-            <a:endParaRPr lang="zh-CN" altLang="en-US" dirty="0"/>
           </a:p>
         </p:txBody>
       </p:sp>
@@ -11715,7 +12016,7 @@
         <p:spPr>
           <a:xfrm>
             <a:off x="5978809" y="6031558"/>
-            <a:ext cx="1390124" cy="369332"/>
+            <a:ext cx="1326004" cy="369332"/>
           </a:xfrm>
           <a:prstGeom prst="rect">
             <a:avLst/>
@@ -11730,7 +12031,7 @@
           <a:p>
             <a:r>
               <a:rPr lang="en-US" altLang="zh-CN" dirty="0" err="1" smtClean="0"/>
-              <a:t>newEndtIdx</a:t>
+              <a:t>newEndIdx</a:t>
             </a:r>
             <a:endParaRPr lang="zh-CN" altLang="en-US" dirty="0"/>
           </a:p>
@@ -11847,7 +12148,6 @@
               <a:rPr lang="zh-CN" altLang="en-US" dirty="0"/>
               <a:t>后面</a:t>
             </a:r>
-            <a:endParaRPr lang="zh-CN" altLang="en-US" dirty="0"/>
           </a:p>
         </p:txBody>
       </p:sp>
@@ -13922,7 +14222,7 @@
         <p:spPr>
           <a:xfrm>
             <a:off x="6833805" y="5563714"/>
-            <a:ext cx="1390124" cy="369332"/>
+            <a:ext cx="1326004" cy="369332"/>
           </a:xfrm>
           <a:prstGeom prst="rect">
             <a:avLst/>
@@ -13937,7 +14237,7 @@
           <a:p>
             <a:r>
               <a:rPr lang="en-US" altLang="zh-CN" dirty="0" err="1" smtClean="0"/>
-              <a:t>newEndtIdx</a:t>
+              <a:t>newEndIdx</a:t>
             </a:r>
             <a:endParaRPr lang="zh-CN" altLang="en-US" dirty="0"/>
           </a:p>
@@ -14292,7 +14592,6 @@
               <a:rPr lang="zh-CN" altLang="en-US" dirty="0"/>
               <a:t>的前面</a:t>
             </a:r>
-            <a:endParaRPr lang="zh-CN" altLang="en-US" dirty="0"/>
           </a:p>
         </p:txBody>
       </p:sp>
@@ -17555,7 +17854,7 @@
         <p:spPr>
           <a:xfrm>
             <a:off x="8376005" y="5563714"/>
-            <a:ext cx="1390124" cy="369332"/>
+            <a:ext cx="1326004" cy="369332"/>
           </a:xfrm>
           <a:prstGeom prst="rect">
             <a:avLst/>
@@ -17570,7 +17869,7 @@
           <a:p>
             <a:r>
               <a:rPr lang="en-US" altLang="zh-CN" dirty="0" err="1" smtClean="0"/>
-              <a:t>newEndtIdx</a:t>
+              <a:t>newEndIdx</a:t>
             </a:r>
             <a:endParaRPr lang="zh-CN" altLang="en-US" dirty="0"/>
           </a:p>
@@ -17841,7 +18140,6 @@
               <a:rPr lang="zh-CN" altLang="en-US" dirty="0"/>
               <a:t>节点。</a:t>
             </a:r>
-            <a:endParaRPr lang="zh-CN" altLang="en-US" dirty="0"/>
           </a:p>
         </p:txBody>
       </p:sp>
@@ -19668,6 +19966,14 @@
           <a:prstGeom prst="ellipse">
             <a:avLst/>
           </a:prstGeom>
+          <a:solidFill>
+            <a:srgbClr val="FBAA11"/>
+          </a:solidFill>
+          <a:ln>
+            <a:solidFill>
+              <a:srgbClr val="FBAA11"/>
+            </a:solidFill>
+          </a:ln>
         </p:spPr>
         <p:style>
           <a:lnRef idx="2">
@@ -19708,6 +20014,14 @@
           <a:prstGeom prst="ellipse">
             <a:avLst/>
           </a:prstGeom>
+          <a:solidFill>
+            <a:srgbClr val="FBAA11"/>
+          </a:solidFill>
+          <a:ln>
+            <a:solidFill>
+              <a:srgbClr val="FAFAFA"/>
+            </a:solidFill>
+          </a:ln>
         </p:spPr>
         <p:style>
           <a:lnRef idx="2">
@@ -19734,76 +20048,6 @@
           </a:p>
         </p:txBody>
       </p:sp>
-      <p:cxnSp>
-        <p:nvCxnSpPr>
-          <p:cNvPr id="37" name="直接箭头连接符 36"/>
-          <p:cNvCxnSpPr>
-            <a:stCxn id="7" idx="1"/>
-          </p:cNvCxnSpPr>
-          <p:nvPr/>
-        </p:nvCxnSpPr>
-        <p:spPr>
-          <a:xfrm flipH="1" flipV="1">
-            <a:off x="2253631" y="3420879"/>
-            <a:ext cx="361436" cy="274237"/>
-          </a:xfrm>
-          <a:prstGeom prst="straightConnector1">
-            <a:avLst/>
-          </a:prstGeom>
-          <a:ln>
-            <a:tailEnd type="triangle"/>
-          </a:ln>
-        </p:spPr>
-        <p:style>
-          <a:lnRef idx="1">
-            <a:schemeClr val="accent1"/>
-          </a:lnRef>
-          <a:fillRef idx="0">
-            <a:schemeClr val="accent1"/>
-          </a:fillRef>
-          <a:effectRef idx="0">
-            <a:schemeClr val="accent1"/>
-          </a:effectRef>
-          <a:fontRef idx="minor">
-            <a:schemeClr val="tx1"/>
-          </a:fontRef>
-        </p:style>
-      </p:cxnSp>
-      <p:cxnSp>
-        <p:nvCxnSpPr>
-          <p:cNvPr id="43" name="直接箭头连接符 42"/>
-          <p:cNvCxnSpPr>
-            <a:stCxn id="19" idx="7"/>
-          </p:cNvCxnSpPr>
-          <p:nvPr/>
-        </p:nvCxnSpPr>
-        <p:spPr>
-          <a:xfrm flipV="1">
-            <a:off x="6166526" y="3420879"/>
-            <a:ext cx="290616" cy="274236"/>
-          </a:xfrm>
-          <a:prstGeom prst="straightConnector1">
-            <a:avLst/>
-          </a:prstGeom>
-          <a:ln>
-            <a:tailEnd type="triangle"/>
-          </a:ln>
-        </p:spPr>
-        <p:style>
-          <a:lnRef idx="1">
-            <a:schemeClr val="accent1"/>
-          </a:lnRef>
-          <a:fillRef idx="0">
-            <a:schemeClr val="accent1"/>
-          </a:fillRef>
-          <a:effectRef idx="0">
-            <a:schemeClr val="accent1"/>
-          </a:effectRef>
-          <a:fontRef idx="minor">
-            <a:schemeClr val="tx1"/>
-          </a:fontRef>
-        </p:style>
-      </p:cxnSp>
       <p:sp>
         <p:nvSpPr>
           <p:cNvPr id="44" name="文本框 43"/>
@@ -19812,7 +20056,7 @@
         </p:nvSpPr>
         <p:spPr>
           <a:xfrm>
-            <a:off x="1681879" y="3080913"/>
+            <a:off x="4598922" y="2981675"/>
             <a:ext cx="1249060" cy="369332"/>
           </a:xfrm>
           <a:prstGeom prst="rect">
@@ -19842,7 +20086,7 @@
         </p:nvSpPr>
         <p:spPr>
           <a:xfrm>
-            <a:off x="5948509" y="3040736"/>
+            <a:off x="3071846" y="2974490"/>
             <a:ext cx="1210588" cy="369332"/>
           </a:xfrm>
           <a:prstGeom prst="rect">
@@ -19872,7 +20116,7 @@
         </p:nvSpPr>
         <p:spPr>
           <a:xfrm>
-            <a:off x="830295" y="5756538"/>
+            <a:off x="3911315" y="5948156"/>
             <a:ext cx="1364476" cy="369332"/>
           </a:xfrm>
           <a:prstGeom prst="rect">
@@ -19902,8 +20146,8 @@
         </p:nvSpPr>
         <p:spPr>
           <a:xfrm>
-            <a:off x="6683681" y="5563714"/>
-            <a:ext cx="1390124" cy="369332"/>
+            <a:off x="5403860" y="5948156"/>
+            <a:ext cx="1326004" cy="369332"/>
           </a:xfrm>
           <a:prstGeom prst="rect">
             <a:avLst/>
@@ -19918,7 +20162,7 @@
           <a:p>
             <a:r>
               <a:rPr lang="en-US" altLang="zh-CN" dirty="0" err="1" smtClean="0"/>
-              <a:t>newEndtIdx</a:t>
+              <a:t>newEndIdx</a:t>
             </a:r>
             <a:endParaRPr lang="zh-CN" altLang="en-US" dirty="0"/>
           </a:p>
@@ -19962,76 +20206,6 @@
           </a:p>
         </p:txBody>
       </p:sp>
-      <p:cxnSp>
-        <p:nvCxnSpPr>
-          <p:cNvPr id="5" name="直接箭头连接符 4"/>
-          <p:cNvCxnSpPr>
-            <a:stCxn id="22" idx="3"/>
-          </p:cNvCxnSpPr>
-          <p:nvPr/>
-        </p:nvCxnSpPr>
-        <p:spPr>
-          <a:xfrm flipH="1">
-            <a:off x="2191626" y="5414055"/>
-            <a:ext cx="423441" cy="471167"/>
-          </a:xfrm>
-          <a:prstGeom prst="straightConnector1">
-            <a:avLst/>
-          </a:prstGeom>
-          <a:ln>
-            <a:tailEnd type="triangle"/>
-          </a:ln>
-        </p:spPr>
-        <p:style>
-          <a:lnRef idx="1">
-            <a:schemeClr val="accent1"/>
-          </a:lnRef>
-          <a:fillRef idx="0">
-            <a:schemeClr val="accent1"/>
-          </a:fillRef>
-          <a:effectRef idx="0">
-            <a:schemeClr val="accent1"/>
-          </a:effectRef>
-          <a:fontRef idx="minor">
-            <a:schemeClr val="tx1"/>
-          </a:fontRef>
-        </p:style>
-      </p:cxnSp>
-      <p:cxnSp>
-        <p:nvCxnSpPr>
-          <p:cNvPr id="9" name="直接箭头连接符 8"/>
-          <p:cNvCxnSpPr>
-            <a:stCxn id="26" idx="5"/>
-          </p:cNvCxnSpPr>
-          <p:nvPr/>
-        </p:nvCxnSpPr>
-        <p:spPr>
-          <a:xfrm>
-            <a:off x="6166526" y="5414054"/>
-            <a:ext cx="546773" cy="245395"/>
-          </a:xfrm>
-          <a:prstGeom prst="straightConnector1">
-            <a:avLst/>
-          </a:prstGeom>
-          <a:ln>
-            <a:tailEnd type="triangle"/>
-          </a:ln>
-        </p:spPr>
-        <p:style>
-          <a:lnRef idx="1">
-            <a:schemeClr val="accent1"/>
-          </a:lnRef>
-          <a:fillRef idx="0">
-            <a:schemeClr val="accent1"/>
-          </a:fillRef>
-          <a:effectRef idx="0">
-            <a:schemeClr val="accent1"/>
-          </a:effectRef>
-          <a:fontRef idx="minor">
-            <a:schemeClr val="tx1"/>
-          </a:fontRef>
-        </p:style>
-      </p:cxnSp>
       <p:sp>
         <p:nvSpPr>
           <p:cNvPr id="36" name="文本框 35"/>
@@ -20213,7 +20387,446 @@
               <a:rPr lang="zh-CN" altLang="en-US" dirty="0"/>
               <a:t>中去）。</a:t>
             </a:r>
-            <a:endParaRPr lang="zh-CN" altLang="en-US" dirty="0"/>
+          </a:p>
+        </p:txBody>
+      </p:sp>
+      <p:cxnSp>
+        <p:nvCxnSpPr>
+          <p:cNvPr id="3" name="直接箭头连接符 2"/>
+          <p:cNvCxnSpPr>
+            <a:stCxn id="18" idx="0"/>
+            <a:endCxn id="44" idx="2"/>
+          </p:cNvCxnSpPr>
+          <p:nvPr/>
+        </p:nvCxnSpPr>
+        <p:spPr>
+          <a:xfrm flipV="1">
+            <a:off x="4866795" y="3351007"/>
+            <a:ext cx="356657" cy="265651"/>
+          </a:xfrm>
+          <a:prstGeom prst="straightConnector1">
+            <a:avLst/>
+          </a:prstGeom>
+          <a:ln>
+            <a:tailEnd type="triangle"/>
+          </a:ln>
+        </p:spPr>
+        <p:style>
+          <a:lnRef idx="1">
+            <a:schemeClr val="accent1"/>
+          </a:lnRef>
+          <a:fillRef idx="0">
+            <a:schemeClr val="accent1"/>
+          </a:fillRef>
+          <a:effectRef idx="0">
+            <a:schemeClr val="accent1"/>
+          </a:effectRef>
+          <a:fontRef idx="minor">
+            <a:schemeClr val="tx1"/>
+          </a:fontRef>
+        </p:style>
+      </p:cxnSp>
+      <p:cxnSp>
+        <p:nvCxnSpPr>
+          <p:cNvPr id="8" name="直接箭头连接符 7"/>
+          <p:cNvCxnSpPr>
+            <a:stCxn id="17" idx="0"/>
+            <a:endCxn id="45" idx="2"/>
+          </p:cNvCxnSpPr>
+          <p:nvPr/>
+        </p:nvCxnSpPr>
+        <p:spPr>
+          <a:xfrm flipH="1" flipV="1">
+            <a:off x="3677140" y="3343822"/>
+            <a:ext cx="111347" cy="272836"/>
+          </a:xfrm>
+          <a:prstGeom prst="straightConnector1">
+            <a:avLst/>
+          </a:prstGeom>
+          <a:ln>
+            <a:tailEnd type="triangle"/>
+          </a:ln>
+        </p:spPr>
+        <p:style>
+          <a:lnRef idx="1">
+            <a:schemeClr val="accent1"/>
+          </a:lnRef>
+          <a:fillRef idx="0">
+            <a:schemeClr val="accent1"/>
+          </a:fillRef>
+          <a:effectRef idx="0">
+            <a:schemeClr val="accent1"/>
+          </a:effectRef>
+          <a:fontRef idx="minor">
+            <a:schemeClr val="tx1"/>
+          </a:fontRef>
+        </p:style>
+      </p:cxnSp>
+      <p:sp>
+        <p:nvSpPr>
+          <p:cNvPr id="34" name="椭圆 33"/>
+          <p:cNvSpPr/>
+          <p:nvPr/>
+        </p:nvSpPr>
+        <p:spPr>
+          <a:xfrm>
+            <a:off x="6735345" y="4956767"/>
+            <a:ext cx="535745" cy="535745"/>
+          </a:xfrm>
+          <a:prstGeom prst="ellipse">
+            <a:avLst/>
+          </a:prstGeom>
+        </p:spPr>
+        <p:style>
+          <a:lnRef idx="2">
+            <a:schemeClr val="accent1">
+              <a:shade val="50000"/>
+            </a:schemeClr>
+          </a:lnRef>
+          <a:fillRef idx="1">
+            <a:schemeClr val="accent1"/>
+          </a:fillRef>
+          <a:effectRef idx="0">
+            <a:schemeClr val="accent1"/>
+          </a:effectRef>
+          <a:fontRef idx="minor">
+            <a:schemeClr val="lt1"/>
+          </a:fontRef>
+        </p:style>
+        <p:txBody>
+          <a:bodyPr rtlCol="0" anchor="ctr"/>
+          <a:lstStyle/>
+          <a:p>
+            <a:pPr algn="ctr"/>
+            <a:endParaRPr lang="zh-CN" altLang="en-US"/>
+          </a:p>
+        </p:txBody>
+      </p:sp>
+      <p:sp>
+        <p:nvSpPr>
+          <p:cNvPr id="35" name="椭圆 34"/>
+          <p:cNvSpPr/>
+          <p:nvPr/>
+        </p:nvSpPr>
+        <p:spPr>
+          <a:xfrm>
+            <a:off x="8064886" y="4953139"/>
+            <a:ext cx="535745" cy="535745"/>
+          </a:xfrm>
+          <a:prstGeom prst="ellipse">
+            <a:avLst/>
+          </a:prstGeom>
+        </p:spPr>
+        <p:style>
+          <a:lnRef idx="2">
+            <a:schemeClr val="accent1">
+              <a:shade val="50000"/>
+            </a:schemeClr>
+          </a:lnRef>
+          <a:fillRef idx="1">
+            <a:schemeClr val="accent1"/>
+          </a:fillRef>
+          <a:effectRef idx="0">
+            <a:schemeClr val="accent1"/>
+          </a:effectRef>
+          <a:fontRef idx="minor">
+            <a:schemeClr val="lt1"/>
+          </a:fontRef>
+        </p:style>
+        <p:txBody>
+          <a:bodyPr rtlCol="0" anchor="ctr"/>
+          <a:lstStyle/>
+          <a:p>
+            <a:pPr algn="ctr"/>
+            <a:endParaRPr lang="zh-CN" altLang="en-US"/>
+          </a:p>
+        </p:txBody>
+      </p:sp>
+      <p:cxnSp>
+        <p:nvCxnSpPr>
+          <p:cNvPr id="15" name="直接箭头连接符 14"/>
+          <p:cNvCxnSpPr>
+            <a:stCxn id="26" idx="4"/>
+            <a:endCxn id="47" idx="0"/>
+          </p:cNvCxnSpPr>
+          <p:nvPr/>
+        </p:nvCxnSpPr>
+        <p:spPr>
+          <a:xfrm>
+            <a:off x="5977112" y="5492512"/>
+            <a:ext cx="89750" cy="455644"/>
+          </a:xfrm>
+          <a:prstGeom prst="straightConnector1">
+            <a:avLst/>
+          </a:prstGeom>
+          <a:ln>
+            <a:tailEnd type="triangle"/>
+          </a:ln>
+        </p:spPr>
+        <p:style>
+          <a:lnRef idx="1">
+            <a:schemeClr val="accent1"/>
+          </a:lnRef>
+          <a:fillRef idx="0">
+            <a:schemeClr val="accent1"/>
+          </a:fillRef>
+          <a:effectRef idx="0">
+            <a:schemeClr val="accent1"/>
+          </a:effectRef>
+          <a:fontRef idx="minor">
+            <a:schemeClr val="tx1"/>
+          </a:fontRef>
+        </p:style>
+      </p:cxnSp>
+      <p:cxnSp>
+        <p:nvCxnSpPr>
+          <p:cNvPr id="27" name="直接箭头连接符 26"/>
+          <p:cNvCxnSpPr>
+            <a:stCxn id="25" idx="4"/>
+            <a:endCxn id="46" idx="0"/>
+          </p:cNvCxnSpPr>
+          <p:nvPr/>
+        </p:nvCxnSpPr>
+        <p:spPr>
+          <a:xfrm flipH="1">
+            <a:off x="4593553" y="5492513"/>
+            <a:ext cx="273242" cy="455643"/>
+          </a:xfrm>
+          <a:prstGeom prst="straightConnector1">
+            <a:avLst/>
+          </a:prstGeom>
+          <a:ln>
+            <a:tailEnd type="triangle"/>
+          </a:ln>
+        </p:spPr>
+        <p:style>
+          <a:lnRef idx="1">
+            <a:schemeClr val="accent1"/>
+          </a:lnRef>
+          <a:fillRef idx="0">
+            <a:schemeClr val="accent1"/>
+          </a:fillRef>
+          <a:effectRef idx="0">
+            <a:schemeClr val="accent1"/>
+          </a:effectRef>
+          <a:fontRef idx="minor">
+            <a:schemeClr val="tx1"/>
+          </a:fontRef>
+        </p:style>
+      </p:cxnSp>
+      <p:sp>
+        <p:nvSpPr>
+          <p:cNvPr id="29" name="圆角矩形 28"/>
+          <p:cNvSpPr/>
+          <p:nvPr/>
+        </p:nvSpPr>
+        <p:spPr>
+          <a:xfrm>
+            <a:off x="4393273" y="4831307"/>
+            <a:ext cx="2021175" cy="796694"/>
+          </a:xfrm>
+          <a:prstGeom prst="roundRect">
+            <a:avLst/>
+          </a:prstGeom>
+          <a:noFill/>
+        </p:spPr>
+        <p:style>
+          <a:lnRef idx="2">
+            <a:schemeClr val="accent1">
+              <a:shade val="50000"/>
+            </a:schemeClr>
+          </a:lnRef>
+          <a:fillRef idx="1">
+            <a:schemeClr val="accent1"/>
+          </a:fillRef>
+          <a:effectRef idx="0">
+            <a:schemeClr val="accent1"/>
+          </a:effectRef>
+          <a:fontRef idx="minor">
+            <a:schemeClr val="lt1"/>
+          </a:fontRef>
+        </p:style>
+        <p:txBody>
+          <a:bodyPr rtlCol="0" anchor="ctr"/>
+          <a:lstStyle/>
+          <a:p>
+            <a:pPr algn="ctr"/>
+            <a:endParaRPr lang="zh-CN" altLang="en-US"/>
+          </a:p>
+        </p:txBody>
+      </p:sp>
+      <p:cxnSp>
+        <p:nvCxnSpPr>
+          <p:cNvPr id="42" name="直接箭头连接符 41"/>
+          <p:cNvCxnSpPr/>
+          <p:nvPr/>
+        </p:nvCxnSpPr>
+        <p:spPr>
+          <a:xfrm flipV="1">
+            <a:off x="6244984" y="4363373"/>
+            <a:ext cx="294580" cy="467935"/>
+          </a:xfrm>
+          <a:prstGeom prst="straightConnector1">
+            <a:avLst/>
+          </a:prstGeom>
+          <a:ln>
+            <a:tailEnd type="triangle"/>
+          </a:ln>
+        </p:spPr>
+        <p:style>
+          <a:lnRef idx="1">
+            <a:schemeClr val="accent1"/>
+          </a:lnRef>
+          <a:fillRef idx="0">
+            <a:schemeClr val="accent1"/>
+          </a:fillRef>
+          <a:effectRef idx="0">
+            <a:schemeClr val="accent1"/>
+          </a:effectRef>
+          <a:fontRef idx="minor">
+            <a:schemeClr val="tx1"/>
+          </a:fontRef>
+        </p:style>
+      </p:cxnSp>
+      <p:sp>
+        <p:nvSpPr>
+          <p:cNvPr id="48" name="椭圆 47"/>
+          <p:cNvSpPr/>
+          <p:nvPr/>
+        </p:nvSpPr>
+        <p:spPr>
+          <a:xfrm>
+            <a:off x="6685870" y="3692140"/>
+            <a:ext cx="535745" cy="535745"/>
+          </a:xfrm>
+          <a:prstGeom prst="ellipse">
+            <a:avLst/>
+          </a:prstGeom>
+          <a:solidFill>
+            <a:srgbClr val="00B0F0"/>
+          </a:solidFill>
+          <a:ln>
+            <a:solidFill>
+              <a:srgbClr val="00B0F0"/>
+            </a:solidFill>
+          </a:ln>
+        </p:spPr>
+        <p:style>
+          <a:lnRef idx="2">
+            <a:schemeClr val="accent1">
+              <a:shade val="50000"/>
+            </a:schemeClr>
+          </a:lnRef>
+          <a:fillRef idx="1">
+            <a:schemeClr val="accent1"/>
+          </a:fillRef>
+          <a:effectRef idx="0">
+            <a:schemeClr val="accent1"/>
+          </a:effectRef>
+          <a:fontRef idx="minor">
+            <a:schemeClr val="lt1"/>
+          </a:fontRef>
+        </p:style>
+        <p:txBody>
+          <a:bodyPr rtlCol="0" anchor="ctr"/>
+          <a:lstStyle/>
+          <a:p>
+            <a:pPr algn="ctr"/>
+            <a:endParaRPr lang="zh-CN" altLang="en-US"/>
+          </a:p>
+        </p:txBody>
+      </p:sp>
+      <p:sp>
+        <p:nvSpPr>
+          <p:cNvPr id="49" name="椭圆 48"/>
+          <p:cNvSpPr/>
+          <p:nvPr/>
+        </p:nvSpPr>
+        <p:spPr>
+          <a:xfrm>
+            <a:off x="7796187" y="3692139"/>
+            <a:ext cx="535745" cy="535745"/>
+          </a:xfrm>
+          <a:prstGeom prst="ellipse">
+            <a:avLst/>
+          </a:prstGeom>
+          <a:solidFill>
+            <a:srgbClr val="00B0F0"/>
+          </a:solidFill>
+          <a:ln>
+            <a:solidFill>
+              <a:srgbClr val="FAFAFA"/>
+            </a:solidFill>
+          </a:ln>
+        </p:spPr>
+        <p:style>
+          <a:lnRef idx="2">
+            <a:schemeClr val="accent1">
+              <a:shade val="50000"/>
+            </a:schemeClr>
+          </a:lnRef>
+          <a:fillRef idx="1">
+            <a:schemeClr val="accent1"/>
+          </a:fillRef>
+          <a:effectRef idx="0">
+            <a:schemeClr val="accent1"/>
+          </a:effectRef>
+          <a:fontRef idx="minor">
+            <a:schemeClr val="lt1"/>
+          </a:fontRef>
+        </p:style>
+        <p:txBody>
+          <a:bodyPr rtlCol="0" anchor="ctr"/>
+          <a:lstStyle/>
+          <a:p>
+            <a:pPr algn="ctr"/>
+            <a:endParaRPr lang="zh-CN" altLang="en-US"/>
+          </a:p>
+        </p:txBody>
+      </p:sp>
+      <p:sp>
+        <p:nvSpPr>
+          <p:cNvPr id="50" name="圆角矩形 49"/>
+          <p:cNvSpPr/>
+          <p:nvPr/>
+        </p:nvSpPr>
+        <p:spPr>
+          <a:xfrm>
+            <a:off x="6480221" y="3566679"/>
+            <a:ext cx="2021175" cy="796694"/>
+          </a:xfrm>
+          <a:prstGeom prst="roundRect">
+            <a:avLst/>
+          </a:prstGeom>
+          <a:noFill/>
+          <a:ln>
+            <a:solidFill>
+              <a:srgbClr val="0070C0"/>
+            </a:solidFill>
+          </a:ln>
+        </p:spPr>
+        <p:style>
+          <a:lnRef idx="2">
+            <a:schemeClr val="accent1">
+              <a:shade val="50000"/>
+            </a:schemeClr>
+          </a:lnRef>
+          <a:fillRef idx="1">
+            <a:schemeClr val="accent1"/>
+          </a:fillRef>
+          <a:effectRef idx="0">
+            <a:schemeClr val="accent1"/>
+          </a:effectRef>
+          <a:fontRef idx="minor">
+            <a:schemeClr val="lt1"/>
+          </a:fontRef>
+        </p:style>
+        <p:txBody>
+          <a:bodyPr rtlCol="0" anchor="ctr"/>
+          <a:lstStyle/>
+          <a:p>
+            <a:pPr algn="ctr"/>
+            <a:endParaRPr lang="zh-CN" altLang="en-US"/>
           </a:p>
         </p:txBody>
       </p:sp>
@@ -20424,21 +21037,39 @@
                                   </p:childTnLst>
                                 </p:cTn>
                               </p:par>
+                            </p:childTnLst>
+                          </p:cTn>
+                        </p:par>
+                      </p:childTnLst>
+                    </p:cTn>
+                  </p:par>
+                  <p:par>
+                    <p:cTn id="15" fill="hold">
+                      <p:stCondLst>
+                        <p:cond delay="indefinite"/>
+                      </p:stCondLst>
+                      <p:childTnLst>
+                        <p:par>
+                          <p:cTn id="16" fill="hold">
+                            <p:stCondLst>
+                              <p:cond delay="0"/>
+                            </p:stCondLst>
+                            <p:childTnLst>
                               <p:par>
-                                <p:cTn id="15" presetID="16" presetClass="entr" presetSubtype="21" fill="hold" nodeType="withEffect">
+                                <p:cTn id="17" presetID="2" presetClass="entr" presetSubtype="4" fill="hold" grpId="0" nodeType="clickEffect">
                                   <p:stCondLst>
                                     <p:cond delay="0"/>
                                   </p:stCondLst>
                                   <p:childTnLst>
                                     <p:set>
                                       <p:cBhvr>
-                                        <p:cTn id="16" dur="1" fill="hold">
+                                        <p:cTn id="18" dur="1" fill="hold">
                                           <p:stCondLst>
                                             <p:cond delay="0"/>
                                           </p:stCondLst>
                                         </p:cTn>
                                         <p:tgtEl>
-                                          <p:spTgt spid="9"/>
+                                          <p:spTgt spid="7"/>
                                         </p:tgtEl>
                                         <p:attrNameLst>
                                           <p:attrName>style.visibility</p:attrName>
@@ -20448,11 +21079,7355 @@
                                         <p:strVal val="visible"/>
                                       </p:to>
                                     </p:set>
-                                    <p:animEffect transition="in" filter="barn(inVertical)">
-                                      <p:cBhvr>
-                                        <p:cTn id="17" dur="500"/>
+                                    <p:anim calcmode="lin" valueType="num">
+                                      <p:cBhvr additive="base">
+                                        <p:cTn id="19" dur="500" fill="hold"/>
+                                        <p:tgtEl>
+                                          <p:spTgt spid="7"/>
+                                        </p:tgtEl>
+                                        <p:attrNameLst>
+                                          <p:attrName>ppt_x</p:attrName>
+                                        </p:attrNameLst>
+                                      </p:cBhvr>
+                                      <p:tavLst>
+                                        <p:tav tm="0">
+                                          <p:val>
+                                            <p:strVal val="#ppt_x"/>
+                                          </p:val>
+                                        </p:tav>
+                                        <p:tav tm="100000">
+                                          <p:val>
+                                            <p:strVal val="#ppt_x"/>
+                                          </p:val>
+                                        </p:tav>
+                                      </p:tavLst>
+                                    </p:anim>
+                                    <p:anim calcmode="lin" valueType="num">
+                                      <p:cBhvr additive="base">
+                                        <p:cTn id="20" dur="500" fill="hold"/>
+                                        <p:tgtEl>
+                                          <p:spTgt spid="7"/>
+                                        </p:tgtEl>
+                                        <p:attrNameLst>
+                                          <p:attrName>ppt_y</p:attrName>
+                                        </p:attrNameLst>
+                                      </p:cBhvr>
+                                      <p:tavLst>
+                                        <p:tav tm="0">
+                                          <p:val>
+                                            <p:strVal val="1+#ppt_h/2"/>
+                                          </p:val>
+                                        </p:tav>
+                                        <p:tav tm="100000">
+                                          <p:val>
+                                            <p:strVal val="#ppt_y"/>
+                                          </p:val>
+                                        </p:tav>
+                                      </p:tavLst>
+                                    </p:anim>
+                                  </p:childTnLst>
+                                </p:cTn>
+                              </p:par>
+                              <p:par>
+                                <p:cTn id="21" presetID="2" presetClass="entr" presetSubtype="4" fill="hold" grpId="0" nodeType="withEffect">
+                                  <p:stCondLst>
+                                    <p:cond delay="0"/>
+                                  </p:stCondLst>
+                                  <p:childTnLst>
+                                    <p:set>
+                                      <p:cBhvr>
+                                        <p:cTn id="22" dur="1" fill="hold">
+                                          <p:stCondLst>
+                                            <p:cond delay="0"/>
+                                          </p:stCondLst>
+                                        </p:cTn>
+                                        <p:tgtEl>
+                                          <p:spTgt spid="17"/>
+                                        </p:tgtEl>
+                                        <p:attrNameLst>
+                                          <p:attrName>style.visibility</p:attrName>
+                                        </p:attrNameLst>
+                                      </p:cBhvr>
+                                      <p:to>
+                                        <p:strVal val="visible"/>
+                                      </p:to>
+                                    </p:set>
+                                    <p:anim calcmode="lin" valueType="num">
+                                      <p:cBhvr additive="base">
+                                        <p:cTn id="23" dur="500" fill="hold"/>
+                                        <p:tgtEl>
+                                          <p:spTgt spid="17"/>
+                                        </p:tgtEl>
+                                        <p:attrNameLst>
+                                          <p:attrName>ppt_x</p:attrName>
+                                        </p:attrNameLst>
+                                      </p:cBhvr>
+                                      <p:tavLst>
+                                        <p:tav tm="0">
+                                          <p:val>
+                                            <p:strVal val="#ppt_x"/>
+                                          </p:val>
+                                        </p:tav>
+                                        <p:tav tm="100000">
+                                          <p:val>
+                                            <p:strVal val="#ppt_x"/>
+                                          </p:val>
+                                        </p:tav>
+                                      </p:tavLst>
+                                    </p:anim>
+                                    <p:anim calcmode="lin" valueType="num">
+                                      <p:cBhvr additive="base">
+                                        <p:cTn id="24" dur="500" fill="hold"/>
+                                        <p:tgtEl>
+                                          <p:spTgt spid="17"/>
+                                        </p:tgtEl>
+                                        <p:attrNameLst>
+                                          <p:attrName>ppt_y</p:attrName>
+                                        </p:attrNameLst>
+                                      </p:cBhvr>
+                                      <p:tavLst>
+                                        <p:tav tm="0">
+                                          <p:val>
+                                            <p:strVal val="1+#ppt_h/2"/>
+                                          </p:val>
+                                        </p:tav>
+                                        <p:tav tm="100000">
+                                          <p:val>
+                                            <p:strVal val="#ppt_y"/>
+                                          </p:val>
+                                        </p:tav>
+                                      </p:tavLst>
+                                    </p:anim>
+                                  </p:childTnLst>
+                                </p:cTn>
+                              </p:par>
+                              <p:par>
+                                <p:cTn id="25" presetID="2" presetClass="entr" presetSubtype="4" fill="hold" grpId="0" nodeType="withEffect">
+                                  <p:stCondLst>
+                                    <p:cond delay="0"/>
+                                  </p:stCondLst>
+                                  <p:childTnLst>
+                                    <p:set>
+                                      <p:cBhvr>
+                                        <p:cTn id="26" dur="1" fill="hold">
+                                          <p:stCondLst>
+                                            <p:cond delay="0"/>
+                                          </p:stCondLst>
+                                        </p:cTn>
+                                        <p:tgtEl>
+                                          <p:spTgt spid="18"/>
+                                        </p:tgtEl>
+                                        <p:attrNameLst>
+                                          <p:attrName>style.visibility</p:attrName>
+                                        </p:attrNameLst>
+                                      </p:cBhvr>
+                                      <p:to>
+                                        <p:strVal val="visible"/>
+                                      </p:to>
+                                    </p:set>
+                                    <p:anim calcmode="lin" valueType="num">
+                                      <p:cBhvr additive="base">
+                                        <p:cTn id="27" dur="500" fill="hold"/>
+                                        <p:tgtEl>
+                                          <p:spTgt spid="18"/>
+                                        </p:tgtEl>
+                                        <p:attrNameLst>
+                                          <p:attrName>ppt_x</p:attrName>
+                                        </p:attrNameLst>
+                                      </p:cBhvr>
+                                      <p:tavLst>
+                                        <p:tav tm="0">
+                                          <p:val>
+                                            <p:strVal val="#ppt_x"/>
+                                          </p:val>
+                                        </p:tav>
+                                        <p:tav tm="100000">
+                                          <p:val>
+                                            <p:strVal val="#ppt_x"/>
+                                          </p:val>
+                                        </p:tav>
+                                      </p:tavLst>
+                                    </p:anim>
+                                    <p:anim calcmode="lin" valueType="num">
+                                      <p:cBhvr additive="base">
+                                        <p:cTn id="28" dur="500" fill="hold"/>
+                                        <p:tgtEl>
+                                          <p:spTgt spid="18"/>
+                                        </p:tgtEl>
+                                        <p:attrNameLst>
+                                          <p:attrName>ppt_y</p:attrName>
+                                        </p:attrNameLst>
+                                      </p:cBhvr>
+                                      <p:tavLst>
+                                        <p:tav tm="0">
+                                          <p:val>
+                                            <p:strVal val="1+#ppt_h/2"/>
+                                          </p:val>
+                                        </p:tav>
+                                        <p:tav tm="100000">
+                                          <p:val>
+                                            <p:strVal val="#ppt_y"/>
+                                          </p:val>
+                                        </p:tav>
+                                      </p:tavLst>
+                                    </p:anim>
+                                  </p:childTnLst>
+                                </p:cTn>
+                              </p:par>
+                              <p:par>
+                                <p:cTn id="29" presetID="2" presetClass="entr" presetSubtype="4" fill="hold" grpId="0" nodeType="withEffect">
+                                  <p:stCondLst>
+                                    <p:cond delay="0"/>
+                                  </p:stCondLst>
+                                  <p:childTnLst>
+                                    <p:set>
+                                      <p:cBhvr>
+                                        <p:cTn id="30" dur="1" fill="hold">
+                                          <p:stCondLst>
+                                            <p:cond delay="0"/>
+                                          </p:stCondLst>
+                                        </p:cTn>
+                                        <p:tgtEl>
+                                          <p:spTgt spid="19"/>
+                                        </p:tgtEl>
+                                        <p:attrNameLst>
+                                          <p:attrName>style.visibility</p:attrName>
+                                        </p:attrNameLst>
+                                      </p:cBhvr>
+                                      <p:to>
+                                        <p:strVal val="visible"/>
+                                      </p:to>
+                                    </p:set>
+                                    <p:anim calcmode="lin" valueType="num">
+                                      <p:cBhvr additive="base">
+                                        <p:cTn id="31" dur="500" fill="hold"/>
+                                        <p:tgtEl>
+                                          <p:spTgt spid="19"/>
+                                        </p:tgtEl>
+                                        <p:attrNameLst>
+                                          <p:attrName>ppt_x</p:attrName>
+                                        </p:attrNameLst>
+                                      </p:cBhvr>
+                                      <p:tavLst>
+                                        <p:tav tm="0">
+                                          <p:val>
+                                            <p:strVal val="#ppt_x"/>
+                                          </p:val>
+                                        </p:tav>
+                                        <p:tav tm="100000">
+                                          <p:val>
+                                            <p:strVal val="#ppt_x"/>
+                                          </p:val>
+                                        </p:tav>
+                                      </p:tavLst>
+                                    </p:anim>
+                                    <p:anim calcmode="lin" valueType="num">
+                                      <p:cBhvr additive="base">
+                                        <p:cTn id="32" dur="500" fill="hold"/>
+                                        <p:tgtEl>
+                                          <p:spTgt spid="19"/>
+                                        </p:tgtEl>
+                                        <p:attrNameLst>
+                                          <p:attrName>ppt_y</p:attrName>
+                                        </p:attrNameLst>
+                                      </p:cBhvr>
+                                      <p:tavLst>
+                                        <p:tav tm="0">
+                                          <p:val>
+                                            <p:strVal val="1+#ppt_h/2"/>
+                                          </p:val>
+                                        </p:tav>
+                                        <p:tav tm="100000">
+                                          <p:val>
+                                            <p:strVal val="#ppt_y"/>
+                                          </p:val>
+                                        </p:tav>
+                                      </p:tavLst>
+                                    </p:anim>
+                                  </p:childTnLst>
+                                </p:cTn>
+                              </p:par>
+                              <p:par>
+                                <p:cTn id="33" presetID="2" presetClass="entr" presetSubtype="4" fill="hold" grpId="0" nodeType="withEffect">
+                                  <p:stCondLst>
+                                    <p:cond delay="0"/>
+                                  </p:stCondLst>
+                                  <p:childTnLst>
+                                    <p:set>
+                                      <p:cBhvr>
+                                        <p:cTn id="34" dur="1" fill="hold">
+                                          <p:stCondLst>
+                                            <p:cond delay="0"/>
+                                          </p:stCondLst>
+                                        </p:cTn>
+                                        <p:tgtEl>
+                                          <p:spTgt spid="22"/>
+                                        </p:tgtEl>
+                                        <p:attrNameLst>
+                                          <p:attrName>style.visibility</p:attrName>
+                                        </p:attrNameLst>
+                                      </p:cBhvr>
+                                      <p:to>
+                                        <p:strVal val="visible"/>
+                                      </p:to>
+                                    </p:set>
+                                    <p:anim calcmode="lin" valueType="num">
+                                      <p:cBhvr additive="base">
+                                        <p:cTn id="35" dur="500" fill="hold"/>
+                                        <p:tgtEl>
+                                          <p:spTgt spid="22"/>
+                                        </p:tgtEl>
+                                        <p:attrNameLst>
+                                          <p:attrName>ppt_x</p:attrName>
+                                        </p:attrNameLst>
+                                      </p:cBhvr>
+                                      <p:tavLst>
+                                        <p:tav tm="0">
+                                          <p:val>
+                                            <p:strVal val="#ppt_x"/>
+                                          </p:val>
+                                        </p:tav>
+                                        <p:tav tm="100000">
+                                          <p:val>
+                                            <p:strVal val="#ppt_x"/>
+                                          </p:val>
+                                        </p:tav>
+                                      </p:tavLst>
+                                    </p:anim>
+                                    <p:anim calcmode="lin" valueType="num">
+                                      <p:cBhvr additive="base">
+                                        <p:cTn id="36" dur="500" fill="hold"/>
+                                        <p:tgtEl>
+                                          <p:spTgt spid="22"/>
+                                        </p:tgtEl>
+                                        <p:attrNameLst>
+                                          <p:attrName>ppt_y</p:attrName>
+                                        </p:attrNameLst>
+                                      </p:cBhvr>
+                                      <p:tavLst>
+                                        <p:tav tm="0">
+                                          <p:val>
+                                            <p:strVal val="1+#ppt_h/2"/>
+                                          </p:val>
+                                        </p:tav>
+                                        <p:tav tm="100000">
+                                          <p:val>
+                                            <p:strVal val="#ppt_y"/>
+                                          </p:val>
+                                        </p:tav>
+                                      </p:tavLst>
+                                    </p:anim>
+                                  </p:childTnLst>
+                                </p:cTn>
+                              </p:par>
+                              <p:par>
+                                <p:cTn id="37" presetID="2" presetClass="entr" presetSubtype="4" fill="hold" grpId="0" nodeType="withEffect">
+                                  <p:stCondLst>
+                                    <p:cond delay="0"/>
+                                  </p:stCondLst>
+                                  <p:childTnLst>
+                                    <p:set>
+                                      <p:cBhvr>
+                                        <p:cTn id="38" dur="1" fill="hold">
+                                          <p:stCondLst>
+                                            <p:cond delay="0"/>
+                                          </p:stCondLst>
+                                        </p:cTn>
+                                        <p:tgtEl>
+                                          <p:spTgt spid="24"/>
+                                        </p:tgtEl>
+                                        <p:attrNameLst>
+                                          <p:attrName>style.visibility</p:attrName>
+                                        </p:attrNameLst>
+                                      </p:cBhvr>
+                                      <p:to>
+                                        <p:strVal val="visible"/>
+                                      </p:to>
+                                    </p:set>
+                                    <p:anim calcmode="lin" valueType="num">
+                                      <p:cBhvr additive="base">
+                                        <p:cTn id="39" dur="500" fill="hold"/>
+                                        <p:tgtEl>
+                                          <p:spTgt spid="24"/>
+                                        </p:tgtEl>
+                                        <p:attrNameLst>
+                                          <p:attrName>ppt_x</p:attrName>
+                                        </p:attrNameLst>
+                                      </p:cBhvr>
+                                      <p:tavLst>
+                                        <p:tav tm="0">
+                                          <p:val>
+                                            <p:strVal val="#ppt_x"/>
+                                          </p:val>
+                                        </p:tav>
+                                        <p:tav tm="100000">
+                                          <p:val>
+                                            <p:strVal val="#ppt_x"/>
+                                          </p:val>
+                                        </p:tav>
+                                      </p:tavLst>
+                                    </p:anim>
+                                    <p:anim calcmode="lin" valueType="num">
+                                      <p:cBhvr additive="base">
+                                        <p:cTn id="40" dur="500" fill="hold"/>
+                                        <p:tgtEl>
+                                          <p:spTgt spid="24"/>
+                                        </p:tgtEl>
+                                        <p:attrNameLst>
+                                          <p:attrName>ppt_y</p:attrName>
+                                        </p:attrNameLst>
+                                      </p:cBhvr>
+                                      <p:tavLst>
+                                        <p:tav tm="0">
+                                          <p:val>
+                                            <p:strVal val="1+#ppt_h/2"/>
+                                          </p:val>
+                                        </p:tav>
+                                        <p:tav tm="100000">
+                                          <p:val>
+                                            <p:strVal val="#ppt_y"/>
+                                          </p:val>
+                                        </p:tav>
+                                      </p:tavLst>
+                                    </p:anim>
+                                  </p:childTnLst>
+                                </p:cTn>
+                              </p:par>
+                              <p:par>
+                                <p:cTn id="41" presetID="2" presetClass="entr" presetSubtype="4" fill="hold" grpId="0" nodeType="withEffect">
+                                  <p:stCondLst>
+                                    <p:cond delay="0"/>
+                                  </p:stCondLst>
+                                  <p:childTnLst>
+                                    <p:set>
+                                      <p:cBhvr>
+                                        <p:cTn id="42" dur="1" fill="hold">
+                                          <p:stCondLst>
+                                            <p:cond delay="0"/>
+                                          </p:stCondLst>
+                                        </p:cTn>
+                                        <p:tgtEl>
+                                          <p:spTgt spid="25"/>
+                                        </p:tgtEl>
+                                        <p:attrNameLst>
+                                          <p:attrName>style.visibility</p:attrName>
+                                        </p:attrNameLst>
+                                      </p:cBhvr>
+                                      <p:to>
+                                        <p:strVal val="visible"/>
+                                      </p:to>
+                                    </p:set>
+                                    <p:anim calcmode="lin" valueType="num">
+                                      <p:cBhvr additive="base">
+                                        <p:cTn id="43" dur="500" fill="hold"/>
+                                        <p:tgtEl>
+                                          <p:spTgt spid="25"/>
+                                        </p:tgtEl>
+                                        <p:attrNameLst>
+                                          <p:attrName>ppt_x</p:attrName>
+                                        </p:attrNameLst>
+                                      </p:cBhvr>
+                                      <p:tavLst>
+                                        <p:tav tm="0">
+                                          <p:val>
+                                            <p:strVal val="#ppt_x"/>
+                                          </p:val>
+                                        </p:tav>
+                                        <p:tav tm="100000">
+                                          <p:val>
+                                            <p:strVal val="#ppt_x"/>
+                                          </p:val>
+                                        </p:tav>
+                                      </p:tavLst>
+                                    </p:anim>
+                                    <p:anim calcmode="lin" valueType="num">
+                                      <p:cBhvr additive="base">
+                                        <p:cTn id="44" dur="500" fill="hold"/>
+                                        <p:tgtEl>
+                                          <p:spTgt spid="25"/>
+                                        </p:tgtEl>
+                                        <p:attrNameLst>
+                                          <p:attrName>ppt_y</p:attrName>
+                                        </p:attrNameLst>
+                                      </p:cBhvr>
+                                      <p:tavLst>
+                                        <p:tav tm="0">
+                                          <p:val>
+                                            <p:strVal val="1+#ppt_h/2"/>
+                                          </p:val>
+                                        </p:tav>
+                                        <p:tav tm="100000">
+                                          <p:val>
+                                            <p:strVal val="#ppt_y"/>
+                                          </p:val>
+                                        </p:tav>
+                                      </p:tavLst>
+                                    </p:anim>
+                                  </p:childTnLst>
+                                </p:cTn>
+                              </p:par>
+                              <p:par>
+                                <p:cTn id="45" presetID="2" presetClass="entr" presetSubtype="4" fill="hold" grpId="0" nodeType="withEffect">
+                                  <p:stCondLst>
+                                    <p:cond delay="0"/>
+                                  </p:stCondLst>
+                                  <p:childTnLst>
+                                    <p:set>
+                                      <p:cBhvr>
+                                        <p:cTn id="46" dur="1" fill="hold">
+                                          <p:stCondLst>
+                                            <p:cond delay="0"/>
+                                          </p:stCondLst>
+                                        </p:cTn>
+                                        <p:tgtEl>
+                                          <p:spTgt spid="26"/>
+                                        </p:tgtEl>
+                                        <p:attrNameLst>
+                                          <p:attrName>style.visibility</p:attrName>
+                                        </p:attrNameLst>
+                                      </p:cBhvr>
+                                      <p:to>
+                                        <p:strVal val="visible"/>
+                                      </p:to>
+                                    </p:set>
+                                    <p:anim calcmode="lin" valueType="num">
+                                      <p:cBhvr additive="base">
+                                        <p:cTn id="47" dur="500" fill="hold"/>
+                                        <p:tgtEl>
+                                          <p:spTgt spid="26"/>
+                                        </p:tgtEl>
+                                        <p:attrNameLst>
+                                          <p:attrName>ppt_x</p:attrName>
+                                        </p:attrNameLst>
+                                      </p:cBhvr>
+                                      <p:tavLst>
+                                        <p:tav tm="0">
+                                          <p:val>
+                                            <p:strVal val="#ppt_x"/>
+                                          </p:val>
+                                        </p:tav>
+                                        <p:tav tm="100000">
+                                          <p:val>
+                                            <p:strVal val="#ppt_x"/>
+                                          </p:val>
+                                        </p:tav>
+                                      </p:tavLst>
+                                    </p:anim>
+                                    <p:anim calcmode="lin" valueType="num">
+                                      <p:cBhvr additive="base">
+                                        <p:cTn id="48" dur="500" fill="hold"/>
+                                        <p:tgtEl>
+                                          <p:spTgt spid="26"/>
+                                        </p:tgtEl>
+                                        <p:attrNameLst>
+                                          <p:attrName>ppt_y</p:attrName>
+                                        </p:attrNameLst>
+                                      </p:cBhvr>
+                                      <p:tavLst>
+                                        <p:tav tm="0">
+                                          <p:val>
+                                            <p:strVal val="1+#ppt_h/2"/>
+                                          </p:val>
+                                        </p:tav>
+                                        <p:tav tm="100000">
+                                          <p:val>
+                                            <p:strVal val="#ppt_y"/>
+                                          </p:val>
+                                        </p:tav>
+                                      </p:tavLst>
+                                    </p:anim>
+                                  </p:childTnLst>
+                                </p:cTn>
+                              </p:par>
+                              <p:par>
+                                <p:cTn id="49" presetID="2" presetClass="entr" presetSubtype="4" fill="hold" grpId="0" nodeType="withEffect">
+                                  <p:stCondLst>
+                                    <p:cond delay="0"/>
+                                  </p:stCondLst>
+                                  <p:childTnLst>
+                                    <p:set>
+                                      <p:cBhvr>
+                                        <p:cTn id="50" dur="1" fill="hold">
+                                          <p:stCondLst>
+                                            <p:cond delay="0"/>
+                                          </p:stCondLst>
+                                        </p:cTn>
+                                        <p:tgtEl>
+                                          <p:spTgt spid="44"/>
+                                        </p:tgtEl>
+                                        <p:attrNameLst>
+                                          <p:attrName>style.visibility</p:attrName>
+                                        </p:attrNameLst>
+                                      </p:cBhvr>
+                                      <p:to>
+                                        <p:strVal val="visible"/>
+                                      </p:to>
+                                    </p:set>
+                                    <p:anim calcmode="lin" valueType="num">
+                                      <p:cBhvr additive="base">
+                                        <p:cTn id="51" dur="500" fill="hold"/>
+                                        <p:tgtEl>
+                                          <p:spTgt spid="44"/>
+                                        </p:tgtEl>
+                                        <p:attrNameLst>
+                                          <p:attrName>ppt_x</p:attrName>
+                                        </p:attrNameLst>
+                                      </p:cBhvr>
+                                      <p:tavLst>
+                                        <p:tav tm="0">
+                                          <p:val>
+                                            <p:strVal val="#ppt_x"/>
+                                          </p:val>
+                                        </p:tav>
+                                        <p:tav tm="100000">
+                                          <p:val>
+                                            <p:strVal val="#ppt_x"/>
+                                          </p:val>
+                                        </p:tav>
+                                      </p:tavLst>
+                                    </p:anim>
+                                    <p:anim calcmode="lin" valueType="num">
+                                      <p:cBhvr additive="base">
+                                        <p:cTn id="52" dur="500" fill="hold"/>
+                                        <p:tgtEl>
+                                          <p:spTgt spid="44"/>
+                                        </p:tgtEl>
+                                        <p:attrNameLst>
+                                          <p:attrName>ppt_y</p:attrName>
+                                        </p:attrNameLst>
+                                      </p:cBhvr>
+                                      <p:tavLst>
+                                        <p:tav tm="0">
+                                          <p:val>
+                                            <p:strVal val="1+#ppt_h/2"/>
+                                          </p:val>
+                                        </p:tav>
+                                        <p:tav tm="100000">
+                                          <p:val>
+                                            <p:strVal val="#ppt_y"/>
+                                          </p:val>
+                                        </p:tav>
+                                      </p:tavLst>
+                                    </p:anim>
+                                  </p:childTnLst>
+                                </p:cTn>
+                              </p:par>
+                              <p:par>
+                                <p:cTn id="53" presetID="2" presetClass="entr" presetSubtype="4" fill="hold" grpId="0" nodeType="withEffect">
+                                  <p:stCondLst>
+                                    <p:cond delay="0"/>
+                                  </p:stCondLst>
+                                  <p:childTnLst>
+                                    <p:set>
+                                      <p:cBhvr>
+                                        <p:cTn id="54" dur="1" fill="hold">
+                                          <p:stCondLst>
+                                            <p:cond delay="0"/>
+                                          </p:stCondLst>
+                                        </p:cTn>
+                                        <p:tgtEl>
+                                          <p:spTgt spid="45"/>
+                                        </p:tgtEl>
+                                        <p:attrNameLst>
+                                          <p:attrName>style.visibility</p:attrName>
+                                        </p:attrNameLst>
+                                      </p:cBhvr>
+                                      <p:to>
+                                        <p:strVal val="visible"/>
+                                      </p:to>
+                                    </p:set>
+                                    <p:anim calcmode="lin" valueType="num">
+                                      <p:cBhvr additive="base">
+                                        <p:cTn id="55" dur="500" fill="hold"/>
+                                        <p:tgtEl>
+                                          <p:spTgt spid="45"/>
+                                        </p:tgtEl>
+                                        <p:attrNameLst>
+                                          <p:attrName>ppt_x</p:attrName>
+                                        </p:attrNameLst>
+                                      </p:cBhvr>
+                                      <p:tavLst>
+                                        <p:tav tm="0">
+                                          <p:val>
+                                            <p:strVal val="#ppt_x"/>
+                                          </p:val>
+                                        </p:tav>
+                                        <p:tav tm="100000">
+                                          <p:val>
+                                            <p:strVal val="#ppt_x"/>
+                                          </p:val>
+                                        </p:tav>
+                                      </p:tavLst>
+                                    </p:anim>
+                                    <p:anim calcmode="lin" valueType="num">
+                                      <p:cBhvr additive="base">
+                                        <p:cTn id="56" dur="500" fill="hold"/>
+                                        <p:tgtEl>
+                                          <p:spTgt spid="45"/>
+                                        </p:tgtEl>
+                                        <p:attrNameLst>
+                                          <p:attrName>ppt_y</p:attrName>
+                                        </p:attrNameLst>
+                                      </p:cBhvr>
+                                      <p:tavLst>
+                                        <p:tav tm="0">
+                                          <p:val>
+                                            <p:strVal val="1+#ppt_h/2"/>
+                                          </p:val>
+                                        </p:tav>
+                                        <p:tav tm="100000">
+                                          <p:val>
+                                            <p:strVal val="#ppt_y"/>
+                                          </p:val>
+                                        </p:tav>
+                                      </p:tavLst>
+                                    </p:anim>
+                                  </p:childTnLst>
+                                </p:cTn>
+                              </p:par>
+                              <p:par>
+                                <p:cTn id="57" presetID="2" presetClass="entr" presetSubtype="4" fill="hold" grpId="0" nodeType="withEffect">
+                                  <p:stCondLst>
+                                    <p:cond delay="0"/>
+                                  </p:stCondLst>
+                                  <p:childTnLst>
+                                    <p:set>
+                                      <p:cBhvr>
+                                        <p:cTn id="58" dur="1" fill="hold">
+                                          <p:stCondLst>
+                                            <p:cond delay="0"/>
+                                          </p:stCondLst>
+                                        </p:cTn>
+                                        <p:tgtEl>
+                                          <p:spTgt spid="46"/>
+                                        </p:tgtEl>
+                                        <p:attrNameLst>
+                                          <p:attrName>style.visibility</p:attrName>
+                                        </p:attrNameLst>
+                                      </p:cBhvr>
+                                      <p:to>
+                                        <p:strVal val="visible"/>
+                                      </p:to>
+                                    </p:set>
+                                    <p:anim calcmode="lin" valueType="num">
+                                      <p:cBhvr additive="base">
+                                        <p:cTn id="59" dur="500" fill="hold"/>
+                                        <p:tgtEl>
+                                          <p:spTgt spid="46"/>
+                                        </p:tgtEl>
+                                        <p:attrNameLst>
+                                          <p:attrName>ppt_x</p:attrName>
+                                        </p:attrNameLst>
+                                      </p:cBhvr>
+                                      <p:tavLst>
+                                        <p:tav tm="0">
+                                          <p:val>
+                                            <p:strVal val="#ppt_x"/>
+                                          </p:val>
+                                        </p:tav>
+                                        <p:tav tm="100000">
+                                          <p:val>
+                                            <p:strVal val="#ppt_x"/>
+                                          </p:val>
+                                        </p:tav>
+                                      </p:tavLst>
+                                    </p:anim>
+                                    <p:anim calcmode="lin" valueType="num">
+                                      <p:cBhvr additive="base">
+                                        <p:cTn id="60" dur="500" fill="hold"/>
+                                        <p:tgtEl>
+                                          <p:spTgt spid="46"/>
+                                        </p:tgtEl>
+                                        <p:attrNameLst>
+                                          <p:attrName>ppt_y</p:attrName>
+                                        </p:attrNameLst>
+                                      </p:cBhvr>
+                                      <p:tavLst>
+                                        <p:tav tm="0">
+                                          <p:val>
+                                            <p:strVal val="1+#ppt_h/2"/>
+                                          </p:val>
+                                        </p:tav>
+                                        <p:tav tm="100000">
+                                          <p:val>
+                                            <p:strVal val="#ppt_y"/>
+                                          </p:val>
+                                        </p:tav>
+                                      </p:tavLst>
+                                    </p:anim>
+                                  </p:childTnLst>
+                                </p:cTn>
+                              </p:par>
+                              <p:par>
+                                <p:cTn id="61" presetID="2" presetClass="entr" presetSubtype="4" fill="hold" grpId="0" nodeType="withEffect">
+                                  <p:stCondLst>
+                                    <p:cond delay="0"/>
+                                  </p:stCondLst>
+                                  <p:childTnLst>
+                                    <p:set>
+                                      <p:cBhvr>
+                                        <p:cTn id="62" dur="1" fill="hold">
+                                          <p:stCondLst>
+                                            <p:cond delay="0"/>
+                                          </p:stCondLst>
+                                        </p:cTn>
+                                        <p:tgtEl>
+                                          <p:spTgt spid="47"/>
+                                        </p:tgtEl>
+                                        <p:attrNameLst>
+                                          <p:attrName>style.visibility</p:attrName>
+                                        </p:attrNameLst>
+                                      </p:cBhvr>
+                                      <p:to>
+                                        <p:strVal val="visible"/>
+                                      </p:to>
+                                    </p:set>
+                                    <p:anim calcmode="lin" valueType="num">
+                                      <p:cBhvr additive="base">
+                                        <p:cTn id="63" dur="500" fill="hold"/>
+                                        <p:tgtEl>
+                                          <p:spTgt spid="47"/>
+                                        </p:tgtEl>
+                                        <p:attrNameLst>
+                                          <p:attrName>ppt_x</p:attrName>
+                                        </p:attrNameLst>
+                                      </p:cBhvr>
+                                      <p:tavLst>
+                                        <p:tav tm="0">
+                                          <p:val>
+                                            <p:strVal val="#ppt_x"/>
+                                          </p:val>
+                                        </p:tav>
+                                        <p:tav tm="100000">
+                                          <p:val>
+                                            <p:strVal val="#ppt_x"/>
+                                          </p:val>
+                                        </p:tav>
+                                      </p:tavLst>
+                                    </p:anim>
+                                    <p:anim calcmode="lin" valueType="num">
+                                      <p:cBhvr additive="base">
+                                        <p:cTn id="64" dur="500" fill="hold"/>
+                                        <p:tgtEl>
+                                          <p:spTgt spid="47"/>
+                                        </p:tgtEl>
+                                        <p:attrNameLst>
+                                          <p:attrName>ppt_y</p:attrName>
+                                        </p:attrNameLst>
+                                      </p:cBhvr>
+                                      <p:tavLst>
+                                        <p:tav tm="0">
+                                          <p:val>
+                                            <p:strVal val="1+#ppt_h/2"/>
+                                          </p:val>
+                                        </p:tav>
+                                        <p:tav tm="100000">
+                                          <p:val>
+                                            <p:strVal val="#ppt_y"/>
+                                          </p:val>
+                                        </p:tav>
+                                      </p:tavLst>
+                                    </p:anim>
+                                  </p:childTnLst>
+                                </p:cTn>
+                              </p:par>
+                              <p:par>
+                                <p:cTn id="65" presetID="2" presetClass="entr" presetSubtype="4" fill="hold" grpId="0" nodeType="withEffect">
+                                  <p:stCondLst>
+                                    <p:cond delay="0"/>
+                                  </p:stCondLst>
+                                  <p:childTnLst>
+                                    <p:set>
+                                      <p:cBhvr>
+                                        <p:cTn id="66" dur="1" fill="hold">
+                                          <p:stCondLst>
+                                            <p:cond delay="0"/>
+                                          </p:stCondLst>
+                                        </p:cTn>
+                                        <p:tgtEl>
+                                          <p:spTgt spid="31"/>
+                                        </p:tgtEl>
+                                        <p:attrNameLst>
+                                          <p:attrName>style.visibility</p:attrName>
+                                        </p:attrNameLst>
+                                      </p:cBhvr>
+                                      <p:to>
+                                        <p:strVal val="visible"/>
+                                      </p:to>
+                                    </p:set>
+                                    <p:anim calcmode="lin" valueType="num">
+                                      <p:cBhvr additive="base">
+                                        <p:cTn id="67" dur="500" fill="hold"/>
+                                        <p:tgtEl>
+                                          <p:spTgt spid="31"/>
+                                        </p:tgtEl>
+                                        <p:attrNameLst>
+                                          <p:attrName>ppt_x</p:attrName>
+                                        </p:attrNameLst>
+                                      </p:cBhvr>
+                                      <p:tavLst>
+                                        <p:tav tm="0">
+                                          <p:val>
+                                            <p:strVal val="#ppt_x"/>
+                                          </p:val>
+                                        </p:tav>
+                                        <p:tav tm="100000">
+                                          <p:val>
+                                            <p:strVal val="#ppt_x"/>
+                                          </p:val>
+                                        </p:tav>
+                                      </p:tavLst>
+                                    </p:anim>
+                                    <p:anim calcmode="lin" valueType="num">
+                                      <p:cBhvr additive="base">
+                                        <p:cTn id="68" dur="500" fill="hold"/>
+                                        <p:tgtEl>
+                                          <p:spTgt spid="31"/>
+                                        </p:tgtEl>
+                                        <p:attrNameLst>
+                                          <p:attrName>ppt_y</p:attrName>
+                                        </p:attrNameLst>
+                                      </p:cBhvr>
+                                      <p:tavLst>
+                                        <p:tav tm="0">
+                                          <p:val>
+                                            <p:strVal val="1+#ppt_h/2"/>
+                                          </p:val>
+                                        </p:tav>
+                                        <p:tav tm="100000">
+                                          <p:val>
+                                            <p:strVal val="#ppt_y"/>
+                                          </p:val>
+                                        </p:tav>
+                                      </p:tavLst>
+                                    </p:anim>
+                                  </p:childTnLst>
+                                </p:cTn>
+                              </p:par>
+                              <p:par>
+                                <p:cTn id="69" presetID="2" presetClass="entr" presetSubtype="4" fill="hold" grpId="0" nodeType="withEffect">
+                                  <p:stCondLst>
+                                    <p:cond delay="0"/>
+                                  </p:stCondLst>
+                                  <p:childTnLst>
+                                    <p:set>
+                                      <p:cBhvr>
+                                        <p:cTn id="70" dur="1" fill="hold">
+                                          <p:stCondLst>
+                                            <p:cond delay="0"/>
+                                          </p:stCondLst>
+                                        </p:cTn>
+                                        <p:tgtEl>
+                                          <p:spTgt spid="36"/>
+                                        </p:tgtEl>
+                                        <p:attrNameLst>
+                                          <p:attrName>style.visibility</p:attrName>
+                                        </p:attrNameLst>
+                                      </p:cBhvr>
+                                      <p:to>
+                                        <p:strVal val="visible"/>
+                                      </p:to>
+                                    </p:set>
+                                    <p:anim calcmode="lin" valueType="num">
+                                      <p:cBhvr additive="base">
+                                        <p:cTn id="71" dur="500" fill="hold"/>
+                                        <p:tgtEl>
+                                          <p:spTgt spid="36"/>
+                                        </p:tgtEl>
+                                        <p:attrNameLst>
+                                          <p:attrName>ppt_x</p:attrName>
+                                        </p:attrNameLst>
+                                      </p:cBhvr>
+                                      <p:tavLst>
+                                        <p:tav tm="0">
+                                          <p:val>
+                                            <p:strVal val="#ppt_x"/>
+                                          </p:val>
+                                        </p:tav>
+                                        <p:tav tm="100000">
+                                          <p:val>
+                                            <p:strVal val="#ppt_x"/>
+                                          </p:val>
+                                        </p:tav>
+                                      </p:tavLst>
+                                    </p:anim>
+                                    <p:anim calcmode="lin" valueType="num">
+                                      <p:cBhvr additive="base">
+                                        <p:cTn id="72" dur="500" fill="hold"/>
+                                        <p:tgtEl>
+                                          <p:spTgt spid="36"/>
+                                        </p:tgtEl>
+                                        <p:attrNameLst>
+                                          <p:attrName>ppt_y</p:attrName>
+                                        </p:attrNameLst>
+                                      </p:cBhvr>
+                                      <p:tavLst>
+                                        <p:tav tm="0">
+                                          <p:val>
+                                            <p:strVal val="1+#ppt_h/2"/>
+                                          </p:val>
+                                        </p:tav>
+                                        <p:tav tm="100000">
+                                          <p:val>
+                                            <p:strVal val="#ppt_y"/>
+                                          </p:val>
+                                        </p:tav>
+                                      </p:tavLst>
+                                    </p:anim>
+                                  </p:childTnLst>
+                                </p:cTn>
+                              </p:par>
+                              <p:par>
+                                <p:cTn id="73" presetID="2" presetClass="entr" presetSubtype="4" fill="hold" nodeType="withEffect">
+                                  <p:stCondLst>
+                                    <p:cond delay="0"/>
+                                  </p:stCondLst>
+                                  <p:childTnLst>
+                                    <p:set>
+                                      <p:cBhvr>
+                                        <p:cTn id="74" dur="1" fill="hold">
+                                          <p:stCondLst>
+                                            <p:cond delay="0"/>
+                                          </p:stCondLst>
+                                        </p:cTn>
+                                        <p:tgtEl>
+                                          <p:spTgt spid="3"/>
+                                        </p:tgtEl>
+                                        <p:attrNameLst>
+                                          <p:attrName>style.visibility</p:attrName>
+                                        </p:attrNameLst>
+                                      </p:cBhvr>
+                                      <p:to>
+                                        <p:strVal val="visible"/>
+                                      </p:to>
+                                    </p:set>
+                                    <p:anim calcmode="lin" valueType="num">
+                                      <p:cBhvr additive="base">
+                                        <p:cTn id="75" dur="500" fill="hold"/>
+                                        <p:tgtEl>
+                                          <p:spTgt spid="3"/>
+                                        </p:tgtEl>
+                                        <p:attrNameLst>
+                                          <p:attrName>ppt_x</p:attrName>
+                                        </p:attrNameLst>
+                                      </p:cBhvr>
+                                      <p:tavLst>
+                                        <p:tav tm="0">
+                                          <p:val>
+                                            <p:strVal val="#ppt_x"/>
+                                          </p:val>
+                                        </p:tav>
+                                        <p:tav tm="100000">
+                                          <p:val>
+                                            <p:strVal val="#ppt_x"/>
+                                          </p:val>
+                                        </p:tav>
+                                      </p:tavLst>
+                                    </p:anim>
+                                    <p:anim calcmode="lin" valueType="num">
+                                      <p:cBhvr additive="base">
+                                        <p:cTn id="76" dur="500" fill="hold"/>
+                                        <p:tgtEl>
+                                          <p:spTgt spid="3"/>
+                                        </p:tgtEl>
+                                        <p:attrNameLst>
+                                          <p:attrName>ppt_y</p:attrName>
+                                        </p:attrNameLst>
+                                      </p:cBhvr>
+                                      <p:tavLst>
+                                        <p:tav tm="0">
+                                          <p:val>
+                                            <p:strVal val="1+#ppt_h/2"/>
+                                          </p:val>
+                                        </p:tav>
+                                        <p:tav tm="100000">
+                                          <p:val>
+                                            <p:strVal val="#ppt_y"/>
+                                          </p:val>
+                                        </p:tav>
+                                      </p:tavLst>
+                                    </p:anim>
+                                  </p:childTnLst>
+                                </p:cTn>
+                              </p:par>
+                              <p:par>
+                                <p:cTn id="77" presetID="2" presetClass="entr" presetSubtype="4" fill="hold" nodeType="withEffect">
+                                  <p:stCondLst>
+                                    <p:cond delay="0"/>
+                                  </p:stCondLst>
+                                  <p:childTnLst>
+                                    <p:set>
+                                      <p:cBhvr>
+                                        <p:cTn id="78" dur="1" fill="hold">
+                                          <p:stCondLst>
+                                            <p:cond delay="0"/>
+                                          </p:stCondLst>
+                                        </p:cTn>
+                                        <p:tgtEl>
+                                          <p:spTgt spid="8"/>
+                                        </p:tgtEl>
+                                        <p:attrNameLst>
+                                          <p:attrName>style.visibility</p:attrName>
+                                        </p:attrNameLst>
+                                      </p:cBhvr>
+                                      <p:to>
+                                        <p:strVal val="visible"/>
+                                      </p:to>
+                                    </p:set>
+                                    <p:anim calcmode="lin" valueType="num">
+                                      <p:cBhvr additive="base">
+                                        <p:cTn id="79" dur="500" fill="hold"/>
+                                        <p:tgtEl>
+                                          <p:spTgt spid="8"/>
+                                        </p:tgtEl>
+                                        <p:attrNameLst>
+                                          <p:attrName>ppt_x</p:attrName>
+                                        </p:attrNameLst>
+                                      </p:cBhvr>
+                                      <p:tavLst>
+                                        <p:tav tm="0">
+                                          <p:val>
+                                            <p:strVal val="#ppt_x"/>
+                                          </p:val>
+                                        </p:tav>
+                                        <p:tav tm="100000">
+                                          <p:val>
+                                            <p:strVal val="#ppt_x"/>
+                                          </p:val>
+                                        </p:tav>
+                                      </p:tavLst>
+                                    </p:anim>
+                                    <p:anim calcmode="lin" valueType="num">
+                                      <p:cBhvr additive="base">
+                                        <p:cTn id="80" dur="500" fill="hold"/>
+                                        <p:tgtEl>
+                                          <p:spTgt spid="8"/>
+                                        </p:tgtEl>
+                                        <p:attrNameLst>
+                                          <p:attrName>ppt_y</p:attrName>
+                                        </p:attrNameLst>
+                                      </p:cBhvr>
+                                      <p:tavLst>
+                                        <p:tav tm="0">
+                                          <p:val>
+                                            <p:strVal val="1+#ppt_h/2"/>
+                                          </p:val>
+                                        </p:tav>
+                                        <p:tav tm="100000">
+                                          <p:val>
+                                            <p:strVal val="#ppt_y"/>
+                                          </p:val>
+                                        </p:tav>
+                                      </p:tavLst>
+                                    </p:anim>
+                                  </p:childTnLst>
+                                </p:cTn>
+                              </p:par>
+                              <p:par>
+                                <p:cTn id="81" presetID="2" presetClass="entr" presetSubtype="4" fill="hold" grpId="0" nodeType="withEffect">
+                                  <p:stCondLst>
+                                    <p:cond delay="0"/>
+                                  </p:stCondLst>
+                                  <p:childTnLst>
+                                    <p:set>
+                                      <p:cBhvr>
+                                        <p:cTn id="82" dur="1" fill="hold">
+                                          <p:stCondLst>
+                                            <p:cond delay="0"/>
+                                          </p:stCondLst>
+                                        </p:cTn>
+                                        <p:tgtEl>
+                                          <p:spTgt spid="34"/>
+                                        </p:tgtEl>
+                                        <p:attrNameLst>
+                                          <p:attrName>style.visibility</p:attrName>
+                                        </p:attrNameLst>
+                                      </p:cBhvr>
+                                      <p:to>
+                                        <p:strVal val="visible"/>
+                                      </p:to>
+                                    </p:set>
+                                    <p:anim calcmode="lin" valueType="num">
+                                      <p:cBhvr additive="base">
+                                        <p:cTn id="83" dur="500" fill="hold"/>
+                                        <p:tgtEl>
+                                          <p:spTgt spid="34"/>
+                                        </p:tgtEl>
+                                        <p:attrNameLst>
+                                          <p:attrName>ppt_x</p:attrName>
+                                        </p:attrNameLst>
+                                      </p:cBhvr>
+                                      <p:tavLst>
+                                        <p:tav tm="0">
+                                          <p:val>
+                                            <p:strVal val="#ppt_x"/>
+                                          </p:val>
+                                        </p:tav>
+                                        <p:tav tm="100000">
+                                          <p:val>
+                                            <p:strVal val="#ppt_x"/>
+                                          </p:val>
+                                        </p:tav>
+                                      </p:tavLst>
+                                    </p:anim>
+                                    <p:anim calcmode="lin" valueType="num">
+                                      <p:cBhvr additive="base">
+                                        <p:cTn id="84" dur="500" fill="hold"/>
+                                        <p:tgtEl>
+                                          <p:spTgt spid="34"/>
+                                        </p:tgtEl>
+                                        <p:attrNameLst>
+                                          <p:attrName>ppt_y</p:attrName>
+                                        </p:attrNameLst>
+                                      </p:cBhvr>
+                                      <p:tavLst>
+                                        <p:tav tm="0">
+                                          <p:val>
+                                            <p:strVal val="1+#ppt_h/2"/>
+                                          </p:val>
+                                        </p:tav>
+                                        <p:tav tm="100000">
+                                          <p:val>
+                                            <p:strVal val="#ppt_y"/>
+                                          </p:val>
+                                        </p:tav>
+                                      </p:tavLst>
+                                    </p:anim>
+                                  </p:childTnLst>
+                                </p:cTn>
+                              </p:par>
+                              <p:par>
+                                <p:cTn id="85" presetID="2" presetClass="entr" presetSubtype="4" fill="hold" grpId="0" nodeType="withEffect">
+                                  <p:stCondLst>
+                                    <p:cond delay="0"/>
+                                  </p:stCondLst>
+                                  <p:childTnLst>
+                                    <p:set>
+                                      <p:cBhvr>
+                                        <p:cTn id="86" dur="1" fill="hold">
+                                          <p:stCondLst>
+                                            <p:cond delay="0"/>
+                                          </p:stCondLst>
+                                        </p:cTn>
+                                        <p:tgtEl>
+                                          <p:spTgt spid="35"/>
+                                        </p:tgtEl>
+                                        <p:attrNameLst>
+                                          <p:attrName>style.visibility</p:attrName>
+                                        </p:attrNameLst>
+                                      </p:cBhvr>
+                                      <p:to>
+                                        <p:strVal val="visible"/>
+                                      </p:to>
+                                    </p:set>
+                                    <p:anim calcmode="lin" valueType="num">
+                                      <p:cBhvr additive="base">
+                                        <p:cTn id="87" dur="500" fill="hold"/>
+                                        <p:tgtEl>
+                                          <p:spTgt spid="35"/>
+                                        </p:tgtEl>
+                                        <p:attrNameLst>
+                                          <p:attrName>ppt_x</p:attrName>
+                                        </p:attrNameLst>
+                                      </p:cBhvr>
+                                      <p:tavLst>
+                                        <p:tav tm="0">
+                                          <p:val>
+                                            <p:strVal val="#ppt_x"/>
+                                          </p:val>
+                                        </p:tav>
+                                        <p:tav tm="100000">
+                                          <p:val>
+                                            <p:strVal val="#ppt_x"/>
+                                          </p:val>
+                                        </p:tav>
+                                      </p:tavLst>
+                                    </p:anim>
+                                    <p:anim calcmode="lin" valueType="num">
+                                      <p:cBhvr additive="base">
+                                        <p:cTn id="88" dur="500" fill="hold"/>
+                                        <p:tgtEl>
+                                          <p:spTgt spid="35"/>
+                                        </p:tgtEl>
+                                        <p:attrNameLst>
+                                          <p:attrName>ppt_y</p:attrName>
+                                        </p:attrNameLst>
+                                      </p:cBhvr>
+                                      <p:tavLst>
+                                        <p:tav tm="0">
+                                          <p:val>
+                                            <p:strVal val="1+#ppt_h/2"/>
+                                          </p:val>
+                                        </p:tav>
+                                        <p:tav tm="100000">
+                                          <p:val>
+                                            <p:strVal val="#ppt_y"/>
+                                          </p:val>
+                                        </p:tav>
+                                      </p:tavLst>
+                                    </p:anim>
+                                  </p:childTnLst>
+                                </p:cTn>
+                              </p:par>
+                              <p:par>
+                                <p:cTn id="89" presetID="2" presetClass="entr" presetSubtype="4" fill="hold" nodeType="withEffect">
+                                  <p:stCondLst>
+                                    <p:cond delay="0"/>
+                                  </p:stCondLst>
+                                  <p:childTnLst>
+                                    <p:set>
+                                      <p:cBhvr>
+                                        <p:cTn id="90" dur="1" fill="hold">
+                                          <p:stCondLst>
+                                            <p:cond delay="0"/>
+                                          </p:stCondLst>
+                                        </p:cTn>
+                                        <p:tgtEl>
+                                          <p:spTgt spid="15"/>
+                                        </p:tgtEl>
+                                        <p:attrNameLst>
+                                          <p:attrName>style.visibility</p:attrName>
+                                        </p:attrNameLst>
+                                      </p:cBhvr>
+                                      <p:to>
+                                        <p:strVal val="visible"/>
+                                      </p:to>
+                                    </p:set>
+                                    <p:anim calcmode="lin" valueType="num">
+                                      <p:cBhvr additive="base">
+                                        <p:cTn id="91" dur="500" fill="hold"/>
+                                        <p:tgtEl>
+                                          <p:spTgt spid="15"/>
+                                        </p:tgtEl>
+                                        <p:attrNameLst>
+                                          <p:attrName>ppt_x</p:attrName>
+                                        </p:attrNameLst>
+                                      </p:cBhvr>
+                                      <p:tavLst>
+                                        <p:tav tm="0">
+                                          <p:val>
+                                            <p:strVal val="#ppt_x"/>
+                                          </p:val>
+                                        </p:tav>
+                                        <p:tav tm="100000">
+                                          <p:val>
+                                            <p:strVal val="#ppt_x"/>
+                                          </p:val>
+                                        </p:tav>
+                                      </p:tavLst>
+                                    </p:anim>
+                                    <p:anim calcmode="lin" valueType="num">
+                                      <p:cBhvr additive="base">
+                                        <p:cTn id="92" dur="500" fill="hold"/>
+                                        <p:tgtEl>
+                                          <p:spTgt spid="15"/>
+                                        </p:tgtEl>
+                                        <p:attrNameLst>
+                                          <p:attrName>ppt_y</p:attrName>
+                                        </p:attrNameLst>
+                                      </p:cBhvr>
+                                      <p:tavLst>
+                                        <p:tav tm="0">
+                                          <p:val>
+                                            <p:strVal val="1+#ppt_h/2"/>
+                                          </p:val>
+                                        </p:tav>
+                                        <p:tav tm="100000">
+                                          <p:val>
+                                            <p:strVal val="#ppt_y"/>
+                                          </p:val>
+                                        </p:tav>
+                                      </p:tavLst>
+                                    </p:anim>
+                                  </p:childTnLst>
+                                </p:cTn>
+                              </p:par>
+                              <p:par>
+                                <p:cTn id="93" presetID="2" presetClass="entr" presetSubtype="4" fill="hold" nodeType="withEffect">
+                                  <p:stCondLst>
+                                    <p:cond delay="0"/>
+                                  </p:stCondLst>
+                                  <p:childTnLst>
+                                    <p:set>
+                                      <p:cBhvr>
+                                        <p:cTn id="94" dur="1" fill="hold">
+                                          <p:stCondLst>
+                                            <p:cond delay="0"/>
+                                          </p:stCondLst>
+                                        </p:cTn>
+                                        <p:tgtEl>
+                                          <p:spTgt spid="27"/>
+                                        </p:tgtEl>
+                                        <p:attrNameLst>
+                                          <p:attrName>style.visibility</p:attrName>
+                                        </p:attrNameLst>
+                                      </p:cBhvr>
+                                      <p:to>
+                                        <p:strVal val="visible"/>
+                                      </p:to>
+                                    </p:set>
+                                    <p:anim calcmode="lin" valueType="num">
+                                      <p:cBhvr additive="base">
+                                        <p:cTn id="95" dur="500" fill="hold"/>
+                                        <p:tgtEl>
+                                          <p:spTgt spid="27"/>
+                                        </p:tgtEl>
+                                        <p:attrNameLst>
+                                          <p:attrName>ppt_x</p:attrName>
+                                        </p:attrNameLst>
+                                      </p:cBhvr>
+                                      <p:tavLst>
+                                        <p:tav tm="0">
+                                          <p:val>
+                                            <p:strVal val="#ppt_x"/>
+                                          </p:val>
+                                        </p:tav>
+                                        <p:tav tm="100000">
+                                          <p:val>
+                                            <p:strVal val="#ppt_x"/>
+                                          </p:val>
+                                        </p:tav>
+                                      </p:tavLst>
+                                    </p:anim>
+                                    <p:anim calcmode="lin" valueType="num">
+                                      <p:cBhvr additive="base">
+                                        <p:cTn id="96" dur="500" fill="hold"/>
+                                        <p:tgtEl>
+                                          <p:spTgt spid="27"/>
+                                        </p:tgtEl>
+                                        <p:attrNameLst>
+                                          <p:attrName>ppt_y</p:attrName>
+                                        </p:attrNameLst>
+                                      </p:cBhvr>
+                                      <p:tavLst>
+                                        <p:tav tm="0">
+                                          <p:val>
+                                            <p:strVal val="1+#ppt_h/2"/>
+                                          </p:val>
+                                        </p:tav>
+                                        <p:tav tm="100000">
+                                          <p:val>
+                                            <p:strVal val="#ppt_y"/>
+                                          </p:val>
+                                        </p:tav>
+                                      </p:tavLst>
+                                    </p:anim>
+                                  </p:childTnLst>
+                                </p:cTn>
+                              </p:par>
+                              <p:par>
+                                <p:cTn id="97" presetID="2" presetClass="entr" presetSubtype="4" fill="hold" grpId="0" nodeType="withEffect">
+                                  <p:stCondLst>
+                                    <p:cond delay="0"/>
+                                  </p:stCondLst>
+                                  <p:childTnLst>
+                                    <p:set>
+                                      <p:cBhvr>
+                                        <p:cTn id="98" dur="1" fill="hold">
+                                          <p:stCondLst>
+                                            <p:cond delay="0"/>
+                                          </p:stCondLst>
+                                        </p:cTn>
+                                        <p:tgtEl>
+                                          <p:spTgt spid="29"/>
+                                        </p:tgtEl>
+                                        <p:attrNameLst>
+                                          <p:attrName>style.visibility</p:attrName>
+                                        </p:attrNameLst>
+                                      </p:cBhvr>
+                                      <p:to>
+                                        <p:strVal val="visible"/>
+                                      </p:to>
+                                    </p:set>
+                                    <p:anim calcmode="lin" valueType="num">
+                                      <p:cBhvr additive="base">
+                                        <p:cTn id="99" dur="500" fill="hold"/>
+                                        <p:tgtEl>
+                                          <p:spTgt spid="29"/>
+                                        </p:tgtEl>
+                                        <p:attrNameLst>
+                                          <p:attrName>ppt_x</p:attrName>
+                                        </p:attrNameLst>
+                                      </p:cBhvr>
+                                      <p:tavLst>
+                                        <p:tav tm="0">
+                                          <p:val>
+                                            <p:strVal val="#ppt_x"/>
+                                          </p:val>
+                                        </p:tav>
+                                        <p:tav tm="100000">
+                                          <p:val>
+                                            <p:strVal val="#ppt_x"/>
+                                          </p:val>
+                                        </p:tav>
+                                      </p:tavLst>
+                                    </p:anim>
+                                    <p:anim calcmode="lin" valueType="num">
+                                      <p:cBhvr additive="base">
+                                        <p:cTn id="100" dur="500" fill="hold"/>
+                                        <p:tgtEl>
+                                          <p:spTgt spid="29"/>
+                                        </p:tgtEl>
+                                        <p:attrNameLst>
+                                          <p:attrName>ppt_y</p:attrName>
+                                        </p:attrNameLst>
+                                      </p:cBhvr>
+                                      <p:tavLst>
+                                        <p:tav tm="0">
+                                          <p:val>
+                                            <p:strVal val="1+#ppt_h/2"/>
+                                          </p:val>
+                                        </p:tav>
+                                        <p:tav tm="100000">
+                                          <p:val>
+                                            <p:strVal val="#ppt_y"/>
+                                          </p:val>
+                                        </p:tav>
+                                      </p:tavLst>
+                                    </p:anim>
+                                  </p:childTnLst>
+                                </p:cTn>
+                              </p:par>
+                              <p:par>
+                                <p:cTn id="101" presetID="2" presetClass="entr" presetSubtype="4" fill="hold" nodeType="withEffect">
+                                  <p:stCondLst>
+                                    <p:cond delay="0"/>
+                                  </p:stCondLst>
+                                  <p:childTnLst>
+                                    <p:set>
+                                      <p:cBhvr>
+                                        <p:cTn id="102" dur="1" fill="hold">
+                                          <p:stCondLst>
+                                            <p:cond delay="0"/>
+                                          </p:stCondLst>
+                                        </p:cTn>
+                                        <p:tgtEl>
+                                          <p:spTgt spid="42"/>
+                                        </p:tgtEl>
+                                        <p:attrNameLst>
+                                          <p:attrName>style.visibility</p:attrName>
+                                        </p:attrNameLst>
+                                      </p:cBhvr>
+                                      <p:to>
+                                        <p:strVal val="visible"/>
+                                      </p:to>
+                                    </p:set>
+                                    <p:anim calcmode="lin" valueType="num">
+                                      <p:cBhvr additive="base">
+                                        <p:cTn id="103" dur="500" fill="hold"/>
+                                        <p:tgtEl>
+                                          <p:spTgt spid="42"/>
+                                        </p:tgtEl>
+                                        <p:attrNameLst>
+                                          <p:attrName>ppt_x</p:attrName>
+                                        </p:attrNameLst>
+                                      </p:cBhvr>
+                                      <p:tavLst>
+                                        <p:tav tm="0">
+                                          <p:val>
+                                            <p:strVal val="#ppt_x"/>
+                                          </p:val>
+                                        </p:tav>
+                                        <p:tav tm="100000">
+                                          <p:val>
+                                            <p:strVal val="#ppt_x"/>
+                                          </p:val>
+                                        </p:tav>
+                                      </p:tavLst>
+                                    </p:anim>
+                                    <p:anim calcmode="lin" valueType="num">
+                                      <p:cBhvr additive="base">
+                                        <p:cTn id="104" dur="500" fill="hold"/>
+                                        <p:tgtEl>
+                                          <p:spTgt spid="42"/>
+                                        </p:tgtEl>
+                                        <p:attrNameLst>
+                                          <p:attrName>ppt_y</p:attrName>
+                                        </p:attrNameLst>
+                                      </p:cBhvr>
+                                      <p:tavLst>
+                                        <p:tav tm="0">
+                                          <p:val>
+                                            <p:strVal val="1+#ppt_h/2"/>
+                                          </p:val>
+                                        </p:tav>
+                                        <p:tav tm="100000">
+                                          <p:val>
+                                            <p:strVal val="#ppt_y"/>
+                                          </p:val>
+                                        </p:tav>
+                                      </p:tavLst>
+                                    </p:anim>
+                                  </p:childTnLst>
+                                </p:cTn>
+                              </p:par>
+                              <p:par>
+                                <p:cTn id="105" presetID="2" presetClass="entr" presetSubtype="4" fill="hold" grpId="0" nodeType="withEffect">
+                                  <p:stCondLst>
+                                    <p:cond delay="0"/>
+                                  </p:stCondLst>
+                                  <p:childTnLst>
+                                    <p:set>
+                                      <p:cBhvr>
+                                        <p:cTn id="106" dur="1" fill="hold">
+                                          <p:stCondLst>
+                                            <p:cond delay="0"/>
+                                          </p:stCondLst>
+                                        </p:cTn>
+                                        <p:tgtEl>
+                                          <p:spTgt spid="48"/>
+                                        </p:tgtEl>
+                                        <p:attrNameLst>
+                                          <p:attrName>style.visibility</p:attrName>
+                                        </p:attrNameLst>
+                                      </p:cBhvr>
+                                      <p:to>
+                                        <p:strVal val="visible"/>
+                                      </p:to>
+                                    </p:set>
+                                    <p:anim calcmode="lin" valueType="num">
+                                      <p:cBhvr additive="base">
+                                        <p:cTn id="107" dur="500" fill="hold"/>
+                                        <p:tgtEl>
+                                          <p:spTgt spid="48"/>
+                                        </p:tgtEl>
+                                        <p:attrNameLst>
+                                          <p:attrName>ppt_x</p:attrName>
+                                        </p:attrNameLst>
+                                      </p:cBhvr>
+                                      <p:tavLst>
+                                        <p:tav tm="0">
+                                          <p:val>
+                                            <p:strVal val="#ppt_x"/>
+                                          </p:val>
+                                        </p:tav>
+                                        <p:tav tm="100000">
+                                          <p:val>
+                                            <p:strVal val="#ppt_x"/>
+                                          </p:val>
+                                        </p:tav>
+                                      </p:tavLst>
+                                    </p:anim>
+                                    <p:anim calcmode="lin" valueType="num">
+                                      <p:cBhvr additive="base">
+                                        <p:cTn id="108" dur="500" fill="hold"/>
+                                        <p:tgtEl>
+                                          <p:spTgt spid="48"/>
+                                        </p:tgtEl>
+                                        <p:attrNameLst>
+                                          <p:attrName>ppt_y</p:attrName>
+                                        </p:attrNameLst>
+                                      </p:cBhvr>
+                                      <p:tavLst>
+                                        <p:tav tm="0">
+                                          <p:val>
+                                            <p:strVal val="1+#ppt_h/2"/>
+                                          </p:val>
+                                        </p:tav>
+                                        <p:tav tm="100000">
+                                          <p:val>
+                                            <p:strVal val="#ppt_y"/>
+                                          </p:val>
+                                        </p:tav>
+                                      </p:tavLst>
+                                    </p:anim>
+                                  </p:childTnLst>
+                                </p:cTn>
+                              </p:par>
+                              <p:par>
+                                <p:cTn id="109" presetID="2" presetClass="entr" presetSubtype="4" fill="hold" grpId="0" nodeType="withEffect">
+                                  <p:stCondLst>
+                                    <p:cond delay="0"/>
+                                  </p:stCondLst>
+                                  <p:childTnLst>
+                                    <p:set>
+                                      <p:cBhvr>
+                                        <p:cTn id="110" dur="1" fill="hold">
+                                          <p:stCondLst>
+                                            <p:cond delay="0"/>
+                                          </p:stCondLst>
+                                        </p:cTn>
+                                        <p:tgtEl>
+                                          <p:spTgt spid="49"/>
+                                        </p:tgtEl>
+                                        <p:attrNameLst>
+                                          <p:attrName>style.visibility</p:attrName>
+                                        </p:attrNameLst>
+                                      </p:cBhvr>
+                                      <p:to>
+                                        <p:strVal val="visible"/>
+                                      </p:to>
+                                    </p:set>
+                                    <p:anim calcmode="lin" valueType="num">
+                                      <p:cBhvr additive="base">
+                                        <p:cTn id="111" dur="500" fill="hold"/>
+                                        <p:tgtEl>
+                                          <p:spTgt spid="49"/>
+                                        </p:tgtEl>
+                                        <p:attrNameLst>
+                                          <p:attrName>ppt_x</p:attrName>
+                                        </p:attrNameLst>
+                                      </p:cBhvr>
+                                      <p:tavLst>
+                                        <p:tav tm="0">
+                                          <p:val>
+                                            <p:strVal val="#ppt_x"/>
+                                          </p:val>
+                                        </p:tav>
+                                        <p:tav tm="100000">
+                                          <p:val>
+                                            <p:strVal val="#ppt_x"/>
+                                          </p:val>
+                                        </p:tav>
+                                      </p:tavLst>
+                                    </p:anim>
+                                    <p:anim calcmode="lin" valueType="num">
+                                      <p:cBhvr additive="base">
+                                        <p:cTn id="112" dur="500" fill="hold"/>
+                                        <p:tgtEl>
+                                          <p:spTgt spid="49"/>
+                                        </p:tgtEl>
+                                        <p:attrNameLst>
+                                          <p:attrName>ppt_y</p:attrName>
+                                        </p:attrNameLst>
+                                      </p:cBhvr>
+                                      <p:tavLst>
+                                        <p:tav tm="0">
+                                          <p:val>
+                                            <p:strVal val="1+#ppt_h/2"/>
+                                          </p:val>
+                                        </p:tav>
+                                        <p:tav tm="100000">
+                                          <p:val>
+                                            <p:strVal val="#ppt_y"/>
+                                          </p:val>
+                                        </p:tav>
+                                      </p:tavLst>
+                                    </p:anim>
+                                  </p:childTnLst>
+                                </p:cTn>
+                              </p:par>
+                              <p:par>
+                                <p:cTn id="113" presetID="2" presetClass="entr" presetSubtype="4" fill="hold" grpId="0" nodeType="withEffect">
+                                  <p:stCondLst>
+                                    <p:cond delay="0"/>
+                                  </p:stCondLst>
+                                  <p:childTnLst>
+                                    <p:set>
+                                      <p:cBhvr>
+                                        <p:cTn id="114" dur="1" fill="hold">
+                                          <p:stCondLst>
+                                            <p:cond delay="0"/>
+                                          </p:stCondLst>
+                                        </p:cTn>
+                                        <p:tgtEl>
+                                          <p:spTgt spid="50"/>
+                                        </p:tgtEl>
+                                        <p:attrNameLst>
+                                          <p:attrName>style.visibility</p:attrName>
+                                        </p:attrNameLst>
+                                      </p:cBhvr>
+                                      <p:to>
+                                        <p:strVal val="visible"/>
+                                      </p:to>
+                                    </p:set>
+                                    <p:anim calcmode="lin" valueType="num">
+                                      <p:cBhvr additive="base">
+                                        <p:cTn id="115" dur="500" fill="hold"/>
+                                        <p:tgtEl>
+                                          <p:spTgt spid="50"/>
+                                        </p:tgtEl>
+                                        <p:attrNameLst>
+                                          <p:attrName>ppt_x</p:attrName>
+                                        </p:attrNameLst>
+                                      </p:cBhvr>
+                                      <p:tavLst>
+                                        <p:tav tm="0">
+                                          <p:val>
+                                            <p:strVal val="#ppt_x"/>
+                                          </p:val>
+                                        </p:tav>
+                                        <p:tav tm="100000">
+                                          <p:val>
+                                            <p:strVal val="#ppt_x"/>
+                                          </p:val>
+                                        </p:tav>
+                                      </p:tavLst>
+                                    </p:anim>
+                                    <p:anim calcmode="lin" valueType="num">
+                                      <p:cBhvr additive="base">
+                                        <p:cTn id="116" dur="500" fill="hold"/>
+                                        <p:tgtEl>
+                                          <p:spTgt spid="50"/>
+                                        </p:tgtEl>
+                                        <p:attrNameLst>
+                                          <p:attrName>ppt_y</p:attrName>
+                                        </p:attrNameLst>
+                                      </p:cBhvr>
+                                      <p:tavLst>
+                                        <p:tav tm="0">
+                                          <p:val>
+                                            <p:strVal val="1+#ppt_h/2"/>
+                                          </p:val>
+                                        </p:tav>
+                                        <p:tav tm="100000">
+                                          <p:val>
+                                            <p:strVal val="#ppt_y"/>
+                                          </p:val>
+                                        </p:tav>
+                                      </p:tavLst>
+                                    </p:anim>
+                                  </p:childTnLst>
+                                </p:cTn>
+                              </p:par>
+                            </p:childTnLst>
+                          </p:cTn>
+                        </p:par>
+                      </p:childTnLst>
+                    </p:cTn>
+                  </p:par>
+                </p:childTnLst>
+              </p:cTn>
+              <p:prevCondLst>
+                <p:cond evt="onPrev" delay="0">
+                  <p:tgtEl>
+                    <p:sldTgt/>
+                  </p:tgtEl>
+                </p:cond>
+              </p:prevCondLst>
+              <p:nextCondLst>
+                <p:cond evt="onNext" delay="0">
+                  <p:tgtEl>
+                    <p:sldTgt/>
+                  </p:tgtEl>
+                </p:cond>
+              </p:nextCondLst>
+            </p:seq>
+          </p:childTnLst>
+        </p:cTn>
+      </p:par>
+    </p:tnLst>
+    <p:bldLst>
+      <p:bldP spid="20" grpId="0" animBg="1"/>
+      <p:bldP spid="23" grpId="0" animBg="1"/>
+      <p:bldP spid="7" grpId="0" animBg="1"/>
+      <p:bldP spid="17" grpId="0" animBg="1"/>
+      <p:bldP spid="18" grpId="0" animBg="1"/>
+      <p:bldP spid="19" grpId="0" animBg="1"/>
+      <p:bldP spid="22" grpId="0" animBg="1"/>
+      <p:bldP spid="24" grpId="0" animBg="1"/>
+      <p:bldP spid="25" grpId="0" animBg="1"/>
+      <p:bldP spid="26" grpId="0" animBg="1"/>
+      <p:bldP spid="44" grpId="0"/>
+      <p:bldP spid="45" grpId="0"/>
+      <p:bldP spid="46" grpId="0"/>
+      <p:bldP spid="47" grpId="0"/>
+      <p:bldP spid="31" grpId="0"/>
+      <p:bldP spid="36" grpId="0"/>
+      <p:bldP spid="34" grpId="0" animBg="1"/>
+      <p:bldP spid="35" grpId="0" animBg="1"/>
+      <p:bldP spid="29" grpId="0" animBg="1"/>
+      <p:bldP spid="48" grpId="0" animBg="1"/>
+      <p:bldP spid="49" grpId="0" animBg="1"/>
+      <p:bldP spid="50" grpId="0" animBg="1"/>
+    </p:bldLst>
+  </p:timing>
+</p:sld>
+</file>
+
+<file path=ppt/slides/slide18.xml><?xml version="1.0" encoding="utf-8"?>
+<p:sld xmlns:a="http://schemas.openxmlformats.org/drawingml/2006/main" xmlns:r="http://schemas.openxmlformats.org/officeDocument/2006/relationships" xmlns:p="http://schemas.openxmlformats.org/presentationml/2006/main">
+  <p:cSld>
+    <p:spTree>
+      <p:nvGrpSpPr>
+        <p:cNvPr id="1" name=""/>
+        <p:cNvGrpSpPr/>
+        <p:nvPr/>
+      </p:nvGrpSpPr>
+      <p:grpSpPr>
+        <a:xfrm>
+          <a:off x="0" y="0"/>
+          <a:ext cx="0" cy="0"/>
+          <a:chOff x="0" y="0"/>
+          <a:chExt cx="0" cy="0"/>
+        </a:xfrm>
+      </p:grpSpPr>
+      <p:sp>
+        <p:nvSpPr>
+          <p:cNvPr id="20" name="圆角矩形 19"/>
+          <p:cNvSpPr/>
+          <p:nvPr/>
+        </p:nvSpPr>
+        <p:spPr>
+          <a:xfrm rot="2700000">
+            <a:off x="10662558" y="2577993"/>
+            <a:ext cx="667658" cy="667658"/>
+          </a:xfrm>
+          <a:prstGeom prst="roundRect">
+            <a:avLst/>
+          </a:prstGeom>
+          <a:solidFill>
+            <a:schemeClr val="accent2"/>
+          </a:solidFill>
+          <a:ln>
+            <a:noFill/>
+          </a:ln>
+          <a:effectLst>
+            <a:outerShdw blurRad="177800" dist="38100" dir="2700000" algn="tl" rotWithShape="0">
+              <a:prstClr val="black">
+                <a:alpha val="40000"/>
+              </a:prstClr>
+            </a:outerShdw>
+          </a:effectLst>
+        </p:spPr>
+        <p:style>
+          <a:lnRef idx="2">
+            <a:schemeClr val="accent1">
+              <a:shade val="50000"/>
+            </a:schemeClr>
+          </a:lnRef>
+          <a:fillRef idx="1">
+            <a:schemeClr val="accent1"/>
+          </a:fillRef>
+          <a:effectRef idx="0">
+            <a:schemeClr val="accent1"/>
+          </a:effectRef>
+          <a:fontRef idx="minor">
+            <a:schemeClr val="lt1"/>
+          </a:fontRef>
+        </p:style>
+        <p:txBody>
+          <a:bodyPr rtlCol="0" anchor="ctr"/>
+          <a:lstStyle/>
+          <a:p>
+            <a:pPr algn="ctr"/>
+            <a:endParaRPr lang="zh-CN" altLang="en-US"/>
+          </a:p>
+        </p:txBody>
+      </p:sp>
+      <p:sp>
+        <p:nvSpPr>
+          <p:cNvPr id="23" name="圆角矩形 22"/>
+          <p:cNvSpPr/>
+          <p:nvPr/>
+        </p:nvSpPr>
+        <p:spPr>
+          <a:xfrm rot="2700000">
+            <a:off x="10662558" y="4290679"/>
+            <a:ext cx="667658" cy="667658"/>
+          </a:xfrm>
+          <a:prstGeom prst="roundRect">
+            <a:avLst/>
+          </a:prstGeom>
+          <a:solidFill>
+            <a:schemeClr val="accent1"/>
+          </a:solidFill>
+          <a:ln>
+            <a:noFill/>
+          </a:ln>
+          <a:effectLst>
+            <a:outerShdw blurRad="177800" dist="38100" dir="2700000" algn="tl" rotWithShape="0">
+              <a:prstClr val="black">
+                <a:alpha val="40000"/>
+              </a:prstClr>
+            </a:outerShdw>
+          </a:effectLst>
+        </p:spPr>
+        <p:style>
+          <a:lnRef idx="2">
+            <a:schemeClr val="accent1">
+              <a:shade val="50000"/>
+            </a:schemeClr>
+          </a:lnRef>
+          <a:fillRef idx="1">
+            <a:schemeClr val="accent1"/>
+          </a:fillRef>
+          <a:effectRef idx="0">
+            <a:schemeClr val="accent1"/>
+          </a:effectRef>
+          <a:fontRef idx="minor">
+            <a:schemeClr val="lt1"/>
+          </a:fontRef>
+        </p:style>
+        <p:txBody>
+          <a:bodyPr rtlCol="0" anchor="ctr"/>
+          <a:lstStyle/>
+          <a:p>
+            <a:pPr algn="ctr"/>
+            <a:endParaRPr lang="zh-CN" altLang="en-US"/>
+          </a:p>
+        </p:txBody>
+      </p:sp>
+      <p:pic>
+        <p:nvPicPr>
+          <p:cNvPr id="32" name="图片 31"/>
+          <p:cNvPicPr>
+            <a:picLocks noChangeAspect="1"/>
+          </p:cNvPicPr>
+          <p:nvPr/>
+        </p:nvPicPr>
+        <p:blipFill rotWithShape="1">
+          <a:blip r:embed="rId3">
+            <a:extLst>
+              <a:ext uri="{28A0092B-C50C-407E-A947-70E740481C1C}">
+                <a14:useLocalDpi xmlns:a14="http://schemas.microsoft.com/office/drawing/2010/main" val="0"/>
+              </a:ext>
+            </a:extLst>
+          </a:blip>
+          <a:srcRect l="5689" t="7719"/>
+          <a:stretch/>
+        </p:blipFill>
+        <p:spPr>
+          <a:xfrm>
+            <a:off x="2" y="1"/>
+            <a:ext cx="2304976" cy="1268412"/>
+          </a:xfrm>
+          <a:prstGeom prst="rect">
+            <a:avLst/>
+          </a:prstGeom>
+        </p:spPr>
+      </p:pic>
+      <p:pic>
+        <p:nvPicPr>
+          <p:cNvPr id="33" name="图片 32"/>
+          <p:cNvPicPr>
+            <a:picLocks noChangeAspect="1"/>
+          </p:cNvPicPr>
+          <p:nvPr/>
+        </p:nvPicPr>
+        <p:blipFill rotWithShape="1">
+          <a:blip r:embed="rId3">
+            <a:extLst>
+              <a:ext uri="{28A0092B-C50C-407E-A947-70E740481C1C}">
+                <a14:useLocalDpi xmlns:a14="http://schemas.microsoft.com/office/drawing/2010/main" val="0"/>
+              </a:ext>
+            </a:extLst>
+          </a:blip>
+          <a:srcRect l="5689" t="7719"/>
+          <a:stretch/>
+        </p:blipFill>
+        <p:spPr>
+          <a:xfrm rot="10800000">
+            <a:off x="8297197" y="4714717"/>
+            <a:ext cx="3894803" cy="2143282"/>
+          </a:xfrm>
+          <a:prstGeom prst="rect">
+            <a:avLst/>
+          </a:prstGeom>
+        </p:spPr>
+      </p:pic>
+      <p:pic>
+        <p:nvPicPr>
+          <p:cNvPr id="21" name="图片 20"/>
+          <p:cNvPicPr>
+            <a:picLocks noChangeAspect="1"/>
+          </p:cNvPicPr>
+          <p:nvPr/>
+        </p:nvPicPr>
+        <p:blipFill>
+          <a:blip r:embed="rId4"/>
+          <a:stretch>
+            <a:fillRect/>
+          </a:stretch>
+        </p:blipFill>
+        <p:spPr>
+          <a:xfrm>
+            <a:off x="10713093" y="165550"/>
+            <a:ext cx="1276350" cy="581025"/>
+          </a:xfrm>
+          <a:prstGeom prst="rect">
+            <a:avLst/>
+          </a:prstGeom>
+        </p:spPr>
+      </p:pic>
+      <p:pic>
+        <p:nvPicPr>
+          <p:cNvPr id="10" name="图片 9"/>
+          <p:cNvPicPr>
+            <a:picLocks noChangeAspect="1"/>
+          </p:cNvPicPr>
+          <p:nvPr/>
+        </p:nvPicPr>
+        <p:blipFill>
+          <a:blip r:embed="rId4"/>
+          <a:stretch>
+            <a:fillRect/>
+          </a:stretch>
+        </p:blipFill>
+        <p:spPr>
+          <a:xfrm>
+            <a:off x="10865493" y="317950"/>
+            <a:ext cx="1276350" cy="581025"/>
+          </a:xfrm>
+          <a:prstGeom prst="rect">
+            <a:avLst/>
+          </a:prstGeom>
+        </p:spPr>
+      </p:pic>
+      <p:sp>
+        <p:nvSpPr>
+          <p:cNvPr id="11" name="文本框 10"/>
+          <p:cNvSpPr txBox="1"/>
+          <p:nvPr/>
+        </p:nvSpPr>
+        <p:spPr>
+          <a:xfrm>
+            <a:off x="4013789" y="399694"/>
+            <a:ext cx="2627642" cy="523220"/>
+          </a:xfrm>
+          <a:prstGeom prst="rect">
+            <a:avLst/>
+          </a:prstGeom>
+          <a:noFill/>
+        </p:spPr>
+        <p:txBody>
+          <a:bodyPr wrap="none" rtlCol="0">
+            <a:spAutoFit/>
+            <a:scene3d>
+              <a:camera prst="orthographicFront"/>
+              <a:lightRig rig="threePt" dir="t"/>
+            </a:scene3d>
+            <a:sp3d contourW="12700"/>
+          </a:bodyPr>
+          <a:lstStyle/>
+          <a:p>
+            <a:r>
+              <a:rPr lang="en-US" altLang="zh-CN" sz="2800" dirty="0" err="1"/>
+              <a:t>updateChildren</a:t>
+            </a:r>
+            <a:endParaRPr lang="en-US" altLang="zh-CN" sz="2800" dirty="0"/>
+          </a:p>
+        </p:txBody>
+      </p:sp>
+      <p:sp>
+        <p:nvSpPr>
+          <p:cNvPr id="7" name="椭圆 6"/>
+          <p:cNvSpPr/>
+          <p:nvPr/>
+        </p:nvSpPr>
+        <p:spPr>
+          <a:xfrm>
+            <a:off x="2536609" y="3616658"/>
+            <a:ext cx="535745" cy="535745"/>
+          </a:xfrm>
+          <a:prstGeom prst="ellipse">
+            <a:avLst/>
+          </a:prstGeom>
+        </p:spPr>
+        <p:style>
+          <a:lnRef idx="2">
+            <a:schemeClr val="accent1">
+              <a:shade val="50000"/>
+            </a:schemeClr>
+          </a:lnRef>
+          <a:fillRef idx="1">
+            <a:schemeClr val="accent1"/>
+          </a:fillRef>
+          <a:effectRef idx="0">
+            <a:schemeClr val="accent1"/>
+          </a:effectRef>
+          <a:fontRef idx="minor">
+            <a:schemeClr val="lt1"/>
+          </a:fontRef>
+        </p:style>
+        <p:txBody>
+          <a:bodyPr rtlCol="0" anchor="ctr"/>
+          <a:lstStyle/>
+          <a:p>
+            <a:pPr algn="ctr"/>
+            <a:endParaRPr lang="zh-CN" altLang="en-US"/>
+          </a:p>
+        </p:txBody>
+      </p:sp>
+      <p:sp>
+        <p:nvSpPr>
+          <p:cNvPr id="17" name="椭圆 16"/>
+          <p:cNvSpPr/>
+          <p:nvPr/>
+        </p:nvSpPr>
+        <p:spPr>
+          <a:xfrm>
+            <a:off x="3520614" y="3616658"/>
+            <a:ext cx="535745" cy="535745"/>
+          </a:xfrm>
+          <a:prstGeom prst="ellipse">
+            <a:avLst/>
+          </a:prstGeom>
+        </p:spPr>
+        <p:style>
+          <a:lnRef idx="2">
+            <a:schemeClr val="accent1">
+              <a:shade val="50000"/>
+            </a:schemeClr>
+          </a:lnRef>
+          <a:fillRef idx="1">
+            <a:schemeClr val="accent1"/>
+          </a:fillRef>
+          <a:effectRef idx="0">
+            <a:schemeClr val="accent1"/>
+          </a:effectRef>
+          <a:fontRef idx="minor">
+            <a:schemeClr val="lt1"/>
+          </a:fontRef>
+        </p:style>
+        <p:txBody>
+          <a:bodyPr rtlCol="0" anchor="ctr"/>
+          <a:lstStyle/>
+          <a:p>
+            <a:pPr algn="ctr"/>
+            <a:endParaRPr lang="zh-CN" altLang="en-US"/>
+          </a:p>
+        </p:txBody>
+      </p:sp>
+      <p:sp>
+        <p:nvSpPr>
+          <p:cNvPr id="18" name="椭圆 17"/>
+          <p:cNvSpPr/>
+          <p:nvPr/>
+        </p:nvSpPr>
+        <p:spPr>
+          <a:xfrm>
+            <a:off x="4598922" y="3616658"/>
+            <a:ext cx="535745" cy="535745"/>
+          </a:xfrm>
+          <a:prstGeom prst="ellipse">
+            <a:avLst/>
+          </a:prstGeom>
+          <a:solidFill>
+            <a:srgbClr val="00B0F0"/>
+          </a:solidFill>
+          <a:ln>
+            <a:solidFill>
+              <a:srgbClr val="00B0F0"/>
+            </a:solidFill>
+          </a:ln>
+        </p:spPr>
+        <p:style>
+          <a:lnRef idx="2">
+            <a:schemeClr val="accent1">
+              <a:shade val="50000"/>
+            </a:schemeClr>
+          </a:lnRef>
+          <a:fillRef idx="1">
+            <a:schemeClr val="accent1"/>
+          </a:fillRef>
+          <a:effectRef idx="0">
+            <a:schemeClr val="accent1"/>
+          </a:effectRef>
+          <a:fontRef idx="minor">
+            <a:schemeClr val="lt1"/>
+          </a:fontRef>
+        </p:style>
+        <p:txBody>
+          <a:bodyPr rtlCol="0" anchor="ctr"/>
+          <a:lstStyle/>
+          <a:p>
+            <a:pPr algn="ctr"/>
+            <a:endParaRPr lang="zh-CN" altLang="en-US"/>
+          </a:p>
+        </p:txBody>
+      </p:sp>
+      <p:sp>
+        <p:nvSpPr>
+          <p:cNvPr id="19" name="椭圆 18"/>
+          <p:cNvSpPr/>
+          <p:nvPr/>
+        </p:nvSpPr>
+        <p:spPr>
+          <a:xfrm>
+            <a:off x="5709239" y="3616657"/>
+            <a:ext cx="535745" cy="535745"/>
+          </a:xfrm>
+          <a:prstGeom prst="ellipse">
+            <a:avLst/>
+          </a:prstGeom>
+          <a:solidFill>
+            <a:srgbClr val="00B0F0"/>
+          </a:solidFill>
+          <a:ln>
+            <a:solidFill>
+              <a:srgbClr val="00B0F0"/>
+            </a:solidFill>
+          </a:ln>
+        </p:spPr>
+        <p:style>
+          <a:lnRef idx="2">
+            <a:schemeClr val="accent1">
+              <a:shade val="50000"/>
+            </a:schemeClr>
+          </a:lnRef>
+          <a:fillRef idx="1">
+            <a:schemeClr val="accent1"/>
+          </a:fillRef>
+          <a:effectRef idx="0">
+            <a:schemeClr val="accent1"/>
+          </a:effectRef>
+          <a:fontRef idx="minor">
+            <a:schemeClr val="lt1"/>
+          </a:fontRef>
+        </p:style>
+        <p:txBody>
+          <a:bodyPr rtlCol="0" anchor="ctr"/>
+          <a:lstStyle/>
+          <a:p>
+            <a:pPr algn="ctr"/>
+            <a:endParaRPr lang="zh-CN" altLang="en-US"/>
+          </a:p>
+        </p:txBody>
+      </p:sp>
+      <p:sp>
+        <p:nvSpPr>
+          <p:cNvPr id="22" name="椭圆 21"/>
+          <p:cNvSpPr/>
+          <p:nvPr/>
+        </p:nvSpPr>
+        <p:spPr>
+          <a:xfrm>
+            <a:off x="2536609" y="4956768"/>
+            <a:ext cx="535745" cy="535745"/>
+          </a:xfrm>
+          <a:prstGeom prst="ellipse">
+            <a:avLst/>
+          </a:prstGeom>
+        </p:spPr>
+        <p:style>
+          <a:lnRef idx="2">
+            <a:schemeClr val="accent1">
+              <a:shade val="50000"/>
+            </a:schemeClr>
+          </a:lnRef>
+          <a:fillRef idx="1">
+            <a:schemeClr val="accent1"/>
+          </a:fillRef>
+          <a:effectRef idx="0">
+            <a:schemeClr val="accent1"/>
+          </a:effectRef>
+          <a:fontRef idx="minor">
+            <a:schemeClr val="lt1"/>
+          </a:fontRef>
+        </p:style>
+        <p:txBody>
+          <a:bodyPr rtlCol="0" anchor="ctr"/>
+          <a:lstStyle/>
+          <a:p>
+            <a:pPr algn="ctr"/>
+            <a:endParaRPr lang="zh-CN" altLang="en-US"/>
+          </a:p>
+        </p:txBody>
+      </p:sp>
+      <p:sp>
+        <p:nvSpPr>
+          <p:cNvPr id="24" name="椭圆 23"/>
+          <p:cNvSpPr/>
+          <p:nvPr/>
+        </p:nvSpPr>
+        <p:spPr>
+          <a:xfrm>
+            <a:off x="3520614" y="4956768"/>
+            <a:ext cx="535745" cy="535745"/>
+          </a:xfrm>
+          <a:prstGeom prst="ellipse">
+            <a:avLst/>
+          </a:prstGeom>
+        </p:spPr>
+        <p:style>
+          <a:lnRef idx="2">
+            <a:schemeClr val="accent1">
+              <a:shade val="50000"/>
+            </a:schemeClr>
+          </a:lnRef>
+          <a:fillRef idx="1">
+            <a:schemeClr val="accent1"/>
+          </a:fillRef>
+          <a:effectRef idx="0">
+            <a:schemeClr val="accent1"/>
+          </a:effectRef>
+          <a:fontRef idx="minor">
+            <a:schemeClr val="lt1"/>
+          </a:fontRef>
+        </p:style>
+        <p:txBody>
+          <a:bodyPr rtlCol="0" anchor="ctr"/>
+          <a:lstStyle/>
+          <a:p>
+            <a:pPr algn="ctr"/>
+            <a:endParaRPr lang="zh-CN" altLang="en-US"/>
+          </a:p>
+        </p:txBody>
+      </p:sp>
+      <p:sp>
+        <p:nvSpPr>
+          <p:cNvPr id="44" name="文本框 43"/>
+          <p:cNvSpPr txBox="1"/>
+          <p:nvPr/>
+        </p:nvSpPr>
+        <p:spPr>
+          <a:xfrm>
+            <a:off x="4013789" y="2777534"/>
+            <a:ext cx="1249060" cy="369332"/>
+          </a:xfrm>
+          <a:prstGeom prst="rect">
+            <a:avLst/>
+          </a:prstGeom>
+          <a:noFill/>
+        </p:spPr>
+        <p:txBody>
+          <a:bodyPr wrap="none" rtlCol="0">
+            <a:spAutoFit/>
+          </a:bodyPr>
+          <a:lstStyle/>
+          <a:p>
+            <a:r>
+              <a:rPr lang="en-US" altLang="zh-CN" dirty="0" err="1" smtClean="0"/>
+              <a:t>oldstartIdx</a:t>
+            </a:r>
+            <a:endParaRPr lang="zh-CN" altLang="en-US" dirty="0"/>
+          </a:p>
+        </p:txBody>
+      </p:sp>
+      <p:sp>
+        <p:nvSpPr>
+          <p:cNvPr id="45" name="文本框 44"/>
+          <p:cNvSpPr txBox="1"/>
+          <p:nvPr/>
+        </p:nvSpPr>
+        <p:spPr>
+          <a:xfrm>
+            <a:off x="5720128" y="2726179"/>
+            <a:ext cx="1210588" cy="369332"/>
+          </a:xfrm>
+          <a:prstGeom prst="rect">
+            <a:avLst/>
+          </a:prstGeom>
+          <a:noFill/>
+        </p:spPr>
+        <p:txBody>
+          <a:bodyPr wrap="none" rtlCol="0">
+            <a:spAutoFit/>
+          </a:bodyPr>
+          <a:lstStyle/>
+          <a:p>
+            <a:r>
+              <a:rPr lang="en-US" altLang="zh-CN" dirty="0" err="1" smtClean="0"/>
+              <a:t>oldEndIdx</a:t>
+            </a:r>
+            <a:endParaRPr lang="zh-CN" altLang="en-US" dirty="0"/>
+          </a:p>
+        </p:txBody>
+      </p:sp>
+      <p:sp>
+        <p:nvSpPr>
+          <p:cNvPr id="46" name="文本框 45"/>
+          <p:cNvSpPr txBox="1"/>
+          <p:nvPr/>
+        </p:nvSpPr>
+        <p:spPr>
+          <a:xfrm>
+            <a:off x="4452429" y="5927546"/>
+            <a:ext cx="1364476" cy="369332"/>
+          </a:xfrm>
+          <a:prstGeom prst="rect">
+            <a:avLst/>
+          </a:prstGeom>
+          <a:noFill/>
+        </p:spPr>
+        <p:txBody>
+          <a:bodyPr wrap="none" rtlCol="0">
+            <a:spAutoFit/>
+          </a:bodyPr>
+          <a:lstStyle/>
+          <a:p>
+            <a:r>
+              <a:rPr lang="en-US" altLang="zh-CN" dirty="0" err="1" smtClean="0"/>
+              <a:t>newstartIdx</a:t>
+            </a:r>
+            <a:endParaRPr lang="zh-CN" altLang="en-US" dirty="0"/>
+          </a:p>
+        </p:txBody>
+      </p:sp>
+      <p:sp>
+        <p:nvSpPr>
+          <p:cNvPr id="47" name="文本框 46"/>
+          <p:cNvSpPr txBox="1"/>
+          <p:nvPr/>
+        </p:nvSpPr>
+        <p:spPr>
+          <a:xfrm>
+            <a:off x="2862310" y="5927546"/>
+            <a:ext cx="1326004" cy="369332"/>
+          </a:xfrm>
+          <a:prstGeom prst="rect">
+            <a:avLst/>
+          </a:prstGeom>
+          <a:noFill/>
+        </p:spPr>
+        <p:txBody>
+          <a:bodyPr wrap="none" rtlCol="0">
+            <a:spAutoFit/>
+          </a:bodyPr>
+          <a:lstStyle/>
+          <a:p>
+            <a:r>
+              <a:rPr lang="en-US" altLang="zh-CN" dirty="0" err="1" smtClean="0"/>
+              <a:t>newEndIdx</a:t>
+            </a:r>
+            <a:endParaRPr lang="zh-CN" altLang="en-US" dirty="0"/>
+          </a:p>
+        </p:txBody>
+      </p:sp>
+      <p:sp>
+        <p:nvSpPr>
+          <p:cNvPr id="31" name="文本框 30"/>
+          <p:cNvSpPr txBox="1"/>
+          <p:nvPr/>
+        </p:nvSpPr>
+        <p:spPr>
+          <a:xfrm>
+            <a:off x="877490" y="5097134"/>
+            <a:ext cx="941283" cy="369332"/>
+          </a:xfrm>
+          <a:prstGeom prst="rect">
+            <a:avLst/>
+          </a:prstGeom>
+          <a:noFill/>
+        </p:spPr>
+        <p:txBody>
+          <a:bodyPr wrap="none" rtlCol="0">
+            <a:spAutoFit/>
+          </a:bodyPr>
+          <a:lstStyle/>
+          <a:p>
+            <a:r>
+              <a:rPr lang="en-US" altLang="zh-CN" b="1" dirty="0" err="1" smtClean="0">
+                <a:solidFill>
+                  <a:srgbClr val="FF0000"/>
+                </a:solidFill>
+              </a:rPr>
+              <a:t>newCh</a:t>
+            </a:r>
+            <a:endParaRPr lang="zh-CN" altLang="en-US" b="1" dirty="0">
+              <a:solidFill>
+                <a:srgbClr val="FF0000"/>
+              </a:solidFill>
+            </a:endParaRPr>
+          </a:p>
+        </p:txBody>
+      </p:sp>
+      <p:sp>
+        <p:nvSpPr>
+          <p:cNvPr id="36" name="文本框 35"/>
+          <p:cNvSpPr txBox="1"/>
+          <p:nvPr/>
+        </p:nvSpPr>
+        <p:spPr>
+          <a:xfrm>
+            <a:off x="755674" y="3709442"/>
+            <a:ext cx="909811" cy="369332"/>
+          </a:xfrm>
+          <a:prstGeom prst="rect">
+            <a:avLst/>
+          </a:prstGeom>
+          <a:noFill/>
+        </p:spPr>
+        <p:txBody>
+          <a:bodyPr wrap="square" rtlCol="0">
+            <a:spAutoFit/>
+          </a:bodyPr>
+          <a:lstStyle/>
+          <a:p>
+            <a:r>
+              <a:rPr lang="en-US" altLang="zh-CN" b="1" dirty="0" err="1" smtClean="0">
+                <a:solidFill>
+                  <a:srgbClr val="FF0000"/>
+                </a:solidFill>
+              </a:rPr>
+              <a:t>oldCh</a:t>
+            </a:r>
+            <a:endParaRPr lang="zh-CN" altLang="en-US" b="1" dirty="0">
+              <a:solidFill>
+                <a:srgbClr val="FF0000"/>
+              </a:solidFill>
+            </a:endParaRPr>
+          </a:p>
+        </p:txBody>
+      </p:sp>
+      <p:sp>
+        <p:nvSpPr>
+          <p:cNvPr id="12" name="文本框 11"/>
+          <p:cNvSpPr txBox="1"/>
+          <p:nvPr/>
+        </p:nvSpPr>
+        <p:spPr>
+          <a:xfrm>
+            <a:off x="739762" y="1284318"/>
+            <a:ext cx="7795724" cy="1338828"/>
+          </a:xfrm>
+          <a:prstGeom prst="rect">
+            <a:avLst/>
+          </a:prstGeom>
+          <a:noFill/>
+        </p:spPr>
+        <p:txBody>
+          <a:bodyPr wrap="none" rtlCol="0">
+            <a:spAutoFit/>
+          </a:bodyPr>
+          <a:lstStyle/>
+          <a:p>
+            <a:pPr>
+              <a:lnSpc>
+                <a:spcPct val="150000"/>
+              </a:lnSpc>
+            </a:pPr>
+            <a:r>
+              <a:rPr lang="zh-CN" altLang="en-US" dirty="0"/>
+              <a:t> </a:t>
+            </a:r>
+            <a:r>
+              <a:rPr lang="zh-CN" altLang="en-US" dirty="0" smtClean="0"/>
+              <a:t>如果</a:t>
+            </a:r>
+            <a:r>
+              <a:rPr lang="en-US" altLang="zh-CN" dirty="0" err="1" smtClean="0"/>
+              <a:t>newstartIdx</a:t>
+            </a:r>
+            <a:r>
+              <a:rPr lang="en-US" altLang="zh-CN" dirty="0" smtClean="0"/>
+              <a:t>&gt;</a:t>
+            </a:r>
+            <a:r>
+              <a:rPr lang="en-US" altLang="zh-CN" dirty="0" err="1" smtClean="0"/>
+              <a:t>newEndIdx</a:t>
+            </a:r>
+            <a:r>
+              <a:rPr lang="zh-CN" altLang="en-US" dirty="0" smtClean="0"/>
+              <a:t>，</a:t>
+            </a:r>
+            <a:r>
+              <a:rPr lang="zh-CN" altLang="en-US" dirty="0"/>
+              <a:t>说明老 </a:t>
+            </a:r>
+            <a:r>
+              <a:rPr lang="en-US" altLang="zh-CN" dirty="0"/>
+              <a:t>node </a:t>
+            </a:r>
+            <a:r>
+              <a:rPr lang="zh-CN" altLang="en-US" dirty="0"/>
+              <a:t>数组长度大于新 </a:t>
+            </a:r>
+            <a:r>
+              <a:rPr lang="en-US" altLang="zh-CN" dirty="0" err="1"/>
+              <a:t>vnode</a:t>
+            </a:r>
+            <a:r>
+              <a:rPr lang="en-US" altLang="zh-CN" dirty="0"/>
+              <a:t> </a:t>
+            </a:r>
+            <a:r>
+              <a:rPr lang="zh-CN" altLang="en-US" dirty="0"/>
+              <a:t>数组</a:t>
+            </a:r>
+            <a:r>
+              <a:rPr lang="zh-CN" altLang="en-US" dirty="0"/>
+              <a:t>，</a:t>
+            </a:r>
+            <a:endParaRPr lang="en-US" altLang="zh-CN" dirty="0"/>
+          </a:p>
+          <a:p>
+            <a:pPr>
+              <a:lnSpc>
+                <a:spcPct val="150000"/>
+              </a:lnSpc>
+            </a:pPr>
+            <a:r>
+              <a:rPr lang="zh-CN" altLang="en-US" dirty="0"/>
+              <a:t>执行 </a:t>
+            </a:r>
+            <a:r>
+              <a:rPr lang="en-US" altLang="zh-CN" dirty="0" err="1"/>
+              <a:t>removeVnodes</a:t>
+            </a:r>
+            <a:r>
+              <a:rPr lang="en-US" altLang="zh-CN" dirty="0"/>
+              <a:t> </a:t>
+            </a:r>
+            <a:r>
+              <a:rPr lang="zh-CN" altLang="en-US" dirty="0"/>
+              <a:t>方法从 </a:t>
+            </a:r>
+            <a:r>
+              <a:rPr lang="en-US" altLang="zh-CN" dirty="0"/>
+              <a:t>DOM </a:t>
+            </a:r>
+            <a:r>
+              <a:rPr lang="zh-CN" altLang="en-US" dirty="0"/>
+              <a:t>中移除老 </a:t>
+            </a:r>
+            <a:r>
+              <a:rPr lang="en-US" altLang="zh-CN" dirty="0" err="1"/>
+              <a:t>vnode</a:t>
+            </a:r>
+            <a:r>
+              <a:rPr lang="en-US" altLang="zh-CN" dirty="0"/>
+              <a:t> </a:t>
+            </a:r>
+            <a:r>
+              <a:rPr lang="zh-CN" altLang="en-US" dirty="0"/>
+              <a:t>数组中多余的 </a:t>
+            </a:r>
+            <a:r>
+              <a:rPr lang="en-US" altLang="zh-CN" dirty="0" err="1"/>
+              <a:t>vnode</a:t>
+            </a:r>
+            <a:r>
+              <a:rPr lang="zh-CN" altLang="en-US" dirty="0"/>
+              <a:t>。</a:t>
+            </a:r>
+          </a:p>
+          <a:p>
+            <a:pPr>
+              <a:lnSpc>
+                <a:spcPct val="150000"/>
+              </a:lnSpc>
+            </a:pPr>
+            <a:r>
+              <a:rPr lang="zh-CN" altLang="en-US" dirty="0" smtClean="0"/>
+              <a:t>。</a:t>
+            </a:r>
+            <a:endParaRPr lang="zh-CN" altLang="en-US" dirty="0"/>
+          </a:p>
+        </p:txBody>
+      </p:sp>
+      <p:cxnSp>
+        <p:nvCxnSpPr>
+          <p:cNvPr id="3" name="直接箭头连接符 2"/>
+          <p:cNvCxnSpPr>
+            <a:endCxn id="45" idx="2"/>
+          </p:cNvCxnSpPr>
+          <p:nvPr/>
+        </p:nvCxnSpPr>
+        <p:spPr>
+          <a:xfrm flipV="1">
+            <a:off x="5904225" y="3095511"/>
+            <a:ext cx="421197" cy="521148"/>
+          </a:xfrm>
+          <a:prstGeom prst="straightConnector1">
+            <a:avLst/>
+          </a:prstGeom>
+          <a:ln>
+            <a:tailEnd type="triangle"/>
+          </a:ln>
+        </p:spPr>
+        <p:style>
+          <a:lnRef idx="1">
+            <a:schemeClr val="accent1"/>
+          </a:lnRef>
+          <a:fillRef idx="0">
+            <a:schemeClr val="accent1"/>
+          </a:fillRef>
+          <a:effectRef idx="0">
+            <a:schemeClr val="accent1"/>
+          </a:effectRef>
+          <a:fontRef idx="minor">
+            <a:schemeClr val="tx1"/>
+          </a:fontRef>
+        </p:style>
+      </p:cxnSp>
+      <p:cxnSp>
+        <p:nvCxnSpPr>
+          <p:cNvPr id="8" name="直接箭头连接符 7"/>
+          <p:cNvCxnSpPr>
+            <a:stCxn id="18" idx="0"/>
+            <a:endCxn id="44" idx="2"/>
+          </p:cNvCxnSpPr>
+          <p:nvPr/>
+        </p:nvCxnSpPr>
+        <p:spPr>
+          <a:xfrm flipH="1" flipV="1">
+            <a:off x="4638319" y="3146866"/>
+            <a:ext cx="228476" cy="469792"/>
+          </a:xfrm>
+          <a:prstGeom prst="straightConnector1">
+            <a:avLst/>
+          </a:prstGeom>
+          <a:ln>
+            <a:tailEnd type="triangle"/>
+          </a:ln>
+        </p:spPr>
+        <p:style>
+          <a:lnRef idx="1">
+            <a:schemeClr val="accent1"/>
+          </a:lnRef>
+          <a:fillRef idx="0">
+            <a:schemeClr val="accent1"/>
+          </a:fillRef>
+          <a:effectRef idx="0">
+            <a:schemeClr val="accent1"/>
+          </a:effectRef>
+          <a:fontRef idx="minor">
+            <a:schemeClr val="tx1"/>
+          </a:fontRef>
+        </p:style>
+      </p:cxnSp>
+      <p:sp>
+        <p:nvSpPr>
+          <p:cNvPr id="34" name="椭圆 33"/>
+          <p:cNvSpPr/>
+          <p:nvPr/>
+        </p:nvSpPr>
+        <p:spPr>
+          <a:xfrm>
+            <a:off x="4536134" y="4963235"/>
+            <a:ext cx="535745" cy="535745"/>
+          </a:xfrm>
+          <a:prstGeom prst="ellipse">
+            <a:avLst/>
+          </a:prstGeom>
+        </p:spPr>
+        <p:style>
+          <a:lnRef idx="2">
+            <a:schemeClr val="accent1">
+              <a:shade val="50000"/>
+            </a:schemeClr>
+          </a:lnRef>
+          <a:fillRef idx="1">
+            <a:schemeClr val="accent1"/>
+          </a:fillRef>
+          <a:effectRef idx="0">
+            <a:schemeClr val="accent1"/>
+          </a:effectRef>
+          <a:fontRef idx="minor">
+            <a:schemeClr val="lt1"/>
+          </a:fontRef>
+        </p:style>
+        <p:txBody>
+          <a:bodyPr rtlCol="0" anchor="ctr"/>
+          <a:lstStyle/>
+          <a:p>
+            <a:pPr algn="ctr"/>
+            <a:endParaRPr lang="zh-CN" altLang="en-US"/>
+          </a:p>
+        </p:txBody>
+      </p:sp>
+      <p:sp>
+        <p:nvSpPr>
+          <p:cNvPr id="35" name="椭圆 34"/>
+          <p:cNvSpPr/>
+          <p:nvPr/>
+        </p:nvSpPr>
+        <p:spPr>
+          <a:xfrm>
+            <a:off x="5865675" y="4959607"/>
+            <a:ext cx="535745" cy="535745"/>
+          </a:xfrm>
+          <a:prstGeom prst="ellipse">
+            <a:avLst/>
+          </a:prstGeom>
+        </p:spPr>
+        <p:style>
+          <a:lnRef idx="2">
+            <a:schemeClr val="accent1">
+              <a:shade val="50000"/>
+            </a:schemeClr>
+          </a:lnRef>
+          <a:fillRef idx="1">
+            <a:schemeClr val="accent1"/>
+          </a:fillRef>
+          <a:effectRef idx="0">
+            <a:schemeClr val="accent1"/>
+          </a:effectRef>
+          <a:fontRef idx="minor">
+            <a:schemeClr val="lt1"/>
+          </a:fontRef>
+        </p:style>
+        <p:txBody>
+          <a:bodyPr rtlCol="0" anchor="ctr"/>
+          <a:lstStyle/>
+          <a:p>
+            <a:pPr algn="ctr"/>
+            <a:endParaRPr lang="zh-CN" altLang="en-US"/>
+          </a:p>
+        </p:txBody>
+      </p:sp>
+      <p:cxnSp>
+        <p:nvCxnSpPr>
+          <p:cNvPr id="15" name="直接箭头连接符 14"/>
+          <p:cNvCxnSpPr/>
+          <p:nvPr/>
+        </p:nvCxnSpPr>
+        <p:spPr>
+          <a:xfrm flipH="1">
+            <a:off x="3520614" y="5492512"/>
+            <a:ext cx="233978" cy="455644"/>
+          </a:xfrm>
+          <a:prstGeom prst="straightConnector1">
+            <a:avLst/>
+          </a:prstGeom>
+          <a:ln>
+            <a:tailEnd type="triangle"/>
+          </a:ln>
+        </p:spPr>
+        <p:style>
+          <a:lnRef idx="1">
+            <a:schemeClr val="accent1"/>
+          </a:lnRef>
+          <a:fillRef idx="0">
+            <a:schemeClr val="accent1"/>
+          </a:fillRef>
+          <a:effectRef idx="0">
+            <a:schemeClr val="accent1"/>
+          </a:effectRef>
+          <a:fontRef idx="minor">
+            <a:schemeClr val="tx1"/>
+          </a:fontRef>
+        </p:style>
+      </p:cxnSp>
+      <p:cxnSp>
+        <p:nvCxnSpPr>
+          <p:cNvPr id="27" name="直接箭头连接符 26"/>
+          <p:cNvCxnSpPr>
+            <a:stCxn id="34" idx="4"/>
+            <a:endCxn id="46" idx="0"/>
+          </p:cNvCxnSpPr>
+          <p:nvPr/>
+        </p:nvCxnSpPr>
+        <p:spPr>
+          <a:xfrm>
+            <a:off x="4804007" y="5498980"/>
+            <a:ext cx="330660" cy="428566"/>
+          </a:xfrm>
+          <a:prstGeom prst="straightConnector1">
+            <a:avLst/>
+          </a:prstGeom>
+          <a:ln>
+            <a:tailEnd type="triangle"/>
+          </a:ln>
+        </p:spPr>
+        <p:style>
+          <a:lnRef idx="1">
+            <a:schemeClr val="accent1"/>
+          </a:lnRef>
+          <a:fillRef idx="0">
+            <a:schemeClr val="accent1"/>
+          </a:fillRef>
+          <a:effectRef idx="0">
+            <a:schemeClr val="accent1"/>
+          </a:effectRef>
+          <a:fontRef idx="minor">
+            <a:schemeClr val="tx1"/>
+          </a:fontRef>
+        </p:style>
+      </p:cxnSp>
+      <p:sp>
+        <p:nvSpPr>
+          <p:cNvPr id="39" name="椭圆 38"/>
+          <p:cNvSpPr/>
+          <p:nvPr/>
+        </p:nvSpPr>
+        <p:spPr>
+          <a:xfrm>
+            <a:off x="6621489" y="3592266"/>
+            <a:ext cx="535745" cy="535745"/>
+          </a:xfrm>
+          <a:prstGeom prst="ellipse">
+            <a:avLst/>
+          </a:prstGeom>
+        </p:spPr>
+        <p:style>
+          <a:lnRef idx="2">
+            <a:schemeClr val="accent1">
+              <a:shade val="50000"/>
+            </a:schemeClr>
+          </a:lnRef>
+          <a:fillRef idx="1">
+            <a:schemeClr val="accent1"/>
+          </a:fillRef>
+          <a:effectRef idx="0">
+            <a:schemeClr val="accent1"/>
+          </a:effectRef>
+          <a:fontRef idx="minor">
+            <a:schemeClr val="lt1"/>
+          </a:fontRef>
+        </p:style>
+        <p:txBody>
+          <a:bodyPr rtlCol="0" anchor="ctr"/>
+          <a:lstStyle/>
+          <a:p>
+            <a:pPr algn="ctr"/>
+            <a:endParaRPr lang="zh-CN" altLang="en-US"/>
+          </a:p>
+        </p:txBody>
+      </p:sp>
+      <p:sp>
+        <p:nvSpPr>
+          <p:cNvPr id="40" name="椭圆 39"/>
+          <p:cNvSpPr/>
+          <p:nvPr/>
+        </p:nvSpPr>
+        <p:spPr>
+          <a:xfrm>
+            <a:off x="7515047" y="3592267"/>
+            <a:ext cx="535745" cy="535745"/>
+          </a:xfrm>
+          <a:prstGeom prst="ellipse">
+            <a:avLst/>
+          </a:prstGeom>
+        </p:spPr>
+        <p:style>
+          <a:lnRef idx="2">
+            <a:schemeClr val="accent1">
+              <a:shade val="50000"/>
+            </a:schemeClr>
+          </a:lnRef>
+          <a:fillRef idx="1">
+            <a:schemeClr val="accent1"/>
+          </a:fillRef>
+          <a:effectRef idx="0">
+            <a:schemeClr val="accent1"/>
+          </a:effectRef>
+          <a:fontRef idx="minor">
+            <a:schemeClr val="lt1"/>
+          </a:fontRef>
+        </p:style>
+        <p:txBody>
+          <a:bodyPr rtlCol="0" anchor="ctr"/>
+          <a:lstStyle/>
+          <a:p>
+            <a:pPr algn="ctr"/>
+            <a:endParaRPr lang="zh-CN" altLang="en-US"/>
+          </a:p>
+        </p:txBody>
+      </p:sp>
+      <p:sp>
+        <p:nvSpPr>
+          <p:cNvPr id="30" name="圆角矩形 29"/>
+          <p:cNvSpPr/>
+          <p:nvPr/>
+        </p:nvSpPr>
+        <p:spPr>
+          <a:xfrm>
+            <a:off x="4452429" y="3381762"/>
+            <a:ext cx="1948991" cy="999169"/>
+          </a:xfrm>
+          <a:prstGeom prst="roundRect">
+            <a:avLst/>
+          </a:prstGeom>
+          <a:noFill/>
+          <a:ln>
+            <a:solidFill>
+              <a:srgbClr val="00B0F0"/>
+            </a:solidFill>
+          </a:ln>
+        </p:spPr>
+        <p:style>
+          <a:lnRef idx="2">
+            <a:schemeClr val="accent1">
+              <a:shade val="50000"/>
+            </a:schemeClr>
+          </a:lnRef>
+          <a:fillRef idx="1">
+            <a:schemeClr val="accent1"/>
+          </a:fillRef>
+          <a:effectRef idx="0">
+            <a:schemeClr val="accent1"/>
+          </a:effectRef>
+          <a:fontRef idx="minor">
+            <a:schemeClr val="lt1"/>
+          </a:fontRef>
+        </p:style>
+        <p:txBody>
+          <a:bodyPr rtlCol="0" anchor="ctr"/>
+          <a:lstStyle/>
+          <a:p>
+            <a:pPr algn="ctr"/>
+            <a:endParaRPr lang="zh-CN" altLang="en-US"/>
+          </a:p>
+        </p:txBody>
+      </p:sp>
+      <p:sp>
+        <p:nvSpPr>
+          <p:cNvPr id="38" name="任意多边形 37"/>
+          <p:cNvSpPr/>
+          <p:nvPr/>
+        </p:nvSpPr>
+        <p:spPr>
+          <a:xfrm>
+            <a:off x="6373504" y="2674961"/>
+            <a:ext cx="2442968" cy="777923"/>
+          </a:xfrm>
+          <a:custGeom>
+            <a:avLst/>
+            <a:gdLst>
+              <a:gd name="connsiteX0" fmla="*/ 0 w 2442968"/>
+              <a:gd name="connsiteY0" fmla="*/ 777923 h 777923"/>
+              <a:gd name="connsiteX1" fmla="*/ 136478 w 2442968"/>
+              <a:gd name="connsiteY1" fmla="*/ 614149 h 777923"/>
+              <a:gd name="connsiteX2" fmla="*/ 191069 w 2442968"/>
+              <a:gd name="connsiteY2" fmla="*/ 600502 h 777923"/>
+              <a:gd name="connsiteX3" fmla="*/ 245660 w 2442968"/>
+              <a:gd name="connsiteY3" fmla="*/ 573206 h 777923"/>
+              <a:gd name="connsiteX4" fmla="*/ 382138 w 2442968"/>
+              <a:gd name="connsiteY4" fmla="*/ 545911 h 777923"/>
+              <a:gd name="connsiteX5" fmla="*/ 477672 w 2442968"/>
+              <a:gd name="connsiteY5" fmla="*/ 518615 h 777923"/>
+              <a:gd name="connsiteX6" fmla="*/ 627797 w 2442968"/>
+              <a:gd name="connsiteY6" fmla="*/ 532263 h 777923"/>
+              <a:gd name="connsiteX7" fmla="*/ 682389 w 2442968"/>
+              <a:gd name="connsiteY7" fmla="*/ 614149 h 777923"/>
+              <a:gd name="connsiteX8" fmla="*/ 614150 w 2442968"/>
+              <a:gd name="connsiteY8" fmla="*/ 600502 h 777923"/>
+              <a:gd name="connsiteX9" fmla="*/ 627797 w 2442968"/>
+              <a:gd name="connsiteY9" fmla="*/ 464024 h 777923"/>
+              <a:gd name="connsiteX10" fmla="*/ 709684 w 2442968"/>
+              <a:gd name="connsiteY10" fmla="*/ 436729 h 777923"/>
+              <a:gd name="connsiteX11" fmla="*/ 791571 w 2442968"/>
+              <a:gd name="connsiteY11" fmla="*/ 409433 h 777923"/>
+              <a:gd name="connsiteX12" fmla="*/ 968992 w 2442968"/>
+              <a:gd name="connsiteY12" fmla="*/ 382138 h 777923"/>
+              <a:gd name="connsiteX13" fmla="*/ 1037230 w 2442968"/>
+              <a:gd name="connsiteY13" fmla="*/ 354842 h 777923"/>
+              <a:gd name="connsiteX14" fmla="*/ 1419368 w 2442968"/>
+              <a:gd name="connsiteY14" fmla="*/ 354842 h 777923"/>
+              <a:gd name="connsiteX15" fmla="*/ 1460311 w 2442968"/>
+              <a:gd name="connsiteY15" fmla="*/ 395785 h 777923"/>
+              <a:gd name="connsiteX16" fmla="*/ 1501254 w 2442968"/>
+              <a:gd name="connsiteY16" fmla="*/ 409433 h 777923"/>
+              <a:gd name="connsiteX17" fmla="*/ 1528550 w 2442968"/>
+              <a:gd name="connsiteY17" fmla="*/ 491320 h 777923"/>
+              <a:gd name="connsiteX18" fmla="*/ 1514902 w 2442968"/>
+              <a:gd name="connsiteY18" fmla="*/ 573206 h 777923"/>
+              <a:gd name="connsiteX19" fmla="*/ 1433015 w 2442968"/>
+              <a:gd name="connsiteY19" fmla="*/ 586854 h 777923"/>
+              <a:gd name="connsiteX20" fmla="*/ 1228299 w 2442968"/>
+              <a:gd name="connsiteY20" fmla="*/ 573206 h 777923"/>
+              <a:gd name="connsiteX21" fmla="*/ 1282890 w 2442968"/>
+              <a:gd name="connsiteY21" fmla="*/ 477672 h 777923"/>
+              <a:gd name="connsiteX22" fmla="*/ 1310186 w 2442968"/>
+              <a:gd name="connsiteY22" fmla="*/ 436729 h 777923"/>
+              <a:gd name="connsiteX23" fmla="*/ 1364777 w 2442968"/>
+              <a:gd name="connsiteY23" fmla="*/ 409433 h 777923"/>
+              <a:gd name="connsiteX24" fmla="*/ 1487606 w 2442968"/>
+              <a:gd name="connsiteY24" fmla="*/ 341194 h 777923"/>
+              <a:gd name="connsiteX25" fmla="*/ 1555845 w 2442968"/>
+              <a:gd name="connsiteY25" fmla="*/ 313899 h 777923"/>
+              <a:gd name="connsiteX26" fmla="*/ 1637732 w 2442968"/>
+              <a:gd name="connsiteY26" fmla="*/ 272955 h 777923"/>
+              <a:gd name="connsiteX27" fmla="*/ 1760562 w 2442968"/>
+              <a:gd name="connsiteY27" fmla="*/ 245660 h 777923"/>
+              <a:gd name="connsiteX28" fmla="*/ 1883392 w 2442968"/>
+              <a:gd name="connsiteY28" fmla="*/ 204717 h 777923"/>
+              <a:gd name="connsiteX29" fmla="*/ 1992574 w 2442968"/>
+              <a:gd name="connsiteY29" fmla="*/ 177421 h 777923"/>
+              <a:gd name="connsiteX30" fmla="*/ 2074460 w 2442968"/>
+              <a:gd name="connsiteY30" fmla="*/ 136478 h 777923"/>
+              <a:gd name="connsiteX31" fmla="*/ 2142699 w 2442968"/>
+              <a:gd name="connsiteY31" fmla="*/ 122830 h 777923"/>
+              <a:gd name="connsiteX32" fmla="*/ 2279177 w 2442968"/>
+              <a:gd name="connsiteY32" fmla="*/ 81887 h 777923"/>
+              <a:gd name="connsiteX33" fmla="*/ 2333768 w 2442968"/>
+              <a:gd name="connsiteY33" fmla="*/ 68239 h 777923"/>
+              <a:gd name="connsiteX34" fmla="*/ 2442950 w 2442968"/>
+              <a:gd name="connsiteY34" fmla="*/ 0 h 777923"/>
+            </a:gdLst>
+            <a:ahLst/>
+            <a:cxnLst>
+              <a:cxn ang="0">
+                <a:pos x="connsiteX0" y="connsiteY0"/>
+              </a:cxn>
+              <a:cxn ang="0">
+                <a:pos x="connsiteX1" y="connsiteY1"/>
+              </a:cxn>
+              <a:cxn ang="0">
+                <a:pos x="connsiteX2" y="connsiteY2"/>
+              </a:cxn>
+              <a:cxn ang="0">
+                <a:pos x="connsiteX3" y="connsiteY3"/>
+              </a:cxn>
+              <a:cxn ang="0">
+                <a:pos x="connsiteX4" y="connsiteY4"/>
+              </a:cxn>
+              <a:cxn ang="0">
+                <a:pos x="connsiteX5" y="connsiteY5"/>
+              </a:cxn>
+              <a:cxn ang="0">
+                <a:pos x="connsiteX6" y="connsiteY6"/>
+              </a:cxn>
+              <a:cxn ang="0">
+                <a:pos x="connsiteX7" y="connsiteY7"/>
+              </a:cxn>
+              <a:cxn ang="0">
+                <a:pos x="connsiteX8" y="connsiteY8"/>
+              </a:cxn>
+              <a:cxn ang="0">
+                <a:pos x="connsiteX9" y="connsiteY9"/>
+              </a:cxn>
+              <a:cxn ang="0">
+                <a:pos x="connsiteX10" y="connsiteY10"/>
+              </a:cxn>
+              <a:cxn ang="0">
+                <a:pos x="connsiteX11" y="connsiteY11"/>
+              </a:cxn>
+              <a:cxn ang="0">
+                <a:pos x="connsiteX12" y="connsiteY12"/>
+              </a:cxn>
+              <a:cxn ang="0">
+                <a:pos x="connsiteX13" y="connsiteY13"/>
+              </a:cxn>
+              <a:cxn ang="0">
+                <a:pos x="connsiteX14" y="connsiteY14"/>
+              </a:cxn>
+              <a:cxn ang="0">
+                <a:pos x="connsiteX15" y="connsiteY15"/>
+              </a:cxn>
+              <a:cxn ang="0">
+                <a:pos x="connsiteX16" y="connsiteY16"/>
+              </a:cxn>
+              <a:cxn ang="0">
+                <a:pos x="connsiteX17" y="connsiteY17"/>
+              </a:cxn>
+              <a:cxn ang="0">
+                <a:pos x="connsiteX18" y="connsiteY18"/>
+              </a:cxn>
+              <a:cxn ang="0">
+                <a:pos x="connsiteX19" y="connsiteY19"/>
+              </a:cxn>
+              <a:cxn ang="0">
+                <a:pos x="connsiteX20" y="connsiteY20"/>
+              </a:cxn>
+              <a:cxn ang="0">
+                <a:pos x="connsiteX21" y="connsiteY21"/>
+              </a:cxn>
+              <a:cxn ang="0">
+                <a:pos x="connsiteX22" y="connsiteY22"/>
+              </a:cxn>
+              <a:cxn ang="0">
+                <a:pos x="connsiteX23" y="connsiteY23"/>
+              </a:cxn>
+              <a:cxn ang="0">
+                <a:pos x="connsiteX24" y="connsiteY24"/>
+              </a:cxn>
+              <a:cxn ang="0">
+                <a:pos x="connsiteX25" y="connsiteY25"/>
+              </a:cxn>
+              <a:cxn ang="0">
+                <a:pos x="connsiteX26" y="connsiteY26"/>
+              </a:cxn>
+              <a:cxn ang="0">
+                <a:pos x="connsiteX27" y="connsiteY27"/>
+              </a:cxn>
+              <a:cxn ang="0">
+                <a:pos x="connsiteX28" y="connsiteY28"/>
+              </a:cxn>
+              <a:cxn ang="0">
+                <a:pos x="connsiteX29" y="connsiteY29"/>
+              </a:cxn>
+              <a:cxn ang="0">
+                <a:pos x="connsiteX30" y="connsiteY30"/>
+              </a:cxn>
+              <a:cxn ang="0">
+                <a:pos x="connsiteX31" y="connsiteY31"/>
+              </a:cxn>
+              <a:cxn ang="0">
+                <a:pos x="connsiteX32" y="connsiteY32"/>
+              </a:cxn>
+              <a:cxn ang="0">
+                <a:pos x="connsiteX33" y="connsiteY33"/>
+              </a:cxn>
+              <a:cxn ang="0">
+                <a:pos x="connsiteX34" y="connsiteY34"/>
+              </a:cxn>
+            </a:cxnLst>
+            <a:rect l="l" t="t" r="r" b="b"/>
+            <a:pathLst>
+              <a:path w="2442968" h="777923">
+                <a:moveTo>
+                  <a:pt x="0" y="777923"/>
+                </a:moveTo>
+                <a:cubicBezTo>
+                  <a:pt x="22420" y="744293"/>
+                  <a:pt x="94447" y="624656"/>
+                  <a:pt x="136478" y="614149"/>
+                </a:cubicBezTo>
+                <a:lnTo>
+                  <a:pt x="191069" y="600502"/>
+                </a:lnTo>
+                <a:cubicBezTo>
+                  <a:pt x="209266" y="591403"/>
+                  <a:pt x="226098" y="578795"/>
+                  <a:pt x="245660" y="573206"/>
+                </a:cubicBezTo>
+                <a:cubicBezTo>
+                  <a:pt x="290269" y="560461"/>
+                  <a:pt x="337530" y="558657"/>
+                  <a:pt x="382138" y="545911"/>
+                </a:cubicBezTo>
+                <a:lnTo>
+                  <a:pt x="477672" y="518615"/>
+                </a:lnTo>
+                <a:cubicBezTo>
+                  <a:pt x="527714" y="523164"/>
+                  <a:pt x="582263" y="511014"/>
+                  <a:pt x="627797" y="532263"/>
+                </a:cubicBezTo>
+                <a:cubicBezTo>
+                  <a:pt x="657525" y="546136"/>
+                  <a:pt x="714557" y="620582"/>
+                  <a:pt x="682389" y="614149"/>
+                </a:cubicBezTo>
+                <a:lnTo>
+                  <a:pt x="614150" y="600502"/>
+                </a:lnTo>
+                <a:cubicBezTo>
+                  <a:pt x="597844" y="551584"/>
+                  <a:pt x="578559" y="519417"/>
+                  <a:pt x="627797" y="464024"/>
+                </a:cubicBezTo>
+                <a:cubicBezTo>
+                  <a:pt x="646912" y="442520"/>
+                  <a:pt x="682388" y="445827"/>
+                  <a:pt x="709684" y="436729"/>
+                </a:cubicBezTo>
+                <a:lnTo>
+                  <a:pt x="791571" y="409433"/>
+                </a:lnTo>
+                <a:cubicBezTo>
+                  <a:pt x="914499" y="391871"/>
+                  <a:pt x="855375" y="401073"/>
+                  <a:pt x="968992" y="382138"/>
+                </a:cubicBezTo>
+                <a:cubicBezTo>
+                  <a:pt x="991738" y="373039"/>
+                  <a:pt x="1013003" y="358476"/>
+                  <a:pt x="1037230" y="354842"/>
+                </a:cubicBezTo>
+                <a:cubicBezTo>
+                  <a:pt x="1204218" y="329793"/>
+                  <a:pt x="1257811" y="342414"/>
+                  <a:pt x="1419368" y="354842"/>
+                </a:cubicBezTo>
+                <a:cubicBezTo>
+                  <a:pt x="1433016" y="368490"/>
+                  <a:pt x="1444252" y="385079"/>
+                  <a:pt x="1460311" y="395785"/>
+                </a:cubicBezTo>
+                <a:cubicBezTo>
+                  <a:pt x="1472281" y="403765"/>
+                  <a:pt x="1492892" y="397727"/>
+                  <a:pt x="1501254" y="409433"/>
+                </a:cubicBezTo>
+                <a:cubicBezTo>
+                  <a:pt x="1517977" y="432846"/>
+                  <a:pt x="1528550" y="491320"/>
+                  <a:pt x="1528550" y="491320"/>
+                </a:cubicBezTo>
+                <a:cubicBezTo>
+                  <a:pt x="1524001" y="518615"/>
+                  <a:pt x="1534469" y="553639"/>
+                  <a:pt x="1514902" y="573206"/>
+                </a:cubicBezTo>
+                <a:cubicBezTo>
+                  <a:pt x="1495335" y="592773"/>
+                  <a:pt x="1460687" y="586854"/>
+                  <a:pt x="1433015" y="586854"/>
+                </a:cubicBezTo>
+                <a:cubicBezTo>
+                  <a:pt x="1364625" y="586854"/>
+                  <a:pt x="1296538" y="577755"/>
+                  <a:pt x="1228299" y="573206"/>
+                </a:cubicBezTo>
+                <a:cubicBezTo>
+                  <a:pt x="1250446" y="506766"/>
+                  <a:pt x="1231250" y="549967"/>
+                  <a:pt x="1282890" y="477672"/>
+                </a:cubicBezTo>
+                <a:cubicBezTo>
+                  <a:pt x="1292424" y="464325"/>
+                  <a:pt x="1297585" y="447230"/>
+                  <a:pt x="1310186" y="436729"/>
+                </a:cubicBezTo>
+                <a:cubicBezTo>
+                  <a:pt x="1325815" y="423705"/>
+                  <a:pt x="1346992" y="419313"/>
+                  <a:pt x="1364777" y="409433"/>
+                </a:cubicBezTo>
+                <a:cubicBezTo>
+                  <a:pt x="1433668" y="371160"/>
+                  <a:pt x="1422169" y="370277"/>
+                  <a:pt x="1487606" y="341194"/>
+                </a:cubicBezTo>
+                <a:cubicBezTo>
+                  <a:pt x="1509993" y="331244"/>
+                  <a:pt x="1533542" y="324037"/>
+                  <a:pt x="1555845" y="313899"/>
+                </a:cubicBezTo>
+                <a:cubicBezTo>
+                  <a:pt x="1583627" y="301271"/>
+                  <a:pt x="1609845" y="285349"/>
+                  <a:pt x="1637732" y="272955"/>
+                </a:cubicBezTo>
+                <a:cubicBezTo>
+                  <a:pt x="1678045" y="255038"/>
+                  <a:pt x="1716195" y="253055"/>
+                  <a:pt x="1760562" y="245660"/>
+                </a:cubicBezTo>
+                <a:cubicBezTo>
+                  <a:pt x="1801505" y="232012"/>
+                  <a:pt x="1841523" y="215185"/>
+                  <a:pt x="1883392" y="204717"/>
+                </a:cubicBezTo>
+                <a:cubicBezTo>
+                  <a:pt x="1919786" y="195618"/>
+                  <a:pt x="1959020" y="194198"/>
+                  <a:pt x="1992574" y="177421"/>
+                </a:cubicBezTo>
+                <a:cubicBezTo>
+                  <a:pt x="2019869" y="163773"/>
+                  <a:pt x="2045780" y="146907"/>
+                  <a:pt x="2074460" y="136478"/>
+                </a:cubicBezTo>
+                <a:cubicBezTo>
+                  <a:pt x="2096260" y="128551"/>
+                  <a:pt x="2120195" y="128456"/>
+                  <a:pt x="2142699" y="122830"/>
+                </a:cubicBezTo>
+                <a:cubicBezTo>
+                  <a:pt x="2364799" y="67305"/>
+                  <a:pt x="2157844" y="116554"/>
+                  <a:pt x="2279177" y="81887"/>
+                </a:cubicBezTo>
+                <a:cubicBezTo>
+                  <a:pt x="2297212" y="76734"/>
+                  <a:pt x="2316454" y="75453"/>
+                  <a:pt x="2333768" y="68239"/>
+                </a:cubicBezTo>
+                <a:cubicBezTo>
+                  <a:pt x="2447019" y="21051"/>
+                  <a:pt x="2442950" y="53283"/>
+                  <a:pt x="2442950" y="0"/>
+                </a:cubicBezTo>
+              </a:path>
+            </a:pathLst>
+          </a:custGeom>
+          <a:noFill/>
+        </p:spPr>
+        <p:style>
+          <a:lnRef idx="2">
+            <a:schemeClr val="accent1">
+              <a:shade val="50000"/>
+            </a:schemeClr>
+          </a:lnRef>
+          <a:fillRef idx="1">
+            <a:schemeClr val="accent1"/>
+          </a:fillRef>
+          <a:effectRef idx="0">
+            <a:schemeClr val="accent1"/>
+          </a:effectRef>
+          <a:fontRef idx="minor">
+            <a:schemeClr val="lt1"/>
+          </a:fontRef>
+        </p:style>
+        <p:txBody>
+          <a:bodyPr rtlCol="0" anchor="ctr"/>
+          <a:lstStyle/>
+          <a:p>
+            <a:pPr algn="ctr"/>
+            <a:endParaRPr lang="zh-CN" altLang="en-US"/>
+          </a:p>
+        </p:txBody>
+      </p:sp>
+      <p:sp>
+        <p:nvSpPr>
+          <p:cNvPr id="41" name="任意多边形 40"/>
+          <p:cNvSpPr/>
+          <p:nvPr/>
+        </p:nvSpPr>
+        <p:spPr>
+          <a:xfrm>
+            <a:off x="8625385" y="2620370"/>
+            <a:ext cx="313899" cy="286603"/>
+          </a:xfrm>
+          <a:custGeom>
+            <a:avLst/>
+            <a:gdLst>
+              <a:gd name="connsiteX0" fmla="*/ 0 w 313899"/>
+              <a:gd name="connsiteY0" fmla="*/ 0 h 286603"/>
+              <a:gd name="connsiteX1" fmla="*/ 272955 w 313899"/>
+              <a:gd name="connsiteY1" fmla="*/ 40943 h 286603"/>
+              <a:gd name="connsiteX2" fmla="*/ 313899 w 313899"/>
+              <a:gd name="connsiteY2" fmla="*/ 54591 h 286603"/>
+              <a:gd name="connsiteX3" fmla="*/ 286603 w 313899"/>
+              <a:gd name="connsiteY3" fmla="*/ 177421 h 286603"/>
+              <a:gd name="connsiteX4" fmla="*/ 245660 w 313899"/>
+              <a:gd name="connsiteY4" fmla="*/ 232012 h 286603"/>
+              <a:gd name="connsiteX5" fmla="*/ 191069 w 313899"/>
+              <a:gd name="connsiteY5" fmla="*/ 286603 h 286603"/>
+            </a:gdLst>
+            <a:ahLst/>
+            <a:cxnLst>
+              <a:cxn ang="0">
+                <a:pos x="connsiteX0" y="connsiteY0"/>
+              </a:cxn>
+              <a:cxn ang="0">
+                <a:pos x="connsiteX1" y="connsiteY1"/>
+              </a:cxn>
+              <a:cxn ang="0">
+                <a:pos x="connsiteX2" y="connsiteY2"/>
+              </a:cxn>
+              <a:cxn ang="0">
+                <a:pos x="connsiteX3" y="connsiteY3"/>
+              </a:cxn>
+              <a:cxn ang="0">
+                <a:pos x="connsiteX4" y="connsiteY4"/>
+              </a:cxn>
+              <a:cxn ang="0">
+                <a:pos x="connsiteX5" y="connsiteY5"/>
+              </a:cxn>
+            </a:cxnLst>
+            <a:rect l="l" t="t" r="r" b="b"/>
+            <a:pathLst>
+              <a:path w="313899" h="286603">
+                <a:moveTo>
+                  <a:pt x="0" y="0"/>
+                </a:moveTo>
+                <a:cubicBezTo>
+                  <a:pt x="105200" y="13150"/>
+                  <a:pt x="161879" y="18728"/>
+                  <a:pt x="272955" y="40943"/>
+                </a:cubicBezTo>
+                <a:cubicBezTo>
+                  <a:pt x="287062" y="43764"/>
+                  <a:pt x="300251" y="50042"/>
+                  <a:pt x="313899" y="54591"/>
+                </a:cubicBezTo>
+                <a:cubicBezTo>
+                  <a:pt x="310558" y="74639"/>
+                  <a:pt x="302414" y="149751"/>
+                  <a:pt x="286603" y="177421"/>
+                </a:cubicBezTo>
+                <a:cubicBezTo>
+                  <a:pt x="275318" y="197170"/>
+                  <a:pt x="258881" y="213503"/>
+                  <a:pt x="245660" y="232012"/>
+                </a:cubicBezTo>
+                <a:cubicBezTo>
+                  <a:pt x="209062" y="283248"/>
+                  <a:pt x="235304" y="264485"/>
+                  <a:pt x="191069" y="286603"/>
+                </a:cubicBezTo>
+              </a:path>
+            </a:pathLst>
+          </a:custGeom>
+          <a:noFill/>
+        </p:spPr>
+        <p:style>
+          <a:lnRef idx="2">
+            <a:schemeClr val="accent1">
+              <a:shade val="50000"/>
+            </a:schemeClr>
+          </a:lnRef>
+          <a:fillRef idx="1">
+            <a:schemeClr val="accent1"/>
+          </a:fillRef>
+          <a:effectRef idx="0">
+            <a:schemeClr val="accent1"/>
+          </a:effectRef>
+          <a:fontRef idx="minor">
+            <a:schemeClr val="lt1"/>
+          </a:fontRef>
+        </p:style>
+        <p:txBody>
+          <a:bodyPr rtlCol="0" anchor="ctr"/>
+          <a:lstStyle/>
+          <a:p>
+            <a:pPr algn="ctr"/>
+            <a:endParaRPr lang="zh-CN" altLang="en-US"/>
+          </a:p>
+        </p:txBody>
+      </p:sp>
+    </p:spTree>
+    <p:extLst>
+      <p:ext uri="{BB962C8B-B14F-4D97-AF65-F5344CB8AC3E}">
+        <p14:creationId xmlns:p14="http://schemas.microsoft.com/office/powerpoint/2010/main" val="3368396360"/>
+      </p:ext>
+    </p:extLst>
+  </p:cSld>
+  <p:clrMapOvr>
+    <a:masterClrMapping/>
+  </p:clrMapOvr>
+  <mc:AlternateContent xmlns:mc="http://schemas.openxmlformats.org/markup-compatibility/2006" xmlns:p14="http://schemas.microsoft.com/office/powerpoint/2010/main">
+    <mc:Choice Requires="p14">
+      <p:transition spd="slow" p14:dur="1400">
+        <p14:ripple/>
+      </p:transition>
+    </mc:Choice>
+    <mc:Fallback xmlns="">
+      <p:transition spd="slow">
+        <p:fade/>
+      </p:transition>
+    </mc:Fallback>
+  </mc:AlternateContent>
+  <p:timing>
+    <p:tnLst>
+      <p:par>
+        <p:cTn id="1" dur="indefinite" restart="never" nodeType="tmRoot">
+          <p:childTnLst>
+            <p:seq concurrent="1" nextAc="seek">
+              <p:cTn id="2" dur="indefinite" nodeType="mainSeq">
+                <p:childTnLst>
+                  <p:par>
+                    <p:cTn id="3" fill="hold">
+                      <p:stCondLst>
+                        <p:cond delay="indefinite"/>
+                        <p:cond evt="onBegin" delay="0">
+                          <p:tn val="2"/>
+                        </p:cond>
+                      </p:stCondLst>
+                      <p:childTnLst>
+                        <p:par>
+                          <p:cTn id="4" fill="hold">
+                            <p:stCondLst>
+                              <p:cond delay="0"/>
+                            </p:stCondLst>
+                            <p:childTnLst>
+                              <p:par>
+                                <p:cTn id="5" presetID="53" presetClass="entr" presetSubtype="16" fill="hold" grpId="0" nodeType="withEffect">
+                                  <p:stCondLst>
+                                    <p:cond delay="0"/>
+                                  </p:stCondLst>
+                                  <p:childTnLst>
+                                    <p:set>
+                                      <p:cBhvr>
+                                        <p:cTn id="6" dur="1" fill="hold">
+                                          <p:stCondLst>
+                                            <p:cond delay="0"/>
+                                          </p:stCondLst>
+                                        </p:cTn>
+                                        <p:tgtEl>
+                                          <p:spTgt spid="23"/>
+                                        </p:tgtEl>
+                                        <p:attrNameLst>
+                                          <p:attrName>style.visibility</p:attrName>
+                                        </p:attrNameLst>
+                                      </p:cBhvr>
+                                      <p:to>
+                                        <p:strVal val="visible"/>
+                                      </p:to>
+                                    </p:set>
+                                    <p:anim calcmode="lin" valueType="num">
+                                      <p:cBhvr>
+                                        <p:cTn id="7" dur="500" fill="hold"/>
+                                        <p:tgtEl>
+                                          <p:spTgt spid="23"/>
+                                        </p:tgtEl>
+                                        <p:attrNameLst>
+                                          <p:attrName>ppt_w</p:attrName>
+                                        </p:attrNameLst>
+                                      </p:cBhvr>
+                                      <p:tavLst>
+                                        <p:tav tm="0">
+                                          <p:val>
+                                            <p:fltVal val="0"/>
+                                          </p:val>
+                                        </p:tav>
+                                        <p:tav tm="100000">
+                                          <p:val>
+                                            <p:strVal val="#ppt_w"/>
+                                          </p:val>
+                                        </p:tav>
+                                      </p:tavLst>
+                                    </p:anim>
+                                    <p:anim calcmode="lin" valueType="num">
+                                      <p:cBhvr>
+                                        <p:cTn id="8" dur="500" fill="hold"/>
+                                        <p:tgtEl>
+                                          <p:spTgt spid="23"/>
+                                        </p:tgtEl>
+                                        <p:attrNameLst>
+                                          <p:attrName>ppt_h</p:attrName>
+                                        </p:attrNameLst>
+                                      </p:cBhvr>
+                                      <p:tavLst>
+                                        <p:tav tm="0">
+                                          <p:val>
+                                            <p:fltVal val="0"/>
+                                          </p:val>
+                                        </p:tav>
+                                        <p:tav tm="100000">
+                                          <p:val>
+                                            <p:strVal val="#ppt_h"/>
+                                          </p:val>
+                                        </p:tav>
+                                      </p:tavLst>
+                                    </p:anim>
+                                    <p:animEffect transition="in" filter="fade">
+                                      <p:cBhvr>
+                                        <p:cTn id="9" dur="500"/>
+                                        <p:tgtEl>
+                                          <p:spTgt spid="23"/>
+                                        </p:tgtEl>
+                                      </p:cBhvr>
+                                    </p:animEffect>
+                                  </p:childTnLst>
+                                </p:cTn>
+                              </p:par>
+                              <p:par>
+                                <p:cTn id="10" presetID="53" presetClass="entr" presetSubtype="16" fill="hold" grpId="0" nodeType="withEffect">
+                                  <p:stCondLst>
+                                    <p:cond delay="0"/>
+                                  </p:stCondLst>
+                                  <p:childTnLst>
+                                    <p:set>
+                                      <p:cBhvr>
+                                        <p:cTn id="11" dur="1" fill="hold">
+                                          <p:stCondLst>
+                                            <p:cond delay="0"/>
+                                          </p:stCondLst>
+                                        </p:cTn>
+                                        <p:tgtEl>
+                                          <p:spTgt spid="20"/>
+                                        </p:tgtEl>
+                                        <p:attrNameLst>
+                                          <p:attrName>style.visibility</p:attrName>
+                                        </p:attrNameLst>
+                                      </p:cBhvr>
+                                      <p:to>
+                                        <p:strVal val="visible"/>
+                                      </p:to>
+                                    </p:set>
+                                    <p:anim calcmode="lin" valueType="num">
+                                      <p:cBhvr>
+                                        <p:cTn id="12" dur="500" fill="hold"/>
+                                        <p:tgtEl>
+                                          <p:spTgt spid="20"/>
+                                        </p:tgtEl>
+                                        <p:attrNameLst>
+                                          <p:attrName>ppt_w</p:attrName>
+                                        </p:attrNameLst>
+                                      </p:cBhvr>
+                                      <p:tavLst>
+                                        <p:tav tm="0">
+                                          <p:val>
+                                            <p:fltVal val="0"/>
+                                          </p:val>
+                                        </p:tav>
+                                        <p:tav tm="100000">
+                                          <p:val>
+                                            <p:strVal val="#ppt_w"/>
+                                          </p:val>
+                                        </p:tav>
+                                      </p:tavLst>
+                                    </p:anim>
+                                    <p:anim calcmode="lin" valueType="num">
+                                      <p:cBhvr>
+                                        <p:cTn id="13" dur="500" fill="hold"/>
+                                        <p:tgtEl>
+                                          <p:spTgt spid="20"/>
+                                        </p:tgtEl>
+                                        <p:attrNameLst>
+                                          <p:attrName>ppt_h</p:attrName>
+                                        </p:attrNameLst>
+                                      </p:cBhvr>
+                                      <p:tavLst>
+                                        <p:tav tm="0">
+                                          <p:val>
+                                            <p:fltVal val="0"/>
+                                          </p:val>
+                                        </p:tav>
+                                        <p:tav tm="100000">
+                                          <p:val>
+                                            <p:strVal val="#ppt_h"/>
+                                          </p:val>
+                                        </p:tav>
+                                      </p:tavLst>
+                                    </p:anim>
+                                    <p:animEffect transition="in" filter="fade">
+                                      <p:cBhvr>
+                                        <p:cTn id="14" dur="500"/>
+                                        <p:tgtEl>
+                                          <p:spTgt spid="20"/>
+                                        </p:tgtEl>
+                                      </p:cBhvr>
+                                    </p:animEffect>
+                                  </p:childTnLst>
+                                </p:cTn>
+                              </p:par>
+                            </p:childTnLst>
+                          </p:cTn>
+                        </p:par>
+                      </p:childTnLst>
+                    </p:cTn>
+                  </p:par>
+                  <p:par>
+                    <p:cTn id="15" fill="hold">
+                      <p:stCondLst>
+                        <p:cond delay="indefinite"/>
+                      </p:stCondLst>
+                      <p:childTnLst>
+                        <p:par>
+                          <p:cTn id="16" fill="hold">
+                            <p:stCondLst>
+                              <p:cond delay="0"/>
+                            </p:stCondLst>
+                            <p:childTnLst>
+                              <p:par>
+                                <p:cTn id="17" presetID="2" presetClass="entr" presetSubtype="4" fill="hold" grpId="0" nodeType="clickEffect">
+                                  <p:stCondLst>
+                                    <p:cond delay="0"/>
+                                  </p:stCondLst>
+                                  <p:childTnLst>
+                                    <p:set>
+                                      <p:cBhvr>
+                                        <p:cTn id="18" dur="1" fill="hold">
+                                          <p:stCondLst>
+                                            <p:cond delay="0"/>
+                                          </p:stCondLst>
+                                        </p:cTn>
+                                        <p:tgtEl>
+                                          <p:spTgt spid="7"/>
+                                        </p:tgtEl>
+                                        <p:attrNameLst>
+                                          <p:attrName>style.visibility</p:attrName>
+                                        </p:attrNameLst>
+                                      </p:cBhvr>
+                                      <p:to>
+                                        <p:strVal val="visible"/>
+                                      </p:to>
+                                    </p:set>
+                                    <p:anim calcmode="lin" valueType="num">
+                                      <p:cBhvr additive="base">
+                                        <p:cTn id="19" dur="500" fill="hold"/>
+                                        <p:tgtEl>
+                                          <p:spTgt spid="7"/>
+                                        </p:tgtEl>
+                                        <p:attrNameLst>
+                                          <p:attrName>ppt_x</p:attrName>
+                                        </p:attrNameLst>
+                                      </p:cBhvr>
+                                      <p:tavLst>
+                                        <p:tav tm="0">
+                                          <p:val>
+                                            <p:strVal val="#ppt_x"/>
+                                          </p:val>
+                                        </p:tav>
+                                        <p:tav tm="100000">
+                                          <p:val>
+                                            <p:strVal val="#ppt_x"/>
+                                          </p:val>
+                                        </p:tav>
+                                      </p:tavLst>
+                                    </p:anim>
+                                    <p:anim calcmode="lin" valueType="num">
+                                      <p:cBhvr additive="base">
+                                        <p:cTn id="20" dur="500" fill="hold"/>
+                                        <p:tgtEl>
+                                          <p:spTgt spid="7"/>
+                                        </p:tgtEl>
+                                        <p:attrNameLst>
+                                          <p:attrName>ppt_y</p:attrName>
+                                        </p:attrNameLst>
+                                      </p:cBhvr>
+                                      <p:tavLst>
+                                        <p:tav tm="0">
+                                          <p:val>
+                                            <p:strVal val="1+#ppt_h/2"/>
+                                          </p:val>
+                                        </p:tav>
+                                        <p:tav tm="100000">
+                                          <p:val>
+                                            <p:strVal val="#ppt_y"/>
+                                          </p:val>
+                                        </p:tav>
+                                      </p:tavLst>
+                                    </p:anim>
+                                  </p:childTnLst>
+                                </p:cTn>
+                              </p:par>
+                              <p:par>
+                                <p:cTn id="21" presetID="2" presetClass="entr" presetSubtype="4" fill="hold" grpId="0" nodeType="withEffect">
+                                  <p:stCondLst>
+                                    <p:cond delay="0"/>
+                                  </p:stCondLst>
+                                  <p:childTnLst>
+                                    <p:set>
+                                      <p:cBhvr>
+                                        <p:cTn id="22" dur="1" fill="hold">
+                                          <p:stCondLst>
+                                            <p:cond delay="0"/>
+                                          </p:stCondLst>
+                                        </p:cTn>
+                                        <p:tgtEl>
+                                          <p:spTgt spid="17"/>
+                                        </p:tgtEl>
+                                        <p:attrNameLst>
+                                          <p:attrName>style.visibility</p:attrName>
+                                        </p:attrNameLst>
+                                      </p:cBhvr>
+                                      <p:to>
+                                        <p:strVal val="visible"/>
+                                      </p:to>
+                                    </p:set>
+                                    <p:anim calcmode="lin" valueType="num">
+                                      <p:cBhvr additive="base">
+                                        <p:cTn id="23" dur="500" fill="hold"/>
+                                        <p:tgtEl>
+                                          <p:spTgt spid="17"/>
+                                        </p:tgtEl>
+                                        <p:attrNameLst>
+                                          <p:attrName>ppt_x</p:attrName>
+                                        </p:attrNameLst>
+                                      </p:cBhvr>
+                                      <p:tavLst>
+                                        <p:tav tm="0">
+                                          <p:val>
+                                            <p:strVal val="#ppt_x"/>
+                                          </p:val>
+                                        </p:tav>
+                                        <p:tav tm="100000">
+                                          <p:val>
+                                            <p:strVal val="#ppt_x"/>
+                                          </p:val>
+                                        </p:tav>
+                                      </p:tavLst>
+                                    </p:anim>
+                                    <p:anim calcmode="lin" valueType="num">
+                                      <p:cBhvr additive="base">
+                                        <p:cTn id="24" dur="500" fill="hold"/>
+                                        <p:tgtEl>
+                                          <p:spTgt spid="17"/>
+                                        </p:tgtEl>
+                                        <p:attrNameLst>
+                                          <p:attrName>ppt_y</p:attrName>
+                                        </p:attrNameLst>
+                                      </p:cBhvr>
+                                      <p:tavLst>
+                                        <p:tav tm="0">
+                                          <p:val>
+                                            <p:strVal val="1+#ppt_h/2"/>
+                                          </p:val>
+                                        </p:tav>
+                                        <p:tav tm="100000">
+                                          <p:val>
+                                            <p:strVal val="#ppt_y"/>
+                                          </p:val>
+                                        </p:tav>
+                                      </p:tavLst>
+                                    </p:anim>
+                                  </p:childTnLst>
+                                </p:cTn>
+                              </p:par>
+                              <p:par>
+                                <p:cTn id="25" presetID="2" presetClass="entr" presetSubtype="4" fill="hold" grpId="0" nodeType="withEffect">
+                                  <p:stCondLst>
+                                    <p:cond delay="0"/>
+                                  </p:stCondLst>
+                                  <p:childTnLst>
+                                    <p:set>
+                                      <p:cBhvr>
+                                        <p:cTn id="26" dur="1" fill="hold">
+                                          <p:stCondLst>
+                                            <p:cond delay="0"/>
+                                          </p:stCondLst>
+                                        </p:cTn>
+                                        <p:tgtEl>
+                                          <p:spTgt spid="18"/>
+                                        </p:tgtEl>
+                                        <p:attrNameLst>
+                                          <p:attrName>style.visibility</p:attrName>
+                                        </p:attrNameLst>
+                                      </p:cBhvr>
+                                      <p:to>
+                                        <p:strVal val="visible"/>
+                                      </p:to>
+                                    </p:set>
+                                    <p:anim calcmode="lin" valueType="num">
+                                      <p:cBhvr additive="base">
+                                        <p:cTn id="27" dur="500" fill="hold"/>
+                                        <p:tgtEl>
+                                          <p:spTgt spid="18"/>
+                                        </p:tgtEl>
+                                        <p:attrNameLst>
+                                          <p:attrName>ppt_x</p:attrName>
+                                        </p:attrNameLst>
+                                      </p:cBhvr>
+                                      <p:tavLst>
+                                        <p:tav tm="0">
+                                          <p:val>
+                                            <p:strVal val="#ppt_x"/>
+                                          </p:val>
+                                        </p:tav>
+                                        <p:tav tm="100000">
+                                          <p:val>
+                                            <p:strVal val="#ppt_x"/>
+                                          </p:val>
+                                        </p:tav>
+                                      </p:tavLst>
+                                    </p:anim>
+                                    <p:anim calcmode="lin" valueType="num">
+                                      <p:cBhvr additive="base">
+                                        <p:cTn id="28" dur="500" fill="hold"/>
+                                        <p:tgtEl>
+                                          <p:spTgt spid="18"/>
+                                        </p:tgtEl>
+                                        <p:attrNameLst>
+                                          <p:attrName>ppt_y</p:attrName>
+                                        </p:attrNameLst>
+                                      </p:cBhvr>
+                                      <p:tavLst>
+                                        <p:tav tm="0">
+                                          <p:val>
+                                            <p:strVal val="1+#ppt_h/2"/>
+                                          </p:val>
+                                        </p:tav>
+                                        <p:tav tm="100000">
+                                          <p:val>
+                                            <p:strVal val="#ppt_y"/>
+                                          </p:val>
+                                        </p:tav>
+                                      </p:tavLst>
+                                    </p:anim>
+                                  </p:childTnLst>
+                                </p:cTn>
+                              </p:par>
+                              <p:par>
+                                <p:cTn id="29" presetID="2" presetClass="entr" presetSubtype="4" fill="hold" grpId="0" nodeType="withEffect">
+                                  <p:stCondLst>
+                                    <p:cond delay="0"/>
+                                  </p:stCondLst>
+                                  <p:childTnLst>
+                                    <p:set>
+                                      <p:cBhvr>
+                                        <p:cTn id="30" dur="1" fill="hold">
+                                          <p:stCondLst>
+                                            <p:cond delay="0"/>
+                                          </p:stCondLst>
+                                        </p:cTn>
+                                        <p:tgtEl>
+                                          <p:spTgt spid="19"/>
+                                        </p:tgtEl>
+                                        <p:attrNameLst>
+                                          <p:attrName>style.visibility</p:attrName>
+                                        </p:attrNameLst>
+                                      </p:cBhvr>
+                                      <p:to>
+                                        <p:strVal val="visible"/>
+                                      </p:to>
+                                    </p:set>
+                                    <p:anim calcmode="lin" valueType="num">
+                                      <p:cBhvr additive="base">
+                                        <p:cTn id="31" dur="500" fill="hold"/>
+                                        <p:tgtEl>
+                                          <p:spTgt spid="19"/>
+                                        </p:tgtEl>
+                                        <p:attrNameLst>
+                                          <p:attrName>ppt_x</p:attrName>
+                                        </p:attrNameLst>
+                                      </p:cBhvr>
+                                      <p:tavLst>
+                                        <p:tav tm="0">
+                                          <p:val>
+                                            <p:strVal val="#ppt_x"/>
+                                          </p:val>
+                                        </p:tav>
+                                        <p:tav tm="100000">
+                                          <p:val>
+                                            <p:strVal val="#ppt_x"/>
+                                          </p:val>
+                                        </p:tav>
+                                      </p:tavLst>
+                                    </p:anim>
+                                    <p:anim calcmode="lin" valueType="num">
+                                      <p:cBhvr additive="base">
+                                        <p:cTn id="32" dur="500" fill="hold"/>
+                                        <p:tgtEl>
+                                          <p:spTgt spid="19"/>
+                                        </p:tgtEl>
+                                        <p:attrNameLst>
+                                          <p:attrName>ppt_y</p:attrName>
+                                        </p:attrNameLst>
+                                      </p:cBhvr>
+                                      <p:tavLst>
+                                        <p:tav tm="0">
+                                          <p:val>
+                                            <p:strVal val="1+#ppt_h/2"/>
+                                          </p:val>
+                                        </p:tav>
+                                        <p:tav tm="100000">
+                                          <p:val>
+                                            <p:strVal val="#ppt_y"/>
+                                          </p:val>
+                                        </p:tav>
+                                      </p:tavLst>
+                                    </p:anim>
+                                  </p:childTnLst>
+                                </p:cTn>
+                              </p:par>
+                              <p:par>
+                                <p:cTn id="33" presetID="2" presetClass="entr" presetSubtype="4" fill="hold" grpId="0" nodeType="withEffect">
+                                  <p:stCondLst>
+                                    <p:cond delay="0"/>
+                                  </p:stCondLst>
+                                  <p:childTnLst>
+                                    <p:set>
+                                      <p:cBhvr>
+                                        <p:cTn id="34" dur="1" fill="hold">
+                                          <p:stCondLst>
+                                            <p:cond delay="0"/>
+                                          </p:stCondLst>
+                                        </p:cTn>
+                                        <p:tgtEl>
+                                          <p:spTgt spid="22"/>
+                                        </p:tgtEl>
+                                        <p:attrNameLst>
+                                          <p:attrName>style.visibility</p:attrName>
+                                        </p:attrNameLst>
+                                      </p:cBhvr>
+                                      <p:to>
+                                        <p:strVal val="visible"/>
+                                      </p:to>
+                                    </p:set>
+                                    <p:anim calcmode="lin" valueType="num">
+                                      <p:cBhvr additive="base">
+                                        <p:cTn id="35" dur="500" fill="hold"/>
+                                        <p:tgtEl>
+                                          <p:spTgt spid="22"/>
+                                        </p:tgtEl>
+                                        <p:attrNameLst>
+                                          <p:attrName>ppt_x</p:attrName>
+                                        </p:attrNameLst>
+                                      </p:cBhvr>
+                                      <p:tavLst>
+                                        <p:tav tm="0">
+                                          <p:val>
+                                            <p:strVal val="#ppt_x"/>
+                                          </p:val>
+                                        </p:tav>
+                                        <p:tav tm="100000">
+                                          <p:val>
+                                            <p:strVal val="#ppt_x"/>
+                                          </p:val>
+                                        </p:tav>
+                                      </p:tavLst>
+                                    </p:anim>
+                                    <p:anim calcmode="lin" valueType="num">
+                                      <p:cBhvr additive="base">
+                                        <p:cTn id="36" dur="500" fill="hold"/>
+                                        <p:tgtEl>
+                                          <p:spTgt spid="22"/>
+                                        </p:tgtEl>
+                                        <p:attrNameLst>
+                                          <p:attrName>ppt_y</p:attrName>
+                                        </p:attrNameLst>
+                                      </p:cBhvr>
+                                      <p:tavLst>
+                                        <p:tav tm="0">
+                                          <p:val>
+                                            <p:strVal val="1+#ppt_h/2"/>
+                                          </p:val>
+                                        </p:tav>
+                                        <p:tav tm="100000">
+                                          <p:val>
+                                            <p:strVal val="#ppt_y"/>
+                                          </p:val>
+                                        </p:tav>
+                                      </p:tavLst>
+                                    </p:anim>
+                                  </p:childTnLst>
+                                </p:cTn>
+                              </p:par>
+                              <p:par>
+                                <p:cTn id="37" presetID="2" presetClass="entr" presetSubtype="4" fill="hold" grpId="0" nodeType="withEffect">
+                                  <p:stCondLst>
+                                    <p:cond delay="0"/>
+                                  </p:stCondLst>
+                                  <p:childTnLst>
+                                    <p:set>
+                                      <p:cBhvr>
+                                        <p:cTn id="38" dur="1" fill="hold">
+                                          <p:stCondLst>
+                                            <p:cond delay="0"/>
+                                          </p:stCondLst>
+                                        </p:cTn>
+                                        <p:tgtEl>
+                                          <p:spTgt spid="24"/>
+                                        </p:tgtEl>
+                                        <p:attrNameLst>
+                                          <p:attrName>style.visibility</p:attrName>
+                                        </p:attrNameLst>
+                                      </p:cBhvr>
+                                      <p:to>
+                                        <p:strVal val="visible"/>
+                                      </p:to>
+                                    </p:set>
+                                    <p:anim calcmode="lin" valueType="num">
+                                      <p:cBhvr additive="base">
+                                        <p:cTn id="39" dur="500" fill="hold"/>
+                                        <p:tgtEl>
+                                          <p:spTgt spid="24"/>
+                                        </p:tgtEl>
+                                        <p:attrNameLst>
+                                          <p:attrName>ppt_x</p:attrName>
+                                        </p:attrNameLst>
+                                      </p:cBhvr>
+                                      <p:tavLst>
+                                        <p:tav tm="0">
+                                          <p:val>
+                                            <p:strVal val="#ppt_x"/>
+                                          </p:val>
+                                        </p:tav>
+                                        <p:tav tm="100000">
+                                          <p:val>
+                                            <p:strVal val="#ppt_x"/>
+                                          </p:val>
+                                        </p:tav>
+                                      </p:tavLst>
+                                    </p:anim>
+                                    <p:anim calcmode="lin" valueType="num">
+                                      <p:cBhvr additive="base">
+                                        <p:cTn id="40" dur="500" fill="hold"/>
+                                        <p:tgtEl>
+                                          <p:spTgt spid="24"/>
+                                        </p:tgtEl>
+                                        <p:attrNameLst>
+                                          <p:attrName>ppt_y</p:attrName>
+                                        </p:attrNameLst>
+                                      </p:cBhvr>
+                                      <p:tavLst>
+                                        <p:tav tm="0">
+                                          <p:val>
+                                            <p:strVal val="1+#ppt_h/2"/>
+                                          </p:val>
+                                        </p:tav>
+                                        <p:tav tm="100000">
+                                          <p:val>
+                                            <p:strVal val="#ppt_y"/>
+                                          </p:val>
+                                        </p:tav>
+                                      </p:tavLst>
+                                    </p:anim>
+                                  </p:childTnLst>
+                                </p:cTn>
+                              </p:par>
+                              <p:par>
+                                <p:cTn id="41" presetID="2" presetClass="entr" presetSubtype="4" fill="hold" grpId="0" nodeType="withEffect">
+                                  <p:stCondLst>
+                                    <p:cond delay="0"/>
+                                  </p:stCondLst>
+                                  <p:childTnLst>
+                                    <p:set>
+                                      <p:cBhvr>
+                                        <p:cTn id="42" dur="1" fill="hold">
+                                          <p:stCondLst>
+                                            <p:cond delay="0"/>
+                                          </p:stCondLst>
+                                        </p:cTn>
+                                        <p:tgtEl>
+                                          <p:spTgt spid="44"/>
+                                        </p:tgtEl>
+                                        <p:attrNameLst>
+                                          <p:attrName>style.visibility</p:attrName>
+                                        </p:attrNameLst>
+                                      </p:cBhvr>
+                                      <p:to>
+                                        <p:strVal val="visible"/>
+                                      </p:to>
+                                    </p:set>
+                                    <p:anim calcmode="lin" valueType="num">
+                                      <p:cBhvr additive="base">
+                                        <p:cTn id="43" dur="500" fill="hold"/>
+                                        <p:tgtEl>
+                                          <p:spTgt spid="44"/>
+                                        </p:tgtEl>
+                                        <p:attrNameLst>
+                                          <p:attrName>ppt_x</p:attrName>
+                                        </p:attrNameLst>
+                                      </p:cBhvr>
+                                      <p:tavLst>
+                                        <p:tav tm="0">
+                                          <p:val>
+                                            <p:strVal val="#ppt_x"/>
+                                          </p:val>
+                                        </p:tav>
+                                        <p:tav tm="100000">
+                                          <p:val>
+                                            <p:strVal val="#ppt_x"/>
+                                          </p:val>
+                                        </p:tav>
+                                      </p:tavLst>
+                                    </p:anim>
+                                    <p:anim calcmode="lin" valueType="num">
+                                      <p:cBhvr additive="base">
+                                        <p:cTn id="44" dur="500" fill="hold"/>
+                                        <p:tgtEl>
+                                          <p:spTgt spid="44"/>
+                                        </p:tgtEl>
+                                        <p:attrNameLst>
+                                          <p:attrName>ppt_y</p:attrName>
+                                        </p:attrNameLst>
+                                      </p:cBhvr>
+                                      <p:tavLst>
+                                        <p:tav tm="0">
+                                          <p:val>
+                                            <p:strVal val="1+#ppt_h/2"/>
+                                          </p:val>
+                                        </p:tav>
+                                        <p:tav tm="100000">
+                                          <p:val>
+                                            <p:strVal val="#ppt_y"/>
+                                          </p:val>
+                                        </p:tav>
+                                      </p:tavLst>
+                                    </p:anim>
+                                  </p:childTnLst>
+                                </p:cTn>
+                              </p:par>
+                              <p:par>
+                                <p:cTn id="45" presetID="2" presetClass="entr" presetSubtype="4" fill="hold" grpId="0" nodeType="withEffect">
+                                  <p:stCondLst>
+                                    <p:cond delay="0"/>
+                                  </p:stCondLst>
+                                  <p:childTnLst>
+                                    <p:set>
+                                      <p:cBhvr>
+                                        <p:cTn id="46" dur="1" fill="hold">
+                                          <p:stCondLst>
+                                            <p:cond delay="0"/>
+                                          </p:stCondLst>
+                                        </p:cTn>
+                                        <p:tgtEl>
+                                          <p:spTgt spid="45"/>
+                                        </p:tgtEl>
+                                        <p:attrNameLst>
+                                          <p:attrName>style.visibility</p:attrName>
+                                        </p:attrNameLst>
+                                      </p:cBhvr>
+                                      <p:to>
+                                        <p:strVal val="visible"/>
+                                      </p:to>
+                                    </p:set>
+                                    <p:anim calcmode="lin" valueType="num">
+                                      <p:cBhvr additive="base">
+                                        <p:cTn id="47" dur="500" fill="hold"/>
+                                        <p:tgtEl>
+                                          <p:spTgt spid="45"/>
+                                        </p:tgtEl>
+                                        <p:attrNameLst>
+                                          <p:attrName>ppt_x</p:attrName>
+                                        </p:attrNameLst>
+                                      </p:cBhvr>
+                                      <p:tavLst>
+                                        <p:tav tm="0">
+                                          <p:val>
+                                            <p:strVal val="#ppt_x"/>
+                                          </p:val>
+                                        </p:tav>
+                                        <p:tav tm="100000">
+                                          <p:val>
+                                            <p:strVal val="#ppt_x"/>
+                                          </p:val>
+                                        </p:tav>
+                                      </p:tavLst>
+                                    </p:anim>
+                                    <p:anim calcmode="lin" valueType="num">
+                                      <p:cBhvr additive="base">
+                                        <p:cTn id="48" dur="500" fill="hold"/>
+                                        <p:tgtEl>
+                                          <p:spTgt spid="45"/>
+                                        </p:tgtEl>
+                                        <p:attrNameLst>
+                                          <p:attrName>ppt_y</p:attrName>
+                                        </p:attrNameLst>
+                                      </p:cBhvr>
+                                      <p:tavLst>
+                                        <p:tav tm="0">
+                                          <p:val>
+                                            <p:strVal val="1+#ppt_h/2"/>
+                                          </p:val>
+                                        </p:tav>
+                                        <p:tav tm="100000">
+                                          <p:val>
+                                            <p:strVal val="#ppt_y"/>
+                                          </p:val>
+                                        </p:tav>
+                                      </p:tavLst>
+                                    </p:anim>
+                                  </p:childTnLst>
+                                </p:cTn>
+                              </p:par>
+                              <p:par>
+                                <p:cTn id="49" presetID="2" presetClass="entr" presetSubtype="4" fill="hold" grpId="0" nodeType="withEffect">
+                                  <p:stCondLst>
+                                    <p:cond delay="0"/>
+                                  </p:stCondLst>
+                                  <p:childTnLst>
+                                    <p:set>
+                                      <p:cBhvr>
+                                        <p:cTn id="50" dur="1" fill="hold">
+                                          <p:stCondLst>
+                                            <p:cond delay="0"/>
+                                          </p:stCondLst>
+                                        </p:cTn>
+                                        <p:tgtEl>
+                                          <p:spTgt spid="46"/>
+                                        </p:tgtEl>
+                                        <p:attrNameLst>
+                                          <p:attrName>style.visibility</p:attrName>
+                                        </p:attrNameLst>
+                                      </p:cBhvr>
+                                      <p:to>
+                                        <p:strVal val="visible"/>
+                                      </p:to>
+                                    </p:set>
+                                    <p:anim calcmode="lin" valueType="num">
+                                      <p:cBhvr additive="base">
+                                        <p:cTn id="51" dur="500" fill="hold"/>
+                                        <p:tgtEl>
+                                          <p:spTgt spid="46"/>
+                                        </p:tgtEl>
+                                        <p:attrNameLst>
+                                          <p:attrName>ppt_x</p:attrName>
+                                        </p:attrNameLst>
+                                      </p:cBhvr>
+                                      <p:tavLst>
+                                        <p:tav tm="0">
+                                          <p:val>
+                                            <p:strVal val="#ppt_x"/>
+                                          </p:val>
+                                        </p:tav>
+                                        <p:tav tm="100000">
+                                          <p:val>
+                                            <p:strVal val="#ppt_x"/>
+                                          </p:val>
+                                        </p:tav>
+                                      </p:tavLst>
+                                    </p:anim>
+                                    <p:anim calcmode="lin" valueType="num">
+                                      <p:cBhvr additive="base">
+                                        <p:cTn id="52" dur="500" fill="hold"/>
+                                        <p:tgtEl>
+                                          <p:spTgt spid="46"/>
+                                        </p:tgtEl>
+                                        <p:attrNameLst>
+                                          <p:attrName>ppt_y</p:attrName>
+                                        </p:attrNameLst>
+                                      </p:cBhvr>
+                                      <p:tavLst>
+                                        <p:tav tm="0">
+                                          <p:val>
+                                            <p:strVal val="1+#ppt_h/2"/>
+                                          </p:val>
+                                        </p:tav>
+                                        <p:tav tm="100000">
+                                          <p:val>
+                                            <p:strVal val="#ppt_y"/>
+                                          </p:val>
+                                        </p:tav>
+                                      </p:tavLst>
+                                    </p:anim>
+                                  </p:childTnLst>
+                                </p:cTn>
+                              </p:par>
+                              <p:par>
+                                <p:cTn id="53" presetID="2" presetClass="entr" presetSubtype="4" fill="hold" grpId="0" nodeType="withEffect">
+                                  <p:stCondLst>
+                                    <p:cond delay="0"/>
+                                  </p:stCondLst>
+                                  <p:childTnLst>
+                                    <p:set>
+                                      <p:cBhvr>
+                                        <p:cTn id="54" dur="1" fill="hold">
+                                          <p:stCondLst>
+                                            <p:cond delay="0"/>
+                                          </p:stCondLst>
+                                        </p:cTn>
+                                        <p:tgtEl>
+                                          <p:spTgt spid="47"/>
+                                        </p:tgtEl>
+                                        <p:attrNameLst>
+                                          <p:attrName>style.visibility</p:attrName>
+                                        </p:attrNameLst>
+                                      </p:cBhvr>
+                                      <p:to>
+                                        <p:strVal val="visible"/>
+                                      </p:to>
+                                    </p:set>
+                                    <p:anim calcmode="lin" valueType="num">
+                                      <p:cBhvr additive="base">
+                                        <p:cTn id="55" dur="500" fill="hold"/>
+                                        <p:tgtEl>
+                                          <p:spTgt spid="47"/>
+                                        </p:tgtEl>
+                                        <p:attrNameLst>
+                                          <p:attrName>ppt_x</p:attrName>
+                                        </p:attrNameLst>
+                                      </p:cBhvr>
+                                      <p:tavLst>
+                                        <p:tav tm="0">
+                                          <p:val>
+                                            <p:strVal val="#ppt_x"/>
+                                          </p:val>
+                                        </p:tav>
+                                        <p:tav tm="100000">
+                                          <p:val>
+                                            <p:strVal val="#ppt_x"/>
+                                          </p:val>
+                                        </p:tav>
+                                      </p:tavLst>
+                                    </p:anim>
+                                    <p:anim calcmode="lin" valueType="num">
+                                      <p:cBhvr additive="base">
+                                        <p:cTn id="56" dur="500" fill="hold"/>
+                                        <p:tgtEl>
+                                          <p:spTgt spid="47"/>
+                                        </p:tgtEl>
+                                        <p:attrNameLst>
+                                          <p:attrName>ppt_y</p:attrName>
+                                        </p:attrNameLst>
+                                      </p:cBhvr>
+                                      <p:tavLst>
+                                        <p:tav tm="0">
+                                          <p:val>
+                                            <p:strVal val="1+#ppt_h/2"/>
+                                          </p:val>
+                                        </p:tav>
+                                        <p:tav tm="100000">
+                                          <p:val>
+                                            <p:strVal val="#ppt_y"/>
+                                          </p:val>
+                                        </p:tav>
+                                      </p:tavLst>
+                                    </p:anim>
+                                  </p:childTnLst>
+                                </p:cTn>
+                              </p:par>
+                              <p:par>
+                                <p:cTn id="57" presetID="2" presetClass="entr" presetSubtype="4" fill="hold" grpId="0" nodeType="withEffect">
+                                  <p:stCondLst>
+                                    <p:cond delay="0"/>
+                                  </p:stCondLst>
+                                  <p:childTnLst>
+                                    <p:set>
+                                      <p:cBhvr>
+                                        <p:cTn id="58" dur="1" fill="hold">
+                                          <p:stCondLst>
+                                            <p:cond delay="0"/>
+                                          </p:stCondLst>
+                                        </p:cTn>
+                                        <p:tgtEl>
+                                          <p:spTgt spid="31"/>
+                                        </p:tgtEl>
+                                        <p:attrNameLst>
+                                          <p:attrName>style.visibility</p:attrName>
+                                        </p:attrNameLst>
+                                      </p:cBhvr>
+                                      <p:to>
+                                        <p:strVal val="visible"/>
+                                      </p:to>
+                                    </p:set>
+                                    <p:anim calcmode="lin" valueType="num">
+                                      <p:cBhvr additive="base">
+                                        <p:cTn id="59" dur="500" fill="hold"/>
+                                        <p:tgtEl>
+                                          <p:spTgt spid="31"/>
+                                        </p:tgtEl>
+                                        <p:attrNameLst>
+                                          <p:attrName>ppt_x</p:attrName>
+                                        </p:attrNameLst>
+                                      </p:cBhvr>
+                                      <p:tavLst>
+                                        <p:tav tm="0">
+                                          <p:val>
+                                            <p:strVal val="#ppt_x"/>
+                                          </p:val>
+                                        </p:tav>
+                                        <p:tav tm="100000">
+                                          <p:val>
+                                            <p:strVal val="#ppt_x"/>
+                                          </p:val>
+                                        </p:tav>
+                                      </p:tavLst>
+                                    </p:anim>
+                                    <p:anim calcmode="lin" valueType="num">
+                                      <p:cBhvr additive="base">
+                                        <p:cTn id="60" dur="500" fill="hold"/>
+                                        <p:tgtEl>
+                                          <p:spTgt spid="31"/>
+                                        </p:tgtEl>
+                                        <p:attrNameLst>
+                                          <p:attrName>ppt_y</p:attrName>
+                                        </p:attrNameLst>
+                                      </p:cBhvr>
+                                      <p:tavLst>
+                                        <p:tav tm="0">
+                                          <p:val>
+                                            <p:strVal val="1+#ppt_h/2"/>
+                                          </p:val>
+                                        </p:tav>
+                                        <p:tav tm="100000">
+                                          <p:val>
+                                            <p:strVal val="#ppt_y"/>
+                                          </p:val>
+                                        </p:tav>
+                                      </p:tavLst>
+                                    </p:anim>
+                                  </p:childTnLst>
+                                </p:cTn>
+                              </p:par>
+                              <p:par>
+                                <p:cTn id="61" presetID="2" presetClass="entr" presetSubtype="4" fill="hold" nodeType="withEffect">
+                                  <p:stCondLst>
+                                    <p:cond delay="0"/>
+                                  </p:stCondLst>
+                                  <p:childTnLst>
+                                    <p:set>
+                                      <p:cBhvr>
+                                        <p:cTn id="62" dur="1" fill="hold">
+                                          <p:stCondLst>
+                                            <p:cond delay="0"/>
+                                          </p:stCondLst>
+                                        </p:cTn>
+                                        <p:tgtEl>
+                                          <p:spTgt spid="3"/>
+                                        </p:tgtEl>
+                                        <p:attrNameLst>
+                                          <p:attrName>style.visibility</p:attrName>
+                                        </p:attrNameLst>
+                                      </p:cBhvr>
+                                      <p:to>
+                                        <p:strVal val="visible"/>
+                                      </p:to>
+                                    </p:set>
+                                    <p:anim calcmode="lin" valueType="num">
+                                      <p:cBhvr additive="base">
+                                        <p:cTn id="63" dur="500" fill="hold"/>
+                                        <p:tgtEl>
+                                          <p:spTgt spid="3"/>
+                                        </p:tgtEl>
+                                        <p:attrNameLst>
+                                          <p:attrName>ppt_x</p:attrName>
+                                        </p:attrNameLst>
+                                      </p:cBhvr>
+                                      <p:tavLst>
+                                        <p:tav tm="0">
+                                          <p:val>
+                                            <p:strVal val="#ppt_x"/>
+                                          </p:val>
+                                        </p:tav>
+                                        <p:tav tm="100000">
+                                          <p:val>
+                                            <p:strVal val="#ppt_x"/>
+                                          </p:val>
+                                        </p:tav>
+                                      </p:tavLst>
+                                    </p:anim>
+                                    <p:anim calcmode="lin" valueType="num">
+                                      <p:cBhvr additive="base">
+                                        <p:cTn id="64" dur="500" fill="hold"/>
+                                        <p:tgtEl>
+                                          <p:spTgt spid="3"/>
+                                        </p:tgtEl>
+                                        <p:attrNameLst>
+                                          <p:attrName>ppt_y</p:attrName>
+                                        </p:attrNameLst>
+                                      </p:cBhvr>
+                                      <p:tavLst>
+                                        <p:tav tm="0">
+                                          <p:val>
+                                            <p:strVal val="1+#ppt_h/2"/>
+                                          </p:val>
+                                        </p:tav>
+                                        <p:tav tm="100000">
+                                          <p:val>
+                                            <p:strVal val="#ppt_y"/>
+                                          </p:val>
+                                        </p:tav>
+                                      </p:tavLst>
+                                    </p:anim>
+                                  </p:childTnLst>
+                                </p:cTn>
+                              </p:par>
+                              <p:par>
+                                <p:cTn id="65" presetID="2" presetClass="entr" presetSubtype="4" fill="hold" nodeType="withEffect">
+                                  <p:stCondLst>
+                                    <p:cond delay="0"/>
+                                  </p:stCondLst>
+                                  <p:childTnLst>
+                                    <p:set>
+                                      <p:cBhvr>
+                                        <p:cTn id="66" dur="1" fill="hold">
+                                          <p:stCondLst>
+                                            <p:cond delay="0"/>
+                                          </p:stCondLst>
+                                        </p:cTn>
+                                        <p:tgtEl>
+                                          <p:spTgt spid="8"/>
+                                        </p:tgtEl>
+                                        <p:attrNameLst>
+                                          <p:attrName>style.visibility</p:attrName>
+                                        </p:attrNameLst>
+                                      </p:cBhvr>
+                                      <p:to>
+                                        <p:strVal val="visible"/>
+                                      </p:to>
+                                    </p:set>
+                                    <p:anim calcmode="lin" valueType="num">
+                                      <p:cBhvr additive="base">
+                                        <p:cTn id="67" dur="500" fill="hold"/>
+                                        <p:tgtEl>
+                                          <p:spTgt spid="8"/>
+                                        </p:tgtEl>
+                                        <p:attrNameLst>
+                                          <p:attrName>ppt_x</p:attrName>
+                                        </p:attrNameLst>
+                                      </p:cBhvr>
+                                      <p:tavLst>
+                                        <p:tav tm="0">
+                                          <p:val>
+                                            <p:strVal val="#ppt_x"/>
+                                          </p:val>
+                                        </p:tav>
+                                        <p:tav tm="100000">
+                                          <p:val>
+                                            <p:strVal val="#ppt_x"/>
+                                          </p:val>
+                                        </p:tav>
+                                      </p:tavLst>
+                                    </p:anim>
+                                    <p:anim calcmode="lin" valueType="num">
+                                      <p:cBhvr additive="base">
+                                        <p:cTn id="68" dur="500" fill="hold"/>
+                                        <p:tgtEl>
+                                          <p:spTgt spid="8"/>
+                                        </p:tgtEl>
+                                        <p:attrNameLst>
+                                          <p:attrName>ppt_y</p:attrName>
+                                        </p:attrNameLst>
+                                      </p:cBhvr>
+                                      <p:tavLst>
+                                        <p:tav tm="0">
+                                          <p:val>
+                                            <p:strVal val="1+#ppt_h/2"/>
+                                          </p:val>
+                                        </p:tav>
+                                        <p:tav tm="100000">
+                                          <p:val>
+                                            <p:strVal val="#ppt_y"/>
+                                          </p:val>
+                                        </p:tav>
+                                      </p:tavLst>
+                                    </p:anim>
+                                  </p:childTnLst>
+                                </p:cTn>
+                              </p:par>
+                              <p:par>
+                                <p:cTn id="69" presetID="2" presetClass="entr" presetSubtype="4" fill="hold" grpId="0" nodeType="withEffect">
+                                  <p:stCondLst>
+                                    <p:cond delay="0"/>
+                                  </p:stCondLst>
+                                  <p:childTnLst>
+                                    <p:set>
+                                      <p:cBhvr>
+                                        <p:cTn id="70" dur="1" fill="hold">
+                                          <p:stCondLst>
+                                            <p:cond delay="0"/>
+                                          </p:stCondLst>
+                                        </p:cTn>
+                                        <p:tgtEl>
+                                          <p:spTgt spid="34"/>
+                                        </p:tgtEl>
+                                        <p:attrNameLst>
+                                          <p:attrName>style.visibility</p:attrName>
+                                        </p:attrNameLst>
+                                      </p:cBhvr>
+                                      <p:to>
+                                        <p:strVal val="visible"/>
+                                      </p:to>
+                                    </p:set>
+                                    <p:anim calcmode="lin" valueType="num">
+                                      <p:cBhvr additive="base">
+                                        <p:cTn id="71" dur="500" fill="hold"/>
+                                        <p:tgtEl>
+                                          <p:spTgt spid="34"/>
+                                        </p:tgtEl>
+                                        <p:attrNameLst>
+                                          <p:attrName>ppt_x</p:attrName>
+                                        </p:attrNameLst>
+                                      </p:cBhvr>
+                                      <p:tavLst>
+                                        <p:tav tm="0">
+                                          <p:val>
+                                            <p:strVal val="#ppt_x"/>
+                                          </p:val>
+                                        </p:tav>
+                                        <p:tav tm="100000">
+                                          <p:val>
+                                            <p:strVal val="#ppt_x"/>
+                                          </p:val>
+                                        </p:tav>
+                                      </p:tavLst>
+                                    </p:anim>
+                                    <p:anim calcmode="lin" valueType="num">
+                                      <p:cBhvr additive="base">
+                                        <p:cTn id="72" dur="500" fill="hold"/>
+                                        <p:tgtEl>
+                                          <p:spTgt spid="34"/>
+                                        </p:tgtEl>
+                                        <p:attrNameLst>
+                                          <p:attrName>ppt_y</p:attrName>
+                                        </p:attrNameLst>
+                                      </p:cBhvr>
+                                      <p:tavLst>
+                                        <p:tav tm="0">
+                                          <p:val>
+                                            <p:strVal val="1+#ppt_h/2"/>
+                                          </p:val>
+                                        </p:tav>
+                                        <p:tav tm="100000">
+                                          <p:val>
+                                            <p:strVal val="#ppt_y"/>
+                                          </p:val>
+                                        </p:tav>
+                                      </p:tavLst>
+                                    </p:anim>
+                                  </p:childTnLst>
+                                </p:cTn>
+                              </p:par>
+                              <p:par>
+                                <p:cTn id="73" presetID="2" presetClass="entr" presetSubtype="4" fill="hold" grpId="0" nodeType="withEffect">
+                                  <p:stCondLst>
+                                    <p:cond delay="0"/>
+                                  </p:stCondLst>
+                                  <p:childTnLst>
+                                    <p:set>
+                                      <p:cBhvr>
+                                        <p:cTn id="74" dur="1" fill="hold">
+                                          <p:stCondLst>
+                                            <p:cond delay="0"/>
+                                          </p:stCondLst>
+                                        </p:cTn>
+                                        <p:tgtEl>
+                                          <p:spTgt spid="35"/>
+                                        </p:tgtEl>
+                                        <p:attrNameLst>
+                                          <p:attrName>style.visibility</p:attrName>
+                                        </p:attrNameLst>
+                                      </p:cBhvr>
+                                      <p:to>
+                                        <p:strVal val="visible"/>
+                                      </p:to>
+                                    </p:set>
+                                    <p:anim calcmode="lin" valueType="num">
+                                      <p:cBhvr additive="base">
+                                        <p:cTn id="75" dur="500" fill="hold"/>
+                                        <p:tgtEl>
+                                          <p:spTgt spid="35"/>
+                                        </p:tgtEl>
+                                        <p:attrNameLst>
+                                          <p:attrName>ppt_x</p:attrName>
+                                        </p:attrNameLst>
+                                      </p:cBhvr>
+                                      <p:tavLst>
+                                        <p:tav tm="0">
+                                          <p:val>
+                                            <p:strVal val="#ppt_x"/>
+                                          </p:val>
+                                        </p:tav>
+                                        <p:tav tm="100000">
+                                          <p:val>
+                                            <p:strVal val="#ppt_x"/>
+                                          </p:val>
+                                        </p:tav>
+                                      </p:tavLst>
+                                    </p:anim>
+                                    <p:anim calcmode="lin" valueType="num">
+                                      <p:cBhvr additive="base">
+                                        <p:cTn id="76" dur="500" fill="hold"/>
+                                        <p:tgtEl>
+                                          <p:spTgt spid="35"/>
+                                        </p:tgtEl>
+                                        <p:attrNameLst>
+                                          <p:attrName>ppt_y</p:attrName>
+                                        </p:attrNameLst>
+                                      </p:cBhvr>
+                                      <p:tavLst>
+                                        <p:tav tm="0">
+                                          <p:val>
+                                            <p:strVal val="1+#ppt_h/2"/>
+                                          </p:val>
+                                        </p:tav>
+                                        <p:tav tm="100000">
+                                          <p:val>
+                                            <p:strVal val="#ppt_y"/>
+                                          </p:val>
+                                        </p:tav>
+                                      </p:tavLst>
+                                    </p:anim>
+                                  </p:childTnLst>
+                                </p:cTn>
+                              </p:par>
+                              <p:par>
+                                <p:cTn id="77" presetID="2" presetClass="entr" presetSubtype="4" fill="hold" nodeType="withEffect">
+                                  <p:stCondLst>
+                                    <p:cond delay="0"/>
+                                  </p:stCondLst>
+                                  <p:childTnLst>
+                                    <p:set>
+                                      <p:cBhvr>
+                                        <p:cTn id="78" dur="1" fill="hold">
+                                          <p:stCondLst>
+                                            <p:cond delay="0"/>
+                                          </p:stCondLst>
+                                        </p:cTn>
+                                        <p:tgtEl>
+                                          <p:spTgt spid="15"/>
+                                        </p:tgtEl>
+                                        <p:attrNameLst>
+                                          <p:attrName>style.visibility</p:attrName>
+                                        </p:attrNameLst>
+                                      </p:cBhvr>
+                                      <p:to>
+                                        <p:strVal val="visible"/>
+                                      </p:to>
+                                    </p:set>
+                                    <p:anim calcmode="lin" valueType="num">
+                                      <p:cBhvr additive="base">
+                                        <p:cTn id="79" dur="500" fill="hold"/>
+                                        <p:tgtEl>
+                                          <p:spTgt spid="15"/>
+                                        </p:tgtEl>
+                                        <p:attrNameLst>
+                                          <p:attrName>ppt_x</p:attrName>
+                                        </p:attrNameLst>
+                                      </p:cBhvr>
+                                      <p:tavLst>
+                                        <p:tav tm="0">
+                                          <p:val>
+                                            <p:strVal val="#ppt_x"/>
+                                          </p:val>
+                                        </p:tav>
+                                        <p:tav tm="100000">
+                                          <p:val>
+                                            <p:strVal val="#ppt_x"/>
+                                          </p:val>
+                                        </p:tav>
+                                      </p:tavLst>
+                                    </p:anim>
+                                    <p:anim calcmode="lin" valueType="num">
+                                      <p:cBhvr additive="base">
+                                        <p:cTn id="80" dur="500" fill="hold"/>
+                                        <p:tgtEl>
+                                          <p:spTgt spid="15"/>
+                                        </p:tgtEl>
+                                        <p:attrNameLst>
+                                          <p:attrName>ppt_y</p:attrName>
+                                        </p:attrNameLst>
+                                      </p:cBhvr>
+                                      <p:tavLst>
+                                        <p:tav tm="0">
+                                          <p:val>
+                                            <p:strVal val="1+#ppt_h/2"/>
+                                          </p:val>
+                                        </p:tav>
+                                        <p:tav tm="100000">
+                                          <p:val>
+                                            <p:strVal val="#ppt_y"/>
+                                          </p:val>
+                                        </p:tav>
+                                      </p:tavLst>
+                                    </p:anim>
+                                  </p:childTnLst>
+                                </p:cTn>
+                              </p:par>
+                              <p:par>
+                                <p:cTn id="81" presetID="2" presetClass="entr" presetSubtype="4" fill="hold" nodeType="withEffect">
+                                  <p:stCondLst>
+                                    <p:cond delay="0"/>
+                                  </p:stCondLst>
+                                  <p:childTnLst>
+                                    <p:set>
+                                      <p:cBhvr>
+                                        <p:cTn id="82" dur="1" fill="hold">
+                                          <p:stCondLst>
+                                            <p:cond delay="0"/>
+                                          </p:stCondLst>
+                                        </p:cTn>
+                                        <p:tgtEl>
+                                          <p:spTgt spid="27"/>
+                                        </p:tgtEl>
+                                        <p:attrNameLst>
+                                          <p:attrName>style.visibility</p:attrName>
+                                        </p:attrNameLst>
+                                      </p:cBhvr>
+                                      <p:to>
+                                        <p:strVal val="visible"/>
+                                      </p:to>
+                                    </p:set>
+                                    <p:anim calcmode="lin" valueType="num">
+                                      <p:cBhvr additive="base">
+                                        <p:cTn id="83" dur="500" fill="hold"/>
+                                        <p:tgtEl>
+                                          <p:spTgt spid="27"/>
+                                        </p:tgtEl>
+                                        <p:attrNameLst>
+                                          <p:attrName>ppt_x</p:attrName>
+                                        </p:attrNameLst>
+                                      </p:cBhvr>
+                                      <p:tavLst>
+                                        <p:tav tm="0">
+                                          <p:val>
+                                            <p:strVal val="#ppt_x"/>
+                                          </p:val>
+                                        </p:tav>
+                                        <p:tav tm="100000">
+                                          <p:val>
+                                            <p:strVal val="#ppt_x"/>
+                                          </p:val>
+                                        </p:tav>
+                                      </p:tavLst>
+                                    </p:anim>
+                                    <p:anim calcmode="lin" valueType="num">
+                                      <p:cBhvr additive="base">
+                                        <p:cTn id="84" dur="500" fill="hold"/>
+                                        <p:tgtEl>
+                                          <p:spTgt spid="27"/>
+                                        </p:tgtEl>
+                                        <p:attrNameLst>
+                                          <p:attrName>ppt_y</p:attrName>
+                                        </p:attrNameLst>
+                                      </p:cBhvr>
+                                      <p:tavLst>
+                                        <p:tav tm="0">
+                                          <p:val>
+                                            <p:strVal val="1+#ppt_h/2"/>
+                                          </p:val>
+                                        </p:tav>
+                                        <p:tav tm="100000">
+                                          <p:val>
+                                            <p:strVal val="#ppt_y"/>
+                                          </p:val>
+                                        </p:tav>
+                                      </p:tavLst>
+                                    </p:anim>
+                                  </p:childTnLst>
+                                </p:cTn>
+                              </p:par>
+                              <p:par>
+                                <p:cTn id="85" presetID="2" presetClass="entr" presetSubtype="4" fill="hold" grpId="0" nodeType="withEffect">
+                                  <p:stCondLst>
+                                    <p:cond delay="0"/>
+                                  </p:stCondLst>
+                                  <p:childTnLst>
+                                    <p:set>
+                                      <p:cBhvr>
+                                        <p:cTn id="86" dur="1" fill="hold">
+                                          <p:stCondLst>
+                                            <p:cond delay="0"/>
+                                          </p:stCondLst>
+                                        </p:cTn>
+                                        <p:tgtEl>
+                                          <p:spTgt spid="39"/>
+                                        </p:tgtEl>
+                                        <p:attrNameLst>
+                                          <p:attrName>style.visibility</p:attrName>
+                                        </p:attrNameLst>
+                                      </p:cBhvr>
+                                      <p:to>
+                                        <p:strVal val="visible"/>
+                                      </p:to>
+                                    </p:set>
+                                    <p:anim calcmode="lin" valueType="num">
+                                      <p:cBhvr additive="base">
+                                        <p:cTn id="87" dur="500" fill="hold"/>
+                                        <p:tgtEl>
+                                          <p:spTgt spid="39"/>
+                                        </p:tgtEl>
+                                        <p:attrNameLst>
+                                          <p:attrName>ppt_x</p:attrName>
+                                        </p:attrNameLst>
+                                      </p:cBhvr>
+                                      <p:tavLst>
+                                        <p:tav tm="0">
+                                          <p:val>
+                                            <p:strVal val="#ppt_x"/>
+                                          </p:val>
+                                        </p:tav>
+                                        <p:tav tm="100000">
+                                          <p:val>
+                                            <p:strVal val="#ppt_x"/>
+                                          </p:val>
+                                        </p:tav>
+                                      </p:tavLst>
+                                    </p:anim>
+                                    <p:anim calcmode="lin" valueType="num">
+                                      <p:cBhvr additive="base">
+                                        <p:cTn id="88" dur="500" fill="hold"/>
+                                        <p:tgtEl>
+                                          <p:spTgt spid="39"/>
+                                        </p:tgtEl>
+                                        <p:attrNameLst>
+                                          <p:attrName>ppt_y</p:attrName>
+                                        </p:attrNameLst>
+                                      </p:cBhvr>
+                                      <p:tavLst>
+                                        <p:tav tm="0">
+                                          <p:val>
+                                            <p:strVal val="1+#ppt_h/2"/>
+                                          </p:val>
+                                        </p:tav>
+                                        <p:tav tm="100000">
+                                          <p:val>
+                                            <p:strVal val="#ppt_y"/>
+                                          </p:val>
+                                        </p:tav>
+                                      </p:tavLst>
+                                    </p:anim>
+                                  </p:childTnLst>
+                                </p:cTn>
+                              </p:par>
+                              <p:par>
+                                <p:cTn id="89" presetID="2" presetClass="entr" presetSubtype="4" fill="hold" grpId="0" nodeType="withEffect">
+                                  <p:stCondLst>
+                                    <p:cond delay="0"/>
+                                  </p:stCondLst>
+                                  <p:childTnLst>
+                                    <p:set>
+                                      <p:cBhvr>
+                                        <p:cTn id="90" dur="1" fill="hold">
+                                          <p:stCondLst>
+                                            <p:cond delay="0"/>
+                                          </p:stCondLst>
+                                        </p:cTn>
+                                        <p:tgtEl>
+                                          <p:spTgt spid="40"/>
+                                        </p:tgtEl>
+                                        <p:attrNameLst>
+                                          <p:attrName>style.visibility</p:attrName>
+                                        </p:attrNameLst>
+                                      </p:cBhvr>
+                                      <p:to>
+                                        <p:strVal val="visible"/>
+                                      </p:to>
+                                    </p:set>
+                                    <p:anim calcmode="lin" valueType="num">
+                                      <p:cBhvr additive="base">
+                                        <p:cTn id="91" dur="500" fill="hold"/>
+                                        <p:tgtEl>
+                                          <p:spTgt spid="40"/>
+                                        </p:tgtEl>
+                                        <p:attrNameLst>
+                                          <p:attrName>ppt_x</p:attrName>
+                                        </p:attrNameLst>
+                                      </p:cBhvr>
+                                      <p:tavLst>
+                                        <p:tav tm="0">
+                                          <p:val>
+                                            <p:strVal val="#ppt_x"/>
+                                          </p:val>
+                                        </p:tav>
+                                        <p:tav tm="100000">
+                                          <p:val>
+                                            <p:strVal val="#ppt_x"/>
+                                          </p:val>
+                                        </p:tav>
+                                      </p:tavLst>
+                                    </p:anim>
+                                    <p:anim calcmode="lin" valueType="num">
+                                      <p:cBhvr additive="base">
+                                        <p:cTn id="92" dur="500" fill="hold"/>
+                                        <p:tgtEl>
+                                          <p:spTgt spid="40"/>
+                                        </p:tgtEl>
+                                        <p:attrNameLst>
+                                          <p:attrName>ppt_y</p:attrName>
+                                        </p:attrNameLst>
+                                      </p:cBhvr>
+                                      <p:tavLst>
+                                        <p:tav tm="0">
+                                          <p:val>
+                                            <p:strVal val="1+#ppt_h/2"/>
+                                          </p:val>
+                                        </p:tav>
+                                        <p:tav tm="100000">
+                                          <p:val>
+                                            <p:strVal val="#ppt_y"/>
+                                          </p:val>
+                                        </p:tav>
+                                      </p:tavLst>
+                                    </p:anim>
+                                  </p:childTnLst>
+                                </p:cTn>
+                              </p:par>
+                              <p:par>
+                                <p:cTn id="93" presetID="2" presetClass="entr" presetSubtype="4" fill="hold" grpId="0" nodeType="withEffect">
+                                  <p:stCondLst>
+                                    <p:cond delay="0"/>
+                                  </p:stCondLst>
+                                  <p:childTnLst>
+                                    <p:set>
+                                      <p:cBhvr>
+                                        <p:cTn id="94" dur="1" fill="hold">
+                                          <p:stCondLst>
+                                            <p:cond delay="0"/>
+                                          </p:stCondLst>
+                                        </p:cTn>
+                                        <p:tgtEl>
+                                          <p:spTgt spid="30"/>
+                                        </p:tgtEl>
+                                        <p:attrNameLst>
+                                          <p:attrName>style.visibility</p:attrName>
+                                        </p:attrNameLst>
+                                      </p:cBhvr>
+                                      <p:to>
+                                        <p:strVal val="visible"/>
+                                      </p:to>
+                                    </p:set>
+                                    <p:anim calcmode="lin" valueType="num">
+                                      <p:cBhvr additive="base">
+                                        <p:cTn id="95" dur="500" fill="hold"/>
+                                        <p:tgtEl>
+                                          <p:spTgt spid="30"/>
+                                        </p:tgtEl>
+                                        <p:attrNameLst>
+                                          <p:attrName>ppt_x</p:attrName>
+                                        </p:attrNameLst>
+                                      </p:cBhvr>
+                                      <p:tavLst>
+                                        <p:tav tm="0">
+                                          <p:val>
+                                            <p:strVal val="#ppt_x"/>
+                                          </p:val>
+                                        </p:tav>
+                                        <p:tav tm="100000">
+                                          <p:val>
+                                            <p:strVal val="#ppt_x"/>
+                                          </p:val>
+                                        </p:tav>
+                                      </p:tavLst>
+                                    </p:anim>
+                                    <p:anim calcmode="lin" valueType="num">
+                                      <p:cBhvr additive="base">
+                                        <p:cTn id="96" dur="500" fill="hold"/>
+                                        <p:tgtEl>
+                                          <p:spTgt spid="30"/>
+                                        </p:tgtEl>
+                                        <p:attrNameLst>
+                                          <p:attrName>ppt_y</p:attrName>
+                                        </p:attrNameLst>
+                                      </p:cBhvr>
+                                      <p:tavLst>
+                                        <p:tav tm="0">
+                                          <p:val>
+                                            <p:strVal val="1+#ppt_h/2"/>
+                                          </p:val>
+                                        </p:tav>
+                                        <p:tav tm="100000">
+                                          <p:val>
+                                            <p:strVal val="#ppt_y"/>
+                                          </p:val>
+                                        </p:tav>
+                                      </p:tavLst>
+                                    </p:anim>
+                                  </p:childTnLst>
+                                </p:cTn>
+                              </p:par>
+                              <p:par>
+                                <p:cTn id="97" presetID="2" presetClass="entr" presetSubtype="4" fill="hold" grpId="0" nodeType="withEffect">
+                                  <p:stCondLst>
+                                    <p:cond delay="0"/>
+                                  </p:stCondLst>
+                                  <p:childTnLst>
+                                    <p:set>
+                                      <p:cBhvr>
+                                        <p:cTn id="98" dur="1" fill="hold">
+                                          <p:stCondLst>
+                                            <p:cond delay="0"/>
+                                          </p:stCondLst>
+                                        </p:cTn>
+                                        <p:tgtEl>
+                                          <p:spTgt spid="38"/>
+                                        </p:tgtEl>
+                                        <p:attrNameLst>
+                                          <p:attrName>style.visibility</p:attrName>
+                                        </p:attrNameLst>
+                                      </p:cBhvr>
+                                      <p:to>
+                                        <p:strVal val="visible"/>
+                                      </p:to>
+                                    </p:set>
+                                    <p:anim calcmode="lin" valueType="num">
+                                      <p:cBhvr additive="base">
+                                        <p:cTn id="99" dur="500" fill="hold"/>
+                                        <p:tgtEl>
+                                          <p:spTgt spid="38"/>
+                                        </p:tgtEl>
+                                        <p:attrNameLst>
+                                          <p:attrName>ppt_x</p:attrName>
+                                        </p:attrNameLst>
+                                      </p:cBhvr>
+                                      <p:tavLst>
+                                        <p:tav tm="0">
+                                          <p:val>
+                                            <p:strVal val="#ppt_x"/>
+                                          </p:val>
+                                        </p:tav>
+                                        <p:tav tm="100000">
+                                          <p:val>
+                                            <p:strVal val="#ppt_x"/>
+                                          </p:val>
+                                        </p:tav>
+                                      </p:tavLst>
+                                    </p:anim>
+                                    <p:anim calcmode="lin" valueType="num">
+                                      <p:cBhvr additive="base">
+                                        <p:cTn id="100" dur="500" fill="hold"/>
+                                        <p:tgtEl>
+                                          <p:spTgt spid="38"/>
+                                        </p:tgtEl>
+                                        <p:attrNameLst>
+                                          <p:attrName>ppt_y</p:attrName>
+                                        </p:attrNameLst>
+                                      </p:cBhvr>
+                                      <p:tavLst>
+                                        <p:tav tm="0">
+                                          <p:val>
+                                            <p:strVal val="1+#ppt_h/2"/>
+                                          </p:val>
+                                        </p:tav>
+                                        <p:tav tm="100000">
+                                          <p:val>
+                                            <p:strVal val="#ppt_y"/>
+                                          </p:val>
+                                        </p:tav>
+                                      </p:tavLst>
+                                    </p:anim>
+                                  </p:childTnLst>
+                                </p:cTn>
+                              </p:par>
+                              <p:par>
+                                <p:cTn id="101" presetID="2" presetClass="entr" presetSubtype="4" fill="hold" grpId="0" nodeType="withEffect">
+                                  <p:stCondLst>
+                                    <p:cond delay="0"/>
+                                  </p:stCondLst>
+                                  <p:childTnLst>
+                                    <p:set>
+                                      <p:cBhvr>
+                                        <p:cTn id="102" dur="1" fill="hold">
+                                          <p:stCondLst>
+                                            <p:cond delay="0"/>
+                                          </p:stCondLst>
+                                        </p:cTn>
+                                        <p:tgtEl>
+                                          <p:spTgt spid="41"/>
+                                        </p:tgtEl>
+                                        <p:attrNameLst>
+                                          <p:attrName>style.visibility</p:attrName>
+                                        </p:attrNameLst>
+                                      </p:cBhvr>
+                                      <p:to>
+                                        <p:strVal val="visible"/>
+                                      </p:to>
+                                    </p:set>
+                                    <p:anim calcmode="lin" valueType="num">
+                                      <p:cBhvr additive="base">
+                                        <p:cTn id="103" dur="500" fill="hold"/>
+                                        <p:tgtEl>
+                                          <p:spTgt spid="41"/>
+                                        </p:tgtEl>
+                                        <p:attrNameLst>
+                                          <p:attrName>ppt_x</p:attrName>
+                                        </p:attrNameLst>
+                                      </p:cBhvr>
+                                      <p:tavLst>
+                                        <p:tav tm="0">
+                                          <p:val>
+                                            <p:strVal val="#ppt_x"/>
+                                          </p:val>
+                                        </p:tav>
+                                        <p:tav tm="100000">
+                                          <p:val>
+                                            <p:strVal val="#ppt_x"/>
+                                          </p:val>
+                                        </p:tav>
+                                      </p:tavLst>
+                                    </p:anim>
+                                    <p:anim calcmode="lin" valueType="num">
+                                      <p:cBhvr additive="base">
+                                        <p:cTn id="104" dur="500" fill="hold"/>
+                                        <p:tgtEl>
+                                          <p:spTgt spid="41"/>
+                                        </p:tgtEl>
+                                        <p:attrNameLst>
+                                          <p:attrName>ppt_y</p:attrName>
+                                        </p:attrNameLst>
+                                      </p:cBhvr>
+                                      <p:tavLst>
+                                        <p:tav tm="0">
+                                          <p:val>
+                                            <p:strVal val="1+#ppt_h/2"/>
+                                          </p:val>
+                                        </p:tav>
+                                        <p:tav tm="100000">
+                                          <p:val>
+                                            <p:strVal val="#ppt_y"/>
+                                          </p:val>
+                                        </p:tav>
+                                      </p:tavLst>
+                                    </p:anim>
+                                  </p:childTnLst>
+                                </p:cTn>
+                              </p:par>
+                              <p:par>
+                                <p:cTn id="105" presetID="2" presetClass="entr" presetSubtype="4" fill="hold" grpId="0" nodeType="withEffect">
+                                  <p:stCondLst>
+                                    <p:cond delay="0"/>
+                                  </p:stCondLst>
+                                  <p:childTnLst>
+                                    <p:set>
+                                      <p:cBhvr>
+                                        <p:cTn id="106" dur="1" fill="hold">
+                                          <p:stCondLst>
+                                            <p:cond delay="0"/>
+                                          </p:stCondLst>
+                                        </p:cTn>
+                                        <p:tgtEl>
+                                          <p:spTgt spid="36"/>
+                                        </p:tgtEl>
+                                        <p:attrNameLst>
+                                          <p:attrName>style.visibility</p:attrName>
+                                        </p:attrNameLst>
+                                      </p:cBhvr>
+                                      <p:to>
+                                        <p:strVal val="visible"/>
+                                      </p:to>
+                                    </p:set>
+                                    <p:anim calcmode="lin" valueType="num">
+                                      <p:cBhvr additive="base">
+                                        <p:cTn id="107" dur="500" fill="hold"/>
+                                        <p:tgtEl>
+                                          <p:spTgt spid="36"/>
+                                        </p:tgtEl>
+                                        <p:attrNameLst>
+                                          <p:attrName>ppt_x</p:attrName>
+                                        </p:attrNameLst>
+                                      </p:cBhvr>
+                                      <p:tavLst>
+                                        <p:tav tm="0">
+                                          <p:val>
+                                            <p:strVal val="#ppt_x"/>
+                                          </p:val>
+                                        </p:tav>
+                                        <p:tav tm="100000">
+                                          <p:val>
+                                            <p:strVal val="#ppt_x"/>
+                                          </p:val>
+                                        </p:tav>
+                                      </p:tavLst>
+                                    </p:anim>
+                                    <p:anim calcmode="lin" valueType="num">
+                                      <p:cBhvr additive="base">
+                                        <p:cTn id="108" dur="500" fill="hold"/>
+                                        <p:tgtEl>
+                                          <p:spTgt spid="36"/>
+                                        </p:tgtEl>
+                                        <p:attrNameLst>
+                                          <p:attrName>ppt_y</p:attrName>
+                                        </p:attrNameLst>
+                                      </p:cBhvr>
+                                      <p:tavLst>
+                                        <p:tav tm="0">
+                                          <p:val>
+                                            <p:strVal val="1+#ppt_h/2"/>
+                                          </p:val>
+                                        </p:tav>
+                                        <p:tav tm="100000">
+                                          <p:val>
+                                            <p:strVal val="#ppt_y"/>
+                                          </p:val>
+                                        </p:tav>
+                                      </p:tavLst>
+                                    </p:anim>
+                                  </p:childTnLst>
+                                </p:cTn>
+                              </p:par>
+                            </p:childTnLst>
+                          </p:cTn>
+                        </p:par>
+                      </p:childTnLst>
+                    </p:cTn>
+                  </p:par>
+                </p:childTnLst>
+              </p:cTn>
+              <p:prevCondLst>
+                <p:cond evt="onPrev" delay="0">
+                  <p:tgtEl>
+                    <p:sldTgt/>
+                  </p:tgtEl>
+                </p:cond>
+              </p:prevCondLst>
+              <p:nextCondLst>
+                <p:cond evt="onNext" delay="0">
+                  <p:tgtEl>
+                    <p:sldTgt/>
+                  </p:tgtEl>
+                </p:cond>
+              </p:nextCondLst>
+            </p:seq>
+          </p:childTnLst>
+        </p:cTn>
+      </p:par>
+    </p:tnLst>
+    <p:bldLst>
+      <p:bldP spid="20" grpId="0" animBg="1"/>
+      <p:bldP spid="23" grpId="0" animBg="1"/>
+      <p:bldP spid="7" grpId="0" animBg="1"/>
+      <p:bldP spid="17" grpId="0" animBg="1"/>
+      <p:bldP spid="18" grpId="0" animBg="1"/>
+      <p:bldP spid="19" grpId="0" animBg="1"/>
+      <p:bldP spid="22" grpId="0" animBg="1"/>
+      <p:bldP spid="24" grpId="0" animBg="1"/>
+      <p:bldP spid="44" grpId="0"/>
+      <p:bldP spid="45" grpId="0"/>
+      <p:bldP spid="46" grpId="0"/>
+      <p:bldP spid="47" grpId="0"/>
+      <p:bldP spid="31" grpId="0"/>
+      <p:bldP spid="36" grpId="0"/>
+      <p:bldP spid="34" grpId="0" animBg="1"/>
+      <p:bldP spid="35" grpId="0" animBg="1"/>
+      <p:bldP spid="39" grpId="0" animBg="1"/>
+      <p:bldP spid="40" grpId="0" animBg="1"/>
+      <p:bldP spid="30" grpId="0" animBg="1"/>
+      <p:bldP spid="38" grpId="0" animBg="1"/>
+      <p:bldP spid="41" grpId="0" animBg="1"/>
+    </p:bldLst>
+  </p:timing>
+</p:sld>
+</file>
+
+<file path=ppt/slides/slide19.xml><?xml version="1.0" encoding="utf-8"?>
+<p:sld xmlns:a="http://schemas.openxmlformats.org/drawingml/2006/main" xmlns:r="http://schemas.openxmlformats.org/officeDocument/2006/relationships" xmlns:p="http://schemas.openxmlformats.org/presentationml/2006/main">
+  <p:cSld>
+    <p:spTree>
+      <p:nvGrpSpPr>
+        <p:cNvPr id="1" name=""/>
+        <p:cNvGrpSpPr/>
+        <p:nvPr/>
+      </p:nvGrpSpPr>
+      <p:grpSpPr>
+        <a:xfrm>
+          <a:off x="0" y="0"/>
+          <a:ext cx="0" cy="0"/>
+          <a:chOff x="0" y="0"/>
+          <a:chExt cx="0" cy="0"/>
+        </a:xfrm>
+      </p:grpSpPr>
+      <p:sp>
+        <p:nvSpPr>
+          <p:cNvPr id="20" name="圆角矩形 19"/>
+          <p:cNvSpPr/>
+          <p:nvPr/>
+        </p:nvSpPr>
+        <p:spPr>
+          <a:xfrm rot="2700000">
+            <a:off x="10662558" y="2577993"/>
+            <a:ext cx="667658" cy="667658"/>
+          </a:xfrm>
+          <a:prstGeom prst="roundRect">
+            <a:avLst/>
+          </a:prstGeom>
+          <a:solidFill>
+            <a:schemeClr val="accent2"/>
+          </a:solidFill>
+          <a:ln>
+            <a:noFill/>
+          </a:ln>
+          <a:effectLst>
+            <a:outerShdw blurRad="177800" dist="38100" dir="2700000" algn="tl" rotWithShape="0">
+              <a:prstClr val="black">
+                <a:alpha val="40000"/>
+              </a:prstClr>
+            </a:outerShdw>
+          </a:effectLst>
+        </p:spPr>
+        <p:style>
+          <a:lnRef idx="2">
+            <a:schemeClr val="accent1">
+              <a:shade val="50000"/>
+            </a:schemeClr>
+          </a:lnRef>
+          <a:fillRef idx="1">
+            <a:schemeClr val="accent1"/>
+          </a:fillRef>
+          <a:effectRef idx="0">
+            <a:schemeClr val="accent1"/>
+          </a:effectRef>
+          <a:fontRef idx="minor">
+            <a:schemeClr val="lt1"/>
+          </a:fontRef>
+        </p:style>
+        <p:txBody>
+          <a:bodyPr rtlCol="0" anchor="ctr"/>
+          <a:lstStyle/>
+          <a:p>
+            <a:pPr algn="ctr"/>
+            <a:endParaRPr lang="zh-CN" altLang="en-US"/>
+          </a:p>
+        </p:txBody>
+      </p:sp>
+      <p:sp>
+        <p:nvSpPr>
+          <p:cNvPr id="23" name="圆角矩形 22"/>
+          <p:cNvSpPr/>
+          <p:nvPr/>
+        </p:nvSpPr>
+        <p:spPr>
+          <a:xfrm rot="2700000">
+            <a:off x="10662558" y="4290679"/>
+            <a:ext cx="667658" cy="667658"/>
+          </a:xfrm>
+          <a:prstGeom prst="roundRect">
+            <a:avLst/>
+          </a:prstGeom>
+          <a:solidFill>
+            <a:schemeClr val="accent1"/>
+          </a:solidFill>
+          <a:ln>
+            <a:noFill/>
+          </a:ln>
+          <a:effectLst>
+            <a:outerShdw blurRad="177800" dist="38100" dir="2700000" algn="tl" rotWithShape="0">
+              <a:prstClr val="black">
+                <a:alpha val="40000"/>
+              </a:prstClr>
+            </a:outerShdw>
+          </a:effectLst>
+        </p:spPr>
+        <p:style>
+          <a:lnRef idx="2">
+            <a:schemeClr val="accent1">
+              <a:shade val="50000"/>
+            </a:schemeClr>
+          </a:lnRef>
+          <a:fillRef idx="1">
+            <a:schemeClr val="accent1"/>
+          </a:fillRef>
+          <a:effectRef idx="0">
+            <a:schemeClr val="accent1"/>
+          </a:effectRef>
+          <a:fontRef idx="minor">
+            <a:schemeClr val="lt1"/>
+          </a:fontRef>
+        </p:style>
+        <p:txBody>
+          <a:bodyPr rtlCol="0" anchor="ctr"/>
+          <a:lstStyle/>
+          <a:p>
+            <a:pPr algn="ctr"/>
+            <a:endParaRPr lang="zh-CN" altLang="en-US"/>
+          </a:p>
+        </p:txBody>
+      </p:sp>
+      <p:pic>
+        <p:nvPicPr>
+          <p:cNvPr id="32" name="图片 31"/>
+          <p:cNvPicPr>
+            <a:picLocks noChangeAspect="1"/>
+          </p:cNvPicPr>
+          <p:nvPr/>
+        </p:nvPicPr>
+        <p:blipFill rotWithShape="1">
+          <a:blip r:embed="rId3">
+            <a:extLst>
+              <a:ext uri="{28A0092B-C50C-407E-A947-70E740481C1C}">
+                <a14:useLocalDpi xmlns:a14="http://schemas.microsoft.com/office/drawing/2010/main" val="0"/>
+              </a:ext>
+            </a:extLst>
+          </a:blip>
+          <a:srcRect l="5689" t="7719"/>
+          <a:stretch/>
+        </p:blipFill>
+        <p:spPr>
+          <a:xfrm>
+            <a:off x="2" y="1"/>
+            <a:ext cx="2304976" cy="1268412"/>
+          </a:xfrm>
+          <a:prstGeom prst="rect">
+            <a:avLst/>
+          </a:prstGeom>
+        </p:spPr>
+      </p:pic>
+      <p:pic>
+        <p:nvPicPr>
+          <p:cNvPr id="33" name="图片 32"/>
+          <p:cNvPicPr>
+            <a:picLocks noChangeAspect="1"/>
+          </p:cNvPicPr>
+          <p:nvPr/>
+        </p:nvPicPr>
+        <p:blipFill rotWithShape="1">
+          <a:blip r:embed="rId3">
+            <a:extLst>
+              <a:ext uri="{28A0092B-C50C-407E-A947-70E740481C1C}">
+                <a14:useLocalDpi xmlns:a14="http://schemas.microsoft.com/office/drawing/2010/main" val="0"/>
+              </a:ext>
+            </a:extLst>
+          </a:blip>
+          <a:srcRect l="5689" t="7719"/>
+          <a:stretch/>
+        </p:blipFill>
+        <p:spPr>
+          <a:xfrm rot="10800000">
+            <a:off x="8297197" y="4714717"/>
+            <a:ext cx="3894803" cy="2143282"/>
+          </a:xfrm>
+          <a:prstGeom prst="rect">
+            <a:avLst/>
+          </a:prstGeom>
+        </p:spPr>
+      </p:pic>
+      <p:pic>
+        <p:nvPicPr>
+          <p:cNvPr id="21" name="图片 20"/>
+          <p:cNvPicPr>
+            <a:picLocks noChangeAspect="1"/>
+          </p:cNvPicPr>
+          <p:nvPr/>
+        </p:nvPicPr>
+        <p:blipFill>
+          <a:blip r:embed="rId4"/>
+          <a:stretch>
+            <a:fillRect/>
+          </a:stretch>
+        </p:blipFill>
+        <p:spPr>
+          <a:xfrm>
+            <a:off x="10713093" y="165550"/>
+            <a:ext cx="1276350" cy="581025"/>
+          </a:xfrm>
+          <a:prstGeom prst="rect">
+            <a:avLst/>
+          </a:prstGeom>
+        </p:spPr>
+      </p:pic>
+      <p:pic>
+        <p:nvPicPr>
+          <p:cNvPr id="10" name="图片 9"/>
+          <p:cNvPicPr>
+            <a:picLocks noChangeAspect="1"/>
+          </p:cNvPicPr>
+          <p:nvPr/>
+        </p:nvPicPr>
+        <p:blipFill>
+          <a:blip r:embed="rId4"/>
+          <a:stretch>
+            <a:fillRect/>
+          </a:stretch>
+        </p:blipFill>
+        <p:spPr>
+          <a:xfrm>
+            <a:off x="10865493" y="317950"/>
+            <a:ext cx="1276350" cy="581025"/>
+          </a:xfrm>
+          <a:prstGeom prst="rect">
+            <a:avLst/>
+          </a:prstGeom>
+        </p:spPr>
+      </p:pic>
+      <p:sp>
+        <p:nvSpPr>
+          <p:cNvPr id="11" name="文本框 10"/>
+          <p:cNvSpPr txBox="1"/>
+          <p:nvPr/>
+        </p:nvSpPr>
+        <p:spPr>
+          <a:xfrm>
+            <a:off x="4013789" y="399694"/>
+            <a:ext cx="2900153" cy="523220"/>
+          </a:xfrm>
+          <a:prstGeom prst="rect">
+            <a:avLst/>
+          </a:prstGeom>
+          <a:noFill/>
+        </p:spPr>
+        <p:txBody>
+          <a:bodyPr wrap="none" rtlCol="0">
+            <a:spAutoFit/>
+            <a:scene3d>
+              <a:camera prst="orthographicFront"/>
+              <a:lightRig rig="threePt" dir="t"/>
+            </a:scene3d>
+            <a:sp3d contourW="12700"/>
+          </a:bodyPr>
+          <a:lstStyle/>
+          <a:p>
+            <a:r>
+              <a:rPr lang="en-US" altLang="zh-CN" sz="2800" dirty="0" smtClean="0"/>
+              <a:t>v-for</a:t>
+            </a:r>
+            <a:r>
+              <a:rPr lang="zh-CN" altLang="en-US" sz="2800" dirty="0" smtClean="0"/>
+              <a:t>中</a:t>
+            </a:r>
+            <a:r>
+              <a:rPr lang="en-US" altLang="zh-CN" sz="2800" dirty="0" smtClean="0"/>
+              <a:t>key</a:t>
+            </a:r>
+            <a:r>
+              <a:rPr lang="zh-CN" altLang="en-US" sz="2800" dirty="0" smtClean="0"/>
+              <a:t>的作用</a:t>
+            </a:r>
+            <a:endParaRPr lang="en-US" altLang="zh-CN" sz="2800" dirty="0"/>
+          </a:p>
+        </p:txBody>
+      </p:sp>
+      <p:sp>
+        <p:nvSpPr>
+          <p:cNvPr id="2" name="文本框 1"/>
+          <p:cNvSpPr txBox="1"/>
+          <p:nvPr/>
+        </p:nvSpPr>
+        <p:spPr>
+          <a:xfrm>
+            <a:off x="1119116" y="1514901"/>
+            <a:ext cx="4083169" cy="1754326"/>
+          </a:xfrm>
+          <a:prstGeom prst="rect">
+            <a:avLst/>
+          </a:prstGeom>
+          <a:noFill/>
+        </p:spPr>
+        <p:txBody>
+          <a:bodyPr wrap="none" rtlCol="0">
+            <a:spAutoFit/>
+          </a:bodyPr>
+          <a:lstStyle/>
+          <a:p>
+            <a:r>
+              <a:rPr lang="zh-CN" altLang="en-US" dirty="0" smtClean="0"/>
+              <a:t>在没有</a:t>
+            </a:r>
+            <a:r>
+              <a:rPr lang="en-US" altLang="zh-CN" dirty="0" smtClean="0"/>
+              <a:t>key</a:t>
+            </a:r>
+            <a:r>
+              <a:rPr lang="zh-CN" altLang="en-US" dirty="0" smtClean="0"/>
+              <a:t>的情况下，</a:t>
+            </a:r>
+            <a:r>
+              <a:rPr lang="en-US" altLang="zh-CN" dirty="0" err="1" smtClean="0"/>
+              <a:t>sameVnode</a:t>
+            </a:r>
+            <a:r>
+              <a:rPr lang="zh-CN" altLang="en-US" dirty="0" smtClean="0"/>
+              <a:t>判断</a:t>
+            </a:r>
+            <a:endParaRPr lang="en-US" altLang="zh-CN" dirty="0" smtClean="0"/>
+          </a:p>
+          <a:p>
+            <a:r>
+              <a:rPr lang="en-US" altLang="zh-CN" dirty="0" err="1" smtClean="0"/>
+              <a:t>a.tag</a:t>
+            </a:r>
+            <a:r>
+              <a:rPr lang="en-US" altLang="zh-CN" dirty="0" smtClean="0"/>
+              <a:t> </a:t>
+            </a:r>
+            <a:r>
+              <a:rPr lang="en-US" altLang="zh-CN" dirty="0"/>
+              <a:t>=== </a:t>
+            </a:r>
+            <a:r>
+              <a:rPr lang="en-US" altLang="zh-CN" dirty="0" err="1"/>
+              <a:t>b.tag</a:t>
+            </a:r>
+            <a:r>
+              <a:rPr lang="en-US" altLang="zh-CN" dirty="0"/>
+              <a:t> &amp;&amp;</a:t>
+            </a:r>
+          </a:p>
+          <a:p>
+            <a:r>
+              <a:rPr lang="en-US" altLang="zh-CN" dirty="0" err="1"/>
+              <a:t>a.isComment</a:t>
+            </a:r>
+            <a:r>
+              <a:rPr lang="en-US" altLang="zh-CN" dirty="0"/>
+              <a:t> === </a:t>
+            </a:r>
+            <a:r>
+              <a:rPr lang="en-US" altLang="zh-CN" dirty="0" err="1"/>
+              <a:t>b.isComment</a:t>
+            </a:r>
+            <a:r>
+              <a:rPr lang="en-US" altLang="zh-CN" dirty="0"/>
+              <a:t> &amp;&amp;</a:t>
+            </a:r>
+          </a:p>
+          <a:p>
+            <a:r>
+              <a:rPr lang="en-US" altLang="zh-CN" dirty="0" err="1"/>
+              <a:t>isDef</a:t>
+            </a:r>
+            <a:r>
+              <a:rPr lang="en-US" altLang="zh-CN" dirty="0"/>
+              <a:t>(</a:t>
+            </a:r>
+            <a:r>
+              <a:rPr lang="en-US" altLang="zh-CN" dirty="0" err="1"/>
+              <a:t>a.data</a:t>
+            </a:r>
+            <a:r>
+              <a:rPr lang="en-US" altLang="zh-CN" dirty="0"/>
+              <a:t>) === </a:t>
+            </a:r>
+            <a:r>
+              <a:rPr lang="en-US" altLang="zh-CN" dirty="0" err="1"/>
+              <a:t>isDef</a:t>
+            </a:r>
+            <a:r>
+              <a:rPr lang="en-US" altLang="zh-CN" dirty="0"/>
+              <a:t>(</a:t>
+            </a:r>
+            <a:r>
+              <a:rPr lang="en-US" altLang="zh-CN" dirty="0" err="1"/>
+              <a:t>b.data</a:t>
+            </a:r>
+            <a:r>
+              <a:rPr lang="en-US" altLang="zh-CN" dirty="0"/>
+              <a:t>) &amp;&amp;</a:t>
+            </a:r>
+          </a:p>
+          <a:p>
+            <a:r>
+              <a:rPr lang="en-US" altLang="zh-CN" dirty="0" err="1"/>
+              <a:t>sameInputType</a:t>
+            </a:r>
+            <a:r>
+              <a:rPr lang="en-US" altLang="zh-CN" dirty="0"/>
+              <a:t>(a, b</a:t>
+            </a:r>
+            <a:r>
+              <a:rPr lang="en-US" altLang="zh-CN" dirty="0" smtClean="0"/>
+              <a:t>)</a:t>
+            </a:r>
+          </a:p>
+          <a:p>
+            <a:endParaRPr lang="en-US" altLang="zh-CN" dirty="0"/>
+          </a:p>
+        </p:txBody>
+      </p:sp>
+      <p:sp>
+        <p:nvSpPr>
+          <p:cNvPr id="5" name="左大括号 4"/>
+          <p:cNvSpPr/>
+          <p:nvPr/>
+        </p:nvSpPr>
+        <p:spPr>
+          <a:xfrm>
+            <a:off x="586854" y="1869743"/>
+            <a:ext cx="532262" cy="1023582"/>
+          </a:xfrm>
+          <a:prstGeom prst="leftBrace">
+            <a:avLst/>
+          </a:prstGeom>
+        </p:spPr>
+        <p:style>
+          <a:lnRef idx="1">
+            <a:schemeClr val="accent1"/>
+          </a:lnRef>
+          <a:fillRef idx="0">
+            <a:schemeClr val="accent1"/>
+          </a:fillRef>
+          <a:effectRef idx="0">
+            <a:schemeClr val="accent1"/>
+          </a:effectRef>
+          <a:fontRef idx="minor">
+            <a:schemeClr val="tx1"/>
+          </a:fontRef>
+        </p:style>
+        <p:txBody>
+          <a:bodyPr rtlCol="0" anchor="ctr"/>
+          <a:lstStyle/>
+          <a:p>
+            <a:pPr algn="ctr"/>
+            <a:endParaRPr lang="zh-CN" altLang="en-US"/>
+          </a:p>
+        </p:txBody>
+      </p:sp>
+      <p:sp>
+        <p:nvSpPr>
+          <p:cNvPr id="6" name="右大括号 5"/>
+          <p:cNvSpPr/>
+          <p:nvPr/>
+        </p:nvSpPr>
+        <p:spPr>
+          <a:xfrm>
+            <a:off x="4971453" y="1869743"/>
+            <a:ext cx="460356" cy="1023582"/>
+          </a:xfrm>
+          <a:prstGeom prst="rightBrace">
+            <a:avLst/>
+          </a:prstGeom>
+        </p:spPr>
+        <p:style>
+          <a:lnRef idx="1">
+            <a:schemeClr val="accent1"/>
+          </a:lnRef>
+          <a:fillRef idx="0">
+            <a:schemeClr val="accent1"/>
+          </a:fillRef>
+          <a:effectRef idx="0">
+            <a:schemeClr val="accent1"/>
+          </a:effectRef>
+          <a:fontRef idx="minor">
+            <a:schemeClr val="tx1"/>
+          </a:fontRef>
+        </p:style>
+        <p:txBody>
+          <a:bodyPr rtlCol="0" anchor="ctr"/>
+          <a:lstStyle/>
+          <a:p>
+            <a:pPr algn="ctr"/>
+            <a:endParaRPr lang="zh-CN" altLang="en-US"/>
+          </a:p>
+        </p:txBody>
+      </p:sp>
+      <p:pic>
+        <p:nvPicPr>
+          <p:cNvPr id="9" name="图片 8"/>
+          <p:cNvPicPr>
+            <a:picLocks noChangeAspect="1"/>
+          </p:cNvPicPr>
+          <p:nvPr/>
+        </p:nvPicPr>
+        <p:blipFill>
+          <a:blip r:embed="rId5">
+            <a:extLst>
+              <a:ext uri="{28A0092B-C50C-407E-A947-70E740481C1C}">
+                <a14:useLocalDpi xmlns:a14="http://schemas.microsoft.com/office/drawing/2010/main" val="0"/>
+              </a:ext>
+            </a:extLst>
+          </a:blip>
+          <a:stretch>
+            <a:fillRect/>
+          </a:stretch>
+        </p:blipFill>
+        <p:spPr>
+          <a:xfrm>
+            <a:off x="5980856" y="1111457"/>
+            <a:ext cx="4543425" cy="1819275"/>
+          </a:xfrm>
+          <a:prstGeom prst="rect">
+            <a:avLst/>
+          </a:prstGeom>
+        </p:spPr>
+      </p:pic>
+      <p:pic>
+        <p:nvPicPr>
+          <p:cNvPr id="13" name="图片 12"/>
+          <p:cNvPicPr>
+            <a:picLocks noChangeAspect="1"/>
+          </p:cNvPicPr>
+          <p:nvPr/>
+        </p:nvPicPr>
+        <p:blipFill>
+          <a:blip r:embed="rId6">
+            <a:extLst>
+              <a:ext uri="{28A0092B-C50C-407E-A947-70E740481C1C}">
+                <a14:useLocalDpi xmlns:a14="http://schemas.microsoft.com/office/drawing/2010/main" val="0"/>
+              </a:ext>
+            </a:extLst>
+          </a:blip>
+          <a:stretch>
+            <a:fillRect/>
+          </a:stretch>
+        </p:blipFill>
+        <p:spPr>
+          <a:xfrm>
+            <a:off x="5573047" y="4053131"/>
+            <a:ext cx="5448300" cy="2047875"/>
+          </a:xfrm>
+          <a:prstGeom prst="rect">
+            <a:avLst/>
+          </a:prstGeom>
+        </p:spPr>
+      </p:pic>
+      <p:sp>
+        <p:nvSpPr>
+          <p:cNvPr id="25" name="下箭头 24"/>
+          <p:cNvSpPr/>
+          <p:nvPr/>
+        </p:nvSpPr>
+        <p:spPr>
+          <a:xfrm>
+            <a:off x="8120418" y="2930732"/>
+            <a:ext cx="286603" cy="1122653"/>
+          </a:xfrm>
+          <a:prstGeom prst="downArrow">
+            <a:avLst/>
+          </a:prstGeom>
+        </p:spPr>
+        <p:style>
+          <a:lnRef idx="2">
+            <a:schemeClr val="accent1">
+              <a:shade val="50000"/>
+            </a:schemeClr>
+          </a:lnRef>
+          <a:fillRef idx="1">
+            <a:schemeClr val="accent1"/>
+          </a:fillRef>
+          <a:effectRef idx="0">
+            <a:schemeClr val="accent1"/>
+          </a:effectRef>
+          <a:fontRef idx="minor">
+            <a:schemeClr val="lt1"/>
+          </a:fontRef>
+        </p:style>
+        <p:txBody>
+          <a:bodyPr rtlCol="0" anchor="ctr"/>
+          <a:lstStyle/>
+          <a:p>
+            <a:pPr algn="ctr"/>
+            <a:endParaRPr lang="zh-CN" altLang="en-US"/>
+          </a:p>
+        </p:txBody>
+      </p:sp>
+      <p:pic>
+        <p:nvPicPr>
+          <p:cNvPr id="26" name="图片 25"/>
+          <p:cNvPicPr>
+            <a:picLocks noChangeAspect="1"/>
+          </p:cNvPicPr>
+          <p:nvPr/>
+        </p:nvPicPr>
+        <p:blipFill>
+          <a:blip r:embed="rId7">
+            <a:extLst>
+              <a:ext uri="{28A0092B-C50C-407E-A947-70E740481C1C}">
+                <a14:useLocalDpi xmlns:a14="http://schemas.microsoft.com/office/drawing/2010/main" val="0"/>
+              </a:ext>
+            </a:extLst>
+          </a:blip>
+          <a:stretch>
+            <a:fillRect/>
+          </a:stretch>
+        </p:blipFill>
+        <p:spPr>
+          <a:xfrm>
+            <a:off x="547744" y="4457943"/>
+            <a:ext cx="4305300" cy="1238250"/>
+          </a:xfrm>
+          <a:prstGeom prst="rect">
+            <a:avLst/>
+          </a:prstGeom>
+        </p:spPr>
+      </p:pic>
+    </p:spTree>
+    <p:extLst>
+      <p:ext uri="{BB962C8B-B14F-4D97-AF65-F5344CB8AC3E}">
+        <p14:creationId xmlns:p14="http://schemas.microsoft.com/office/powerpoint/2010/main" val="272073037"/>
+      </p:ext>
+    </p:extLst>
+  </p:cSld>
+  <p:clrMapOvr>
+    <a:masterClrMapping/>
+  </p:clrMapOvr>
+  <mc:AlternateContent xmlns:mc="http://schemas.openxmlformats.org/markup-compatibility/2006" xmlns:p14="http://schemas.microsoft.com/office/powerpoint/2010/main">
+    <mc:Choice Requires="p14">
+      <p:transition spd="slow" p14:dur="1400">
+        <p14:ripple/>
+      </p:transition>
+    </mc:Choice>
+    <mc:Fallback xmlns="">
+      <p:transition spd="slow">
+        <p:fade/>
+      </p:transition>
+    </mc:Fallback>
+  </mc:AlternateContent>
+  <p:timing>
+    <p:tnLst>
+      <p:par>
+        <p:cTn id="1" dur="indefinite" restart="never" nodeType="tmRoot">
+          <p:childTnLst>
+            <p:seq concurrent="1" nextAc="seek">
+              <p:cTn id="2" dur="indefinite" nodeType="mainSeq">
+                <p:childTnLst>
+                  <p:par>
+                    <p:cTn id="3" fill="hold">
+                      <p:stCondLst>
+                        <p:cond delay="indefinite"/>
+                        <p:cond evt="onBegin" delay="0">
+                          <p:tn val="2"/>
+                        </p:cond>
+                      </p:stCondLst>
+                      <p:childTnLst>
+                        <p:par>
+                          <p:cTn id="4" fill="hold">
+                            <p:stCondLst>
+                              <p:cond delay="0"/>
+                            </p:stCondLst>
+                            <p:childTnLst>
+                              <p:par>
+                                <p:cTn id="5" presetID="53" presetClass="entr" presetSubtype="16" fill="hold" grpId="0" nodeType="withEffect">
+                                  <p:stCondLst>
+                                    <p:cond delay="0"/>
+                                  </p:stCondLst>
+                                  <p:childTnLst>
+                                    <p:set>
+                                      <p:cBhvr>
+                                        <p:cTn id="6" dur="1" fill="hold">
+                                          <p:stCondLst>
+                                            <p:cond delay="0"/>
+                                          </p:stCondLst>
+                                        </p:cTn>
+                                        <p:tgtEl>
+                                          <p:spTgt spid="23"/>
+                                        </p:tgtEl>
+                                        <p:attrNameLst>
+                                          <p:attrName>style.visibility</p:attrName>
+                                        </p:attrNameLst>
+                                      </p:cBhvr>
+                                      <p:to>
+                                        <p:strVal val="visible"/>
+                                      </p:to>
+                                    </p:set>
+                                    <p:anim calcmode="lin" valueType="num">
+                                      <p:cBhvr>
+                                        <p:cTn id="7" dur="500" fill="hold"/>
+                                        <p:tgtEl>
+                                          <p:spTgt spid="23"/>
+                                        </p:tgtEl>
+                                        <p:attrNameLst>
+                                          <p:attrName>ppt_w</p:attrName>
+                                        </p:attrNameLst>
+                                      </p:cBhvr>
+                                      <p:tavLst>
+                                        <p:tav tm="0">
+                                          <p:val>
+                                            <p:fltVal val="0"/>
+                                          </p:val>
+                                        </p:tav>
+                                        <p:tav tm="100000">
+                                          <p:val>
+                                            <p:strVal val="#ppt_w"/>
+                                          </p:val>
+                                        </p:tav>
+                                      </p:tavLst>
+                                    </p:anim>
+                                    <p:anim calcmode="lin" valueType="num">
+                                      <p:cBhvr>
+                                        <p:cTn id="8" dur="500" fill="hold"/>
+                                        <p:tgtEl>
+                                          <p:spTgt spid="23"/>
+                                        </p:tgtEl>
+                                        <p:attrNameLst>
+                                          <p:attrName>ppt_h</p:attrName>
+                                        </p:attrNameLst>
+                                      </p:cBhvr>
+                                      <p:tavLst>
+                                        <p:tav tm="0">
+                                          <p:val>
+                                            <p:fltVal val="0"/>
+                                          </p:val>
+                                        </p:tav>
+                                        <p:tav tm="100000">
+                                          <p:val>
+                                            <p:strVal val="#ppt_h"/>
+                                          </p:val>
+                                        </p:tav>
+                                      </p:tavLst>
+                                    </p:anim>
+                                    <p:animEffect transition="in" filter="fade">
+                                      <p:cBhvr>
+                                        <p:cTn id="9" dur="500"/>
+                                        <p:tgtEl>
+                                          <p:spTgt spid="23"/>
+                                        </p:tgtEl>
+                                      </p:cBhvr>
+                                    </p:animEffect>
+                                  </p:childTnLst>
+                                </p:cTn>
+                              </p:par>
+                              <p:par>
+                                <p:cTn id="10" presetID="53" presetClass="entr" presetSubtype="16" fill="hold" grpId="0" nodeType="withEffect">
+                                  <p:stCondLst>
+                                    <p:cond delay="0"/>
+                                  </p:stCondLst>
+                                  <p:childTnLst>
+                                    <p:set>
+                                      <p:cBhvr>
+                                        <p:cTn id="11" dur="1" fill="hold">
+                                          <p:stCondLst>
+                                            <p:cond delay="0"/>
+                                          </p:stCondLst>
+                                        </p:cTn>
+                                        <p:tgtEl>
+                                          <p:spTgt spid="20"/>
+                                        </p:tgtEl>
+                                        <p:attrNameLst>
+                                          <p:attrName>style.visibility</p:attrName>
+                                        </p:attrNameLst>
+                                      </p:cBhvr>
+                                      <p:to>
+                                        <p:strVal val="visible"/>
+                                      </p:to>
+                                    </p:set>
+                                    <p:anim calcmode="lin" valueType="num">
+                                      <p:cBhvr>
+                                        <p:cTn id="12" dur="500" fill="hold"/>
+                                        <p:tgtEl>
+                                          <p:spTgt spid="20"/>
+                                        </p:tgtEl>
+                                        <p:attrNameLst>
+                                          <p:attrName>ppt_w</p:attrName>
+                                        </p:attrNameLst>
+                                      </p:cBhvr>
+                                      <p:tavLst>
+                                        <p:tav tm="0">
+                                          <p:val>
+                                            <p:fltVal val="0"/>
+                                          </p:val>
+                                        </p:tav>
+                                        <p:tav tm="100000">
+                                          <p:val>
+                                            <p:strVal val="#ppt_w"/>
+                                          </p:val>
+                                        </p:tav>
+                                      </p:tavLst>
+                                    </p:anim>
+                                    <p:anim calcmode="lin" valueType="num">
+                                      <p:cBhvr>
+                                        <p:cTn id="13" dur="500" fill="hold"/>
+                                        <p:tgtEl>
+                                          <p:spTgt spid="20"/>
+                                        </p:tgtEl>
+                                        <p:attrNameLst>
+                                          <p:attrName>ppt_h</p:attrName>
+                                        </p:attrNameLst>
+                                      </p:cBhvr>
+                                      <p:tavLst>
+                                        <p:tav tm="0">
+                                          <p:val>
+                                            <p:fltVal val="0"/>
+                                          </p:val>
+                                        </p:tav>
+                                        <p:tav tm="100000">
+                                          <p:val>
+                                            <p:strVal val="#ppt_h"/>
+                                          </p:val>
+                                        </p:tav>
+                                      </p:tavLst>
+                                    </p:anim>
+                                    <p:animEffect transition="in" filter="fade">
+                                      <p:cBhvr>
+                                        <p:cTn id="14" dur="500"/>
+                                        <p:tgtEl>
+                                          <p:spTgt spid="20"/>
+                                        </p:tgtEl>
+                                      </p:cBhvr>
+                                    </p:animEffect>
+                                  </p:childTnLst>
+                                </p:cTn>
+                              </p:par>
+                            </p:childTnLst>
+                          </p:cTn>
+                        </p:par>
+                      </p:childTnLst>
+                    </p:cTn>
+                  </p:par>
+                  <p:par>
+                    <p:cTn id="15" fill="hold">
+                      <p:stCondLst>
+                        <p:cond delay="indefinite"/>
+                      </p:stCondLst>
+                      <p:childTnLst>
+                        <p:par>
+                          <p:cTn id="16" fill="hold">
+                            <p:stCondLst>
+                              <p:cond delay="0"/>
+                            </p:stCondLst>
+                            <p:childTnLst>
+                              <p:par>
+                                <p:cTn id="17" presetID="22" presetClass="entr" presetSubtype="8" fill="hold" nodeType="clickEffect">
+                                  <p:stCondLst>
+                                    <p:cond delay="0"/>
+                                  </p:stCondLst>
+                                  <p:childTnLst>
+                                    <p:set>
+                                      <p:cBhvr>
+                                        <p:cTn id="18" dur="1" fill="hold">
+                                          <p:stCondLst>
+                                            <p:cond delay="0"/>
+                                          </p:stCondLst>
+                                        </p:cTn>
                                         <p:tgtEl>
                                           <p:spTgt spid="9"/>
+                                        </p:tgtEl>
+                                        <p:attrNameLst>
+                                          <p:attrName>style.visibility</p:attrName>
+                                        </p:attrNameLst>
+                                      </p:cBhvr>
+                                      <p:to>
+                                        <p:strVal val="visible"/>
+                                      </p:to>
+                                    </p:set>
+                                    <p:animEffect transition="in" filter="wipe(left)">
+                                      <p:cBhvr>
+                                        <p:cTn id="19" dur="500"/>
+                                        <p:tgtEl>
+                                          <p:spTgt spid="9"/>
+                                        </p:tgtEl>
+                                      </p:cBhvr>
+                                    </p:animEffect>
+                                  </p:childTnLst>
+                                </p:cTn>
+                              </p:par>
+                            </p:childTnLst>
+                          </p:cTn>
+                        </p:par>
+                      </p:childTnLst>
+                    </p:cTn>
+                  </p:par>
+                  <p:par>
+                    <p:cTn id="20" fill="hold">
+                      <p:stCondLst>
+                        <p:cond delay="indefinite"/>
+                      </p:stCondLst>
+                      <p:childTnLst>
+                        <p:par>
+                          <p:cTn id="21" fill="hold">
+                            <p:stCondLst>
+                              <p:cond delay="0"/>
+                            </p:stCondLst>
+                            <p:childTnLst>
+                              <p:par>
+                                <p:cTn id="22" presetID="22" presetClass="entr" presetSubtype="1" fill="hold" grpId="0" nodeType="clickEffect">
+                                  <p:stCondLst>
+                                    <p:cond delay="0"/>
+                                  </p:stCondLst>
+                                  <p:childTnLst>
+                                    <p:set>
+                                      <p:cBhvr>
+                                        <p:cTn id="23" dur="1" fill="hold">
+                                          <p:stCondLst>
+                                            <p:cond delay="0"/>
+                                          </p:stCondLst>
+                                        </p:cTn>
+                                        <p:tgtEl>
+                                          <p:spTgt spid="25"/>
+                                        </p:tgtEl>
+                                        <p:attrNameLst>
+                                          <p:attrName>style.visibility</p:attrName>
+                                        </p:attrNameLst>
+                                      </p:cBhvr>
+                                      <p:to>
+                                        <p:strVal val="visible"/>
+                                      </p:to>
+                                    </p:set>
+                                    <p:animEffect transition="in" filter="wipe(up)">
+                                      <p:cBhvr>
+                                        <p:cTn id="24" dur="500"/>
+                                        <p:tgtEl>
+                                          <p:spTgt spid="25"/>
+                                        </p:tgtEl>
+                                      </p:cBhvr>
+                                    </p:animEffect>
+                                  </p:childTnLst>
+                                </p:cTn>
+                              </p:par>
+                            </p:childTnLst>
+                          </p:cTn>
+                        </p:par>
+                      </p:childTnLst>
+                    </p:cTn>
+                  </p:par>
+                  <p:par>
+                    <p:cTn id="25" fill="hold">
+                      <p:stCondLst>
+                        <p:cond delay="indefinite"/>
+                      </p:stCondLst>
+                      <p:childTnLst>
+                        <p:par>
+                          <p:cTn id="26" fill="hold">
+                            <p:stCondLst>
+                              <p:cond delay="0"/>
+                            </p:stCondLst>
+                            <p:childTnLst>
+                              <p:par>
+                                <p:cTn id="27" presetID="22" presetClass="entr" presetSubtype="1" fill="hold" nodeType="clickEffect">
+                                  <p:stCondLst>
+                                    <p:cond delay="0"/>
+                                  </p:stCondLst>
+                                  <p:childTnLst>
+                                    <p:set>
+                                      <p:cBhvr>
+                                        <p:cTn id="28" dur="1" fill="hold">
+                                          <p:stCondLst>
+                                            <p:cond delay="0"/>
+                                          </p:stCondLst>
+                                        </p:cTn>
+                                        <p:tgtEl>
+                                          <p:spTgt spid="13"/>
+                                        </p:tgtEl>
+                                        <p:attrNameLst>
+                                          <p:attrName>style.visibility</p:attrName>
+                                        </p:attrNameLst>
+                                      </p:cBhvr>
+                                      <p:to>
+                                        <p:strVal val="visible"/>
+                                      </p:to>
+                                    </p:set>
+                                    <p:animEffect transition="in" filter="wipe(up)">
+                                      <p:cBhvr>
+                                        <p:cTn id="29" dur="500"/>
+                                        <p:tgtEl>
+                                          <p:spTgt spid="13"/>
+                                        </p:tgtEl>
+                                      </p:cBhvr>
+                                    </p:animEffect>
+                                  </p:childTnLst>
+                                </p:cTn>
+                              </p:par>
+                            </p:childTnLst>
+                          </p:cTn>
+                        </p:par>
+                      </p:childTnLst>
+                    </p:cTn>
+                  </p:par>
+                  <p:par>
+                    <p:cTn id="30" fill="hold">
+                      <p:stCondLst>
+                        <p:cond delay="indefinite"/>
+                      </p:stCondLst>
+                      <p:childTnLst>
+                        <p:par>
+                          <p:cTn id="31" fill="hold">
+                            <p:stCondLst>
+                              <p:cond delay="0"/>
+                            </p:stCondLst>
+                            <p:childTnLst>
+                              <p:par>
+                                <p:cTn id="32" presetID="22" presetClass="entr" presetSubtype="2" fill="hold" nodeType="clickEffect">
+                                  <p:stCondLst>
+                                    <p:cond delay="0"/>
+                                  </p:stCondLst>
+                                  <p:childTnLst>
+                                    <p:set>
+                                      <p:cBhvr>
+                                        <p:cTn id="33" dur="1" fill="hold">
+                                          <p:stCondLst>
+                                            <p:cond delay="0"/>
+                                          </p:stCondLst>
+                                        </p:cTn>
+                                        <p:tgtEl>
+                                          <p:spTgt spid="26"/>
+                                        </p:tgtEl>
+                                        <p:attrNameLst>
+                                          <p:attrName>style.visibility</p:attrName>
+                                        </p:attrNameLst>
+                                      </p:cBhvr>
+                                      <p:to>
+                                        <p:strVal val="visible"/>
+                                      </p:to>
+                                    </p:set>
+                                    <p:animEffect transition="in" filter="wipe(right)">
+                                      <p:cBhvr>
+                                        <p:cTn id="34" dur="500"/>
+                                        <p:tgtEl>
+                                          <p:spTgt spid="26"/>
+                                        </p:tgtEl>
+                                      </p:cBhvr>
+                                    </p:animEffect>
+                                  </p:childTnLst>
+                                </p:cTn>
+                              </p:par>
+                            </p:childTnLst>
+                          </p:cTn>
+                        </p:par>
+                      </p:childTnLst>
+                    </p:cTn>
+                  </p:par>
+                </p:childTnLst>
+              </p:cTn>
+              <p:prevCondLst>
+                <p:cond evt="onPrev" delay="0">
+                  <p:tgtEl>
+                    <p:sldTgt/>
+                  </p:tgtEl>
+                </p:cond>
+              </p:prevCondLst>
+              <p:nextCondLst>
+                <p:cond evt="onNext" delay="0">
+                  <p:tgtEl>
+                    <p:sldTgt/>
+                  </p:tgtEl>
+                </p:cond>
+              </p:nextCondLst>
+            </p:seq>
+          </p:childTnLst>
+        </p:cTn>
+      </p:par>
+    </p:tnLst>
+    <p:bldLst>
+      <p:bldP spid="20" grpId="0" animBg="1"/>
+      <p:bldP spid="23" grpId="0" animBg="1"/>
+      <p:bldP spid="25" grpId="0" animBg="1"/>
+    </p:bldLst>
+  </p:timing>
+</p:sld>
+</file>
+
+<file path=ppt/slides/slide2.xml><?xml version="1.0" encoding="utf-8"?>
+<p:sld xmlns:a="http://schemas.openxmlformats.org/drawingml/2006/main" xmlns:r="http://schemas.openxmlformats.org/officeDocument/2006/relationships" xmlns:p="http://schemas.openxmlformats.org/presentationml/2006/main">
+  <p:cSld>
+    <p:spTree>
+      <p:nvGrpSpPr>
+        <p:cNvPr id="1" name=""/>
+        <p:cNvGrpSpPr/>
+        <p:nvPr/>
+      </p:nvGrpSpPr>
+      <p:grpSpPr>
+        <a:xfrm>
+          <a:off x="0" y="0"/>
+          <a:ext cx="0" cy="0"/>
+          <a:chOff x="0" y="0"/>
+          <a:chExt cx="0" cy="0"/>
+        </a:xfrm>
+      </p:grpSpPr>
+      <p:sp>
+        <p:nvSpPr>
+          <p:cNvPr id="20" name="圆角矩形 19"/>
+          <p:cNvSpPr/>
+          <p:nvPr/>
+        </p:nvSpPr>
+        <p:spPr>
+          <a:xfrm rot="2700000">
+            <a:off x="10662558" y="2577993"/>
+            <a:ext cx="667658" cy="667658"/>
+          </a:xfrm>
+          <a:prstGeom prst="roundRect">
+            <a:avLst/>
+          </a:prstGeom>
+          <a:solidFill>
+            <a:schemeClr val="accent2"/>
+          </a:solidFill>
+          <a:ln>
+            <a:noFill/>
+          </a:ln>
+          <a:effectLst>
+            <a:outerShdw blurRad="177800" dist="38100" dir="2700000" algn="tl" rotWithShape="0">
+              <a:prstClr val="black">
+                <a:alpha val="40000"/>
+              </a:prstClr>
+            </a:outerShdw>
+          </a:effectLst>
+        </p:spPr>
+        <p:style>
+          <a:lnRef idx="2">
+            <a:schemeClr val="accent1">
+              <a:shade val="50000"/>
+            </a:schemeClr>
+          </a:lnRef>
+          <a:fillRef idx="1">
+            <a:schemeClr val="accent1"/>
+          </a:fillRef>
+          <a:effectRef idx="0">
+            <a:schemeClr val="accent1"/>
+          </a:effectRef>
+          <a:fontRef idx="minor">
+            <a:schemeClr val="lt1"/>
+          </a:fontRef>
+        </p:style>
+        <p:txBody>
+          <a:bodyPr rtlCol="0" anchor="ctr"/>
+          <a:lstStyle/>
+          <a:p>
+            <a:pPr algn="ctr"/>
+            <a:endParaRPr lang="zh-CN" altLang="en-US"/>
+          </a:p>
+        </p:txBody>
+      </p:sp>
+      <p:sp>
+        <p:nvSpPr>
+          <p:cNvPr id="23" name="圆角矩形 22"/>
+          <p:cNvSpPr/>
+          <p:nvPr/>
+        </p:nvSpPr>
+        <p:spPr>
+          <a:xfrm rot="2700000">
+            <a:off x="10662558" y="4290679"/>
+            <a:ext cx="667658" cy="667658"/>
+          </a:xfrm>
+          <a:prstGeom prst="roundRect">
+            <a:avLst/>
+          </a:prstGeom>
+          <a:solidFill>
+            <a:schemeClr val="accent1"/>
+          </a:solidFill>
+          <a:ln>
+            <a:noFill/>
+          </a:ln>
+          <a:effectLst>
+            <a:outerShdw blurRad="177800" dist="38100" dir="2700000" algn="tl" rotWithShape="0">
+              <a:prstClr val="black">
+                <a:alpha val="40000"/>
+              </a:prstClr>
+            </a:outerShdw>
+          </a:effectLst>
+        </p:spPr>
+        <p:style>
+          <a:lnRef idx="2">
+            <a:schemeClr val="accent1">
+              <a:shade val="50000"/>
+            </a:schemeClr>
+          </a:lnRef>
+          <a:fillRef idx="1">
+            <a:schemeClr val="accent1"/>
+          </a:fillRef>
+          <a:effectRef idx="0">
+            <a:schemeClr val="accent1"/>
+          </a:effectRef>
+          <a:fontRef idx="minor">
+            <a:schemeClr val="lt1"/>
+          </a:fontRef>
+        </p:style>
+        <p:txBody>
+          <a:bodyPr rtlCol="0" anchor="ctr"/>
+          <a:lstStyle/>
+          <a:p>
+            <a:pPr algn="ctr"/>
+            <a:endParaRPr lang="zh-CN" altLang="en-US"/>
+          </a:p>
+        </p:txBody>
+      </p:sp>
+      <p:pic>
+        <p:nvPicPr>
+          <p:cNvPr id="32" name="图片 31"/>
+          <p:cNvPicPr>
+            <a:picLocks noChangeAspect="1"/>
+          </p:cNvPicPr>
+          <p:nvPr/>
+        </p:nvPicPr>
+        <p:blipFill rotWithShape="1">
+          <a:blip r:embed="rId3">
+            <a:extLst>
+              <a:ext uri="{28A0092B-C50C-407E-A947-70E740481C1C}">
+                <a14:useLocalDpi xmlns:a14="http://schemas.microsoft.com/office/drawing/2010/main" val="0"/>
+              </a:ext>
+            </a:extLst>
+          </a:blip>
+          <a:srcRect l="5689" t="7719"/>
+          <a:stretch/>
+        </p:blipFill>
+        <p:spPr>
+          <a:xfrm>
+            <a:off x="2" y="1"/>
+            <a:ext cx="2304976" cy="1268412"/>
+          </a:xfrm>
+          <a:prstGeom prst="rect">
+            <a:avLst/>
+          </a:prstGeom>
+        </p:spPr>
+      </p:pic>
+      <p:pic>
+        <p:nvPicPr>
+          <p:cNvPr id="33" name="图片 32"/>
+          <p:cNvPicPr>
+            <a:picLocks noChangeAspect="1"/>
+          </p:cNvPicPr>
+          <p:nvPr/>
+        </p:nvPicPr>
+        <p:blipFill rotWithShape="1">
+          <a:blip r:embed="rId3">
+            <a:extLst>
+              <a:ext uri="{28A0092B-C50C-407E-A947-70E740481C1C}">
+                <a14:useLocalDpi xmlns:a14="http://schemas.microsoft.com/office/drawing/2010/main" val="0"/>
+              </a:ext>
+            </a:extLst>
+          </a:blip>
+          <a:srcRect l="5689" t="7719"/>
+          <a:stretch/>
+        </p:blipFill>
+        <p:spPr>
+          <a:xfrm rot="10800000">
+            <a:off x="8297197" y="4714717"/>
+            <a:ext cx="3894803" cy="2143282"/>
+          </a:xfrm>
+          <a:prstGeom prst="rect">
+            <a:avLst/>
+          </a:prstGeom>
+        </p:spPr>
+      </p:pic>
+      <p:grpSp>
+        <p:nvGrpSpPr>
+          <p:cNvPr id="34" name="组合 33"/>
+          <p:cNvGrpSpPr/>
+          <p:nvPr/>
+        </p:nvGrpSpPr>
+        <p:grpSpPr>
+          <a:xfrm>
+            <a:off x="5530024" y="456062"/>
+            <a:ext cx="902811" cy="770416"/>
+            <a:chOff x="1949291" y="371073"/>
+            <a:chExt cx="902811" cy="770416"/>
+          </a:xfrm>
+        </p:grpSpPr>
+        <p:sp>
+          <p:nvSpPr>
+            <p:cNvPr id="35" name="文本框 34"/>
+            <p:cNvSpPr txBox="1"/>
+            <p:nvPr/>
+          </p:nvSpPr>
+          <p:spPr>
+            <a:xfrm>
+              <a:off x="1949291" y="371073"/>
+              <a:ext cx="902811" cy="523220"/>
+            </a:xfrm>
+            <a:prstGeom prst="rect">
+              <a:avLst/>
+            </a:prstGeom>
+            <a:noFill/>
+          </p:spPr>
+          <p:txBody>
+            <a:bodyPr wrap="none" rtlCol="0">
+              <a:spAutoFit/>
+              <a:scene3d>
+                <a:camera prst="orthographicFront"/>
+                <a:lightRig rig="threePt" dir="t"/>
+              </a:scene3d>
+              <a:sp3d contourW="12700"/>
+            </a:bodyPr>
+            <a:lstStyle/>
+            <a:p>
+              <a:r>
+                <a:rPr lang="zh-CN" altLang="en-US" sz="2800" b="1" dirty="0" smtClean="0">
+                  <a:solidFill>
+                    <a:schemeClr val="tx1">
+                      <a:lumMod val="75000"/>
+                      <a:lumOff val="25000"/>
+                    </a:schemeClr>
+                  </a:solidFill>
+                  <a:latin typeface="Century Gothic" panose="020B0502020202020204" pitchFamily="34" charset="0"/>
+                </a:rPr>
+                <a:t>引言</a:t>
+              </a:r>
+              <a:endParaRPr lang="zh-CN" altLang="en-US" sz="2800" b="1" dirty="0">
+                <a:solidFill>
+                  <a:schemeClr val="accent1"/>
+                </a:solidFill>
+                <a:latin typeface="Century Gothic" panose="020B0502020202020204" pitchFamily="34" charset="0"/>
+              </a:endParaRPr>
+            </a:p>
+          </p:txBody>
+        </p:sp>
+        <p:sp>
+          <p:nvSpPr>
+            <p:cNvPr id="40" name="文本框 39"/>
+            <p:cNvSpPr txBox="1"/>
+            <p:nvPr/>
+          </p:nvSpPr>
+          <p:spPr>
+            <a:xfrm>
+              <a:off x="1949291" y="833712"/>
+              <a:ext cx="184731" cy="307777"/>
+            </a:xfrm>
+            <a:prstGeom prst="rect">
+              <a:avLst/>
+            </a:prstGeom>
+            <a:noFill/>
+          </p:spPr>
+          <p:txBody>
+            <a:bodyPr wrap="none" rtlCol="0">
+              <a:spAutoFit/>
+              <a:scene3d>
+                <a:camera prst="orthographicFront"/>
+                <a:lightRig rig="threePt" dir="t"/>
+              </a:scene3d>
+              <a:sp3d contourW="12700"/>
+            </a:bodyPr>
+            <a:lstStyle/>
+            <a:p>
+              <a:endParaRPr lang="zh-CN" altLang="en-US" sz="1400" dirty="0">
+                <a:solidFill>
+                  <a:schemeClr val="bg1">
+                    <a:lumMod val="50000"/>
+                  </a:schemeClr>
+                </a:solidFill>
+                <a:latin typeface="Century Gothic" panose="020B0502020202020204" pitchFamily="34" charset="0"/>
+              </a:endParaRPr>
+            </a:p>
+          </p:txBody>
+        </p:sp>
+      </p:grpSp>
+      <p:pic>
+        <p:nvPicPr>
+          <p:cNvPr id="21" name="图片 20"/>
+          <p:cNvPicPr>
+            <a:picLocks noChangeAspect="1"/>
+          </p:cNvPicPr>
+          <p:nvPr/>
+        </p:nvPicPr>
+        <p:blipFill>
+          <a:blip r:embed="rId4"/>
+          <a:stretch>
+            <a:fillRect/>
+          </a:stretch>
+        </p:blipFill>
+        <p:spPr>
+          <a:xfrm>
+            <a:off x="10713093" y="165550"/>
+            <a:ext cx="1276350" cy="581025"/>
+          </a:xfrm>
+          <a:prstGeom prst="rect">
+            <a:avLst/>
+          </a:prstGeom>
+        </p:spPr>
+      </p:pic>
+      <p:pic>
+        <p:nvPicPr>
+          <p:cNvPr id="10" name="图片 9"/>
+          <p:cNvPicPr>
+            <a:picLocks noChangeAspect="1"/>
+          </p:cNvPicPr>
+          <p:nvPr/>
+        </p:nvPicPr>
+        <p:blipFill>
+          <a:blip r:embed="rId4"/>
+          <a:stretch>
+            <a:fillRect/>
+          </a:stretch>
+        </p:blipFill>
+        <p:spPr>
+          <a:xfrm>
+            <a:off x="10865493" y="317950"/>
+            <a:ext cx="1276350" cy="581025"/>
+          </a:xfrm>
+          <a:prstGeom prst="rect">
+            <a:avLst/>
+          </a:prstGeom>
+        </p:spPr>
+      </p:pic>
+      <p:sp>
+        <p:nvSpPr>
+          <p:cNvPr id="2" name="矩形 1"/>
+          <p:cNvSpPr/>
+          <p:nvPr/>
+        </p:nvSpPr>
+        <p:spPr>
+          <a:xfrm>
+            <a:off x="905109" y="1441921"/>
+            <a:ext cx="9434559" cy="4154984"/>
+          </a:xfrm>
+          <a:prstGeom prst="rect">
+            <a:avLst/>
+          </a:prstGeom>
+        </p:spPr>
+        <p:txBody>
+          <a:bodyPr wrap="square">
+            <a:spAutoFit/>
+          </a:bodyPr>
+          <a:lstStyle/>
+          <a:p>
+            <a:r>
+              <a:rPr lang="en-US" altLang="zh-CN" sz="2400" dirty="0"/>
+              <a:t>vue1.0</a:t>
+            </a:r>
+            <a:r>
+              <a:rPr lang="zh-CN" altLang="en-US" sz="2400" dirty="0"/>
+              <a:t>用的是</a:t>
+            </a:r>
+            <a:r>
+              <a:rPr lang="en-US" altLang="zh-CN" sz="2400" dirty="0"/>
+              <a:t>fragment</a:t>
+            </a:r>
+            <a:r>
+              <a:rPr lang="zh-CN" altLang="en-US" sz="2400" dirty="0"/>
+              <a:t>来劫持</a:t>
+            </a:r>
+            <a:r>
+              <a:rPr lang="en-US" altLang="zh-CN" sz="2400" dirty="0" err="1"/>
+              <a:t>dom</a:t>
+            </a:r>
+            <a:r>
+              <a:rPr lang="zh-CN" altLang="en-US" sz="2400" dirty="0"/>
+              <a:t>元素，</a:t>
+            </a:r>
+            <a:r>
+              <a:rPr lang="en-US" altLang="zh-CN" sz="2400" dirty="0"/>
+              <a:t>2.0</a:t>
+            </a:r>
+            <a:r>
+              <a:rPr lang="zh-CN" altLang="en-US" sz="2400" dirty="0"/>
+              <a:t>引进了虚拟</a:t>
+            </a:r>
+            <a:r>
+              <a:rPr lang="en-US" altLang="zh-CN" sz="2400" dirty="0" err="1" smtClean="0"/>
+              <a:t>dom</a:t>
+            </a:r>
+            <a:r>
+              <a:rPr lang="en-US" altLang="zh-CN" sz="2400" dirty="0" smtClean="0"/>
+              <a:t>;</a:t>
+            </a:r>
+          </a:p>
+          <a:p>
+            <a:endParaRPr lang="en-US" altLang="zh-CN" sz="2400" dirty="0" smtClean="0"/>
+          </a:p>
+          <a:p>
+            <a:r>
+              <a:rPr lang="zh-CN" altLang="en-US" sz="2400" dirty="0" smtClean="0"/>
+              <a:t>那么</a:t>
+            </a:r>
+            <a:r>
+              <a:rPr lang="zh-CN" altLang="en-US" sz="2400" dirty="0"/>
+              <a:t>为什么要用 </a:t>
+            </a:r>
+            <a:r>
+              <a:rPr lang="en-US" altLang="zh-CN" sz="2400" dirty="0"/>
+              <a:t>VDOM</a:t>
+            </a:r>
+            <a:r>
+              <a:rPr lang="zh-CN" altLang="en-US" sz="2400" dirty="0"/>
+              <a:t>：现代 </a:t>
+            </a:r>
+            <a:r>
+              <a:rPr lang="en-US" altLang="zh-CN" sz="2400" dirty="0"/>
+              <a:t>Web </a:t>
+            </a:r>
+            <a:r>
+              <a:rPr lang="zh-CN" altLang="en-US" sz="2400" dirty="0"/>
+              <a:t>页面的大多数逻辑的本质就是不停地修改 </a:t>
+            </a:r>
+            <a:r>
+              <a:rPr lang="en-US" altLang="zh-CN" sz="2400" dirty="0"/>
+              <a:t>DOM</a:t>
+            </a:r>
+            <a:r>
+              <a:rPr lang="zh-CN" altLang="en-US" sz="2400" dirty="0"/>
+              <a:t>，但是 </a:t>
+            </a:r>
+            <a:r>
+              <a:rPr lang="en-US" altLang="zh-CN" sz="2400" dirty="0"/>
+              <a:t>DOM </a:t>
+            </a:r>
+            <a:r>
+              <a:rPr lang="zh-CN" altLang="en-US" sz="2400" dirty="0"/>
+              <a:t>操作太慢了，直接导致整个页面掉帧、卡顿甚至失去响应。</a:t>
+            </a:r>
+            <a:r>
+              <a:rPr lang="zh-CN" altLang="en-US" sz="2400" dirty="0" smtClean="0"/>
+              <a:t>然而，</a:t>
+            </a:r>
+            <a:r>
+              <a:rPr lang="zh-CN" altLang="en-US" sz="2400" dirty="0"/>
+              <a:t>很多 </a:t>
+            </a:r>
+            <a:r>
+              <a:rPr lang="en-US" altLang="zh-CN" sz="2400" dirty="0"/>
+              <a:t>DOM </a:t>
+            </a:r>
+            <a:r>
+              <a:rPr lang="zh-CN" altLang="en-US" sz="2400" dirty="0"/>
+              <a:t>操作是可以打包（多个操作压成一个）和合并（一个连续更新操作只保留最终结果）的，同时 </a:t>
+            </a:r>
+            <a:r>
+              <a:rPr lang="en-US" altLang="zh-CN" sz="2400" dirty="0"/>
+              <a:t>JS </a:t>
+            </a:r>
+            <a:r>
+              <a:rPr lang="zh-CN" altLang="en-US" sz="2400" dirty="0"/>
+              <a:t>引擎的计算速度要快得多</a:t>
+            </a:r>
+            <a:r>
+              <a:rPr lang="zh-CN" altLang="en-US" sz="2400" dirty="0" smtClean="0"/>
+              <a:t>，把 </a:t>
+            </a:r>
+            <a:r>
+              <a:rPr lang="en-US" altLang="zh-CN" sz="2400" dirty="0"/>
+              <a:t>DOM </a:t>
+            </a:r>
+            <a:r>
+              <a:rPr lang="zh-CN" altLang="en-US" sz="2400" dirty="0"/>
+              <a:t>操作放到 </a:t>
+            </a:r>
+            <a:r>
+              <a:rPr lang="en-US" altLang="zh-CN" sz="2400" dirty="0"/>
+              <a:t>JS </a:t>
+            </a:r>
+            <a:r>
+              <a:rPr lang="zh-CN" altLang="en-US" sz="2400" dirty="0"/>
+              <a:t>里计算出最终结果来一发终极 </a:t>
+            </a:r>
+            <a:r>
+              <a:rPr lang="en-US" altLang="zh-CN" sz="2400" dirty="0"/>
+              <a:t>DOM </a:t>
+            </a:r>
+            <a:r>
+              <a:rPr lang="zh-CN" altLang="en-US" sz="2400" dirty="0" smtClean="0"/>
+              <a:t>操作</a:t>
+            </a:r>
+            <a:endParaRPr lang="en-US" altLang="zh-CN" sz="2400" dirty="0" smtClean="0"/>
+          </a:p>
+          <a:p>
+            <a:endParaRPr lang="en-US" altLang="zh-CN" sz="2400" dirty="0" smtClean="0"/>
+          </a:p>
+          <a:p>
+            <a:r>
+              <a:rPr lang="zh-CN" altLang="en-US" sz="2400" dirty="0"/>
+              <a:t>虚拟</a:t>
+            </a:r>
+            <a:r>
+              <a:rPr lang="en-US" altLang="zh-CN" sz="2400" dirty="0"/>
+              <a:t>DOM</a:t>
+            </a:r>
+            <a:r>
+              <a:rPr lang="zh-CN" altLang="en-US" sz="2400" dirty="0"/>
+              <a:t>是用</a:t>
+            </a:r>
+            <a:r>
+              <a:rPr lang="en-US" altLang="zh-CN" sz="2400" dirty="0"/>
+              <a:t>Object</a:t>
+            </a:r>
+            <a:r>
+              <a:rPr lang="zh-CN" altLang="en-US" sz="2400" dirty="0"/>
+              <a:t>来代表一颗节点，这个</a:t>
+            </a:r>
+            <a:r>
+              <a:rPr lang="en-US" altLang="zh-CN" sz="2400" dirty="0"/>
+              <a:t>Object</a:t>
+            </a:r>
+            <a:r>
+              <a:rPr lang="zh-CN" altLang="en-US" sz="2400" dirty="0"/>
+              <a:t>叫做</a:t>
+            </a:r>
+            <a:r>
+              <a:rPr lang="en-US" altLang="zh-CN" sz="2400" dirty="0" err="1"/>
+              <a:t>VNode</a:t>
+            </a:r>
+            <a:r>
+              <a:rPr lang="zh-CN" altLang="en-US" sz="2400" dirty="0"/>
+              <a:t>，然后使用两个</a:t>
+            </a:r>
+            <a:r>
+              <a:rPr lang="en-US" altLang="zh-CN" sz="2400" dirty="0" err="1"/>
+              <a:t>VNode</a:t>
+            </a:r>
+            <a:r>
+              <a:rPr lang="zh-CN" altLang="en-US" sz="2400" dirty="0"/>
+              <a:t>进行对比，根据对比后的结果修改真实</a:t>
+            </a:r>
+            <a:r>
+              <a:rPr lang="en-US" altLang="zh-CN" sz="2400" dirty="0"/>
+              <a:t>DOM</a:t>
+            </a:r>
+            <a:endParaRPr lang="zh-CN" altLang="en-US" sz="2400" b="0" i="0" kern="1700" spc="90" dirty="0">
+              <a:solidFill>
+                <a:srgbClr val="24292E"/>
+              </a:solidFill>
+              <a:effectLst/>
+              <a:latin typeface="-apple-system"/>
+            </a:endParaRPr>
+          </a:p>
+        </p:txBody>
+      </p:sp>
+    </p:spTree>
+    <p:extLst>
+      <p:ext uri="{BB962C8B-B14F-4D97-AF65-F5344CB8AC3E}">
+        <p14:creationId xmlns:p14="http://schemas.microsoft.com/office/powerpoint/2010/main" val="3573651945"/>
+      </p:ext>
+    </p:extLst>
+  </p:cSld>
+  <p:clrMapOvr>
+    <a:masterClrMapping/>
+  </p:clrMapOvr>
+  <mc:AlternateContent xmlns:mc="http://schemas.openxmlformats.org/markup-compatibility/2006" xmlns:p14="http://schemas.microsoft.com/office/powerpoint/2010/main">
+    <mc:Choice Requires="p14">
+      <p:transition spd="slow" p14:dur="1400">
+        <p14:ripple/>
+      </p:transition>
+    </mc:Choice>
+    <mc:Fallback xmlns="">
+      <p:transition spd="slow">
+        <p:fade/>
+      </p:transition>
+    </mc:Fallback>
+  </mc:AlternateContent>
+  <p:timing>
+    <p:tnLst>
+      <p:par>
+        <p:cTn id="1" dur="indefinite" restart="never" nodeType="tmRoot">
+          <p:childTnLst>
+            <p:seq concurrent="1" nextAc="seek">
+              <p:cTn id="2" dur="indefinite" nodeType="mainSeq">
+                <p:childTnLst>
+                  <p:par>
+                    <p:cTn id="3" fill="hold">
+                      <p:stCondLst>
+                        <p:cond delay="indefinite"/>
+                        <p:cond evt="onBegin" delay="0">
+                          <p:tn val="2"/>
+                        </p:cond>
+                      </p:stCondLst>
+                      <p:childTnLst>
+                        <p:par>
+                          <p:cTn id="4" fill="hold">
+                            <p:stCondLst>
+                              <p:cond delay="0"/>
+                            </p:stCondLst>
+                            <p:childTnLst>
+                              <p:par>
+                                <p:cTn id="5" presetID="53" presetClass="entr" presetSubtype="16" fill="hold" grpId="0" nodeType="withEffect">
+                                  <p:stCondLst>
+                                    <p:cond delay="0"/>
+                                  </p:stCondLst>
+                                  <p:childTnLst>
+                                    <p:set>
+                                      <p:cBhvr>
+                                        <p:cTn id="6" dur="1" fill="hold">
+                                          <p:stCondLst>
+                                            <p:cond delay="0"/>
+                                          </p:stCondLst>
+                                        </p:cTn>
+                                        <p:tgtEl>
+                                          <p:spTgt spid="20"/>
+                                        </p:tgtEl>
+                                        <p:attrNameLst>
+                                          <p:attrName>style.visibility</p:attrName>
+                                        </p:attrNameLst>
+                                      </p:cBhvr>
+                                      <p:to>
+                                        <p:strVal val="visible"/>
+                                      </p:to>
+                                    </p:set>
+                                    <p:anim calcmode="lin" valueType="num">
+                                      <p:cBhvr>
+                                        <p:cTn id="7" dur="500" fill="hold"/>
+                                        <p:tgtEl>
+                                          <p:spTgt spid="20"/>
+                                        </p:tgtEl>
+                                        <p:attrNameLst>
+                                          <p:attrName>ppt_w</p:attrName>
+                                        </p:attrNameLst>
+                                      </p:cBhvr>
+                                      <p:tavLst>
+                                        <p:tav tm="0">
+                                          <p:val>
+                                            <p:fltVal val="0"/>
+                                          </p:val>
+                                        </p:tav>
+                                        <p:tav tm="100000">
+                                          <p:val>
+                                            <p:strVal val="#ppt_w"/>
+                                          </p:val>
+                                        </p:tav>
+                                      </p:tavLst>
+                                    </p:anim>
+                                    <p:anim calcmode="lin" valueType="num">
+                                      <p:cBhvr>
+                                        <p:cTn id="8" dur="500" fill="hold"/>
+                                        <p:tgtEl>
+                                          <p:spTgt spid="20"/>
+                                        </p:tgtEl>
+                                        <p:attrNameLst>
+                                          <p:attrName>ppt_h</p:attrName>
+                                        </p:attrNameLst>
+                                      </p:cBhvr>
+                                      <p:tavLst>
+                                        <p:tav tm="0">
+                                          <p:val>
+                                            <p:fltVal val="0"/>
+                                          </p:val>
+                                        </p:tav>
+                                        <p:tav tm="100000">
+                                          <p:val>
+                                            <p:strVal val="#ppt_h"/>
+                                          </p:val>
+                                        </p:tav>
+                                      </p:tavLst>
+                                    </p:anim>
+                                    <p:animEffect transition="in" filter="fade">
+                                      <p:cBhvr>
+                                        <p:cTn id="9" dur="500"/>
+                                        <p:tgtEl>
+                                          <p:spTgt spid="20"/>
+                                        </p:tgtEl>
+                                      </p:cBhvr>
+                                    </p:animEffect>
+                                  </p:childTnLst>
+                                </p:cTn>
+                              </p:par>
+                              <p:par>
+                                <p:cTn id="10" presetID="53" presetClass="entr" presetSubtype="16" fill="hold" grpId="0" nodeType="withEffect">
+                                  <p:stCondLst>
+                                    <p:cond delay="0"/>
+                                  </p:stCondLst>
+                                  <p:childTnLst>
+                                    <p:set>
+                                      <p:cBhvr>
+                                        <p:cTn id="11" dur="1" fill="hold">
+                                          <p:stCondLst>
+                                            <p:cond delay="0"/>
+                                          </p:stCondLst>
+                                        </p:cTn>
+                                        <p:tgtEl>
+                                          <p:spTgt spid="23"/>
+                                        </p:tgtEl>
+                                        <p:attrNameLst>
+                                          <p:attrName>style.visibility</p:attrName>
+                                        </p:attrNameLst>
+                                      </p:cBhvr>
+                                      <p:to>
+                                        <p:strVal val="visible"/>
+                                      </p:to>
+                                    </p:set>
+                                    <p:anim calcmode="lin" valueType="num">
+                                      <p:cBhvr>
+                                        <p:cTn id="12" dur="500" fill="hold"/>
+                                        <p:tgtEl>
+                                          <p:spTgt spid="23"/>
+                                        </p:tgtEl>
+                                        <p:attrNameLst>
+                                          <p:attrName>ppt_w</p:attrName>
+                                        </p:attrNameLst>
+                                      </p:cBhvr>
+                                      <p:tavLst>
+                                        <p:tav tm="0">
+                                          <p:val>
+                                            <p:fltVal val="0"/>
+                                          </p:val>
+                                        </p:tav>
+                                        <p:tav tm="100000">
+                                          <p:val>
+                                            <p:strVal val="#ppt_w"/>
+                                          </p:val>
+                                        </p:tav>
+                                      </p:tavLst>
+                                    </p:anim>
+                                    <p:anim calcmode="lin" valueType="num">
+                                      <p:cBhvr>
+                                        <p:cTn id="13" dur="500" fill="hold"/>
+                                        <p:tgtEl>
+                                          <p:spTgt spid="23"/>
+                                        </p:tgtEl>
+                                        <p:attrNameLst>
+                                          <p:attrName>ppt_h</p:attrName>
+                                        </p:attrNameLst>
+                                      </p:cBhvr>
+                                      <p:tavLst>
+                                        <p:tav tm="0">
+                                          <p:val>
+                                            <p:fltVal val="0"/>
+                                          </p:val>
+                                        </p:tav>
+                                        <p:tav tm="100000">
+                                          <p:val>
+                                            <p:strVal val="#ppt_h"/>
+                                          </p:val>
+                                        </p:tav>
+                                      </p:tavLst>
+                                    </p:anim>
+                                    <p:animEffect transition="in" filter="fade">
+                                      <p:cBhvr>
+                                        <p:cTn id="14" dur="500"/>
+                                        <p:tgtEl>
+                                          <p:spTgt spid="23"/>
                                         </p:tgtEl>
                                       </p:cBhvr>
                                     </p:animEffect>
@@ -20494,7 +28469,7 @@
 </p:sld>
 </file>
 
-<file path=ppt/slides/slide18.xml><?xml version="1.0" encoding="utf-8"?>
+<file path=ppt/slides/slide20.xml><?xml version="1.0" encoding="utf-8"?>
 <p:sld xmlns:a="http://schemas.openxmlformats.org/drawingml/2006/main" xmlns:r="http://schemas.openxmlformats.org/officeDocument/2006/relationships" xmlns:p="http://schemas.openxmlformats.org/presentationml/2006/main">
   <p:cSld>
     <p:spTree>
@@ -21717,800 +29692,6 @@
 </p:sld>
 </file>
 
-<file path=ppt/slides/slide2.xml><?xml version="1.0" encoding="utf-8"?>
-<p:sld xmlns:a="http://schemas.openxmlformats.org/drawingml/2006/main" xmlns:r="http://schemas.openxmlformats.org/officeDocument/2006/relationships" xmlns:p="http://schemas.openxmlformats.org/presentationml/2006/main">
-  <p:cSld>
-    <p:spTree>
-      <p:nvGrpSpPr>
-        <p:cNvPr id="1" name=""/>
-        <p:cNvGrpSpPr/>
-        <p:nvPr/>
-      </p:nvGrpSpPr>
-      <p:grpSpPr>
-        <a:xfrm>
-          <a:off x="0" y="0"/>
-          <a:ext cx="0" cy="0"/>
-          <a:chOff x="0" y="0"/>
-          <a:chExt cx="0" cy="0"/>
-        </a:xfrm>
-      </p:grpSpPr>
-      <p:sp>
-        <p:nvSpPr>
-          <p:cNvPr id="20" name="圆角矩形 19"/>
-          <p:cNvSpPr/>
-          <p:nvPr/>
-        </p:nvSpPr>
-        <p:spPr>
-          <a:xfrm rot="2700000">
-            <a:off x="10662558" y="2577993"/>
-            <a:ext cx="667658" cy="667658"/>
-          </a:xfrm>
-          <a:prstGeom prst="roundRect">
-            <a:avLst/>
-          </a:prstGeom>
-          <a:solidFill>
-            <a:schemeClr val="accent2"/>
-          </a:solidFill>
-          <a:ln>
-            <a:noFill/>
-          </a:ln>
-          <a:effectLst>
-            <a:outerShdw blurRad="177800" dist="38100" dir="2700000" algn="tl" rotWithShape="0">
-              <a:prstClr val="black">
-                <a:alpha val="40000"/>
-              </a:prstClr>
-            </a:outerShdw>
-          </a:effectLst>
-        </p:spPr>
-        <p:style>
-          <a:lnRef idx="2">
-            <a:schemeClr val="accent1">
-              <a:shade val="50000"/>
-            </a:schemeClr>
-          </a:lnRef>
-          <a:fillRef idx="1">
-            <a:schemeClr val="accent1"/>
-          </a:fillRef>
-          <a:effectRef idx="0">
-            <a:schemeClr val="accent1"/>
-          </a:effectRef>
-          <a:fontRef idx="minor">
-            <a:schemeClr val="lt1"/>
-          </a:fontRef>
-        </p:style>
-        <p:txBody>
-          <a:bodyPr rtlCol="0" anchor="ctr"/>
-          <a:lstStyle/>
-          <a:p>
-            <a:pPr algn="ctr"/>
-            <a:endParaRPr lang="zh-CN" altLang="en-US"/>
-          </a:p>
-        </p:txBody>
-      </p:sp>
-      <p:sp>
-        <p:nvSpPr>
-          <p:cNvPr id="23" name="圆角矩形 22"/>
-          <p:cNvSpPr/>
-          <p:nvPr/>
-        </p:nvSpPr>
-        <p:spPr>
-          <a:xfrm rot="2700000">
-            <a:off x="10662558" y="4290679"/>
-            <a:ext cx="667658" cy="667658"/>
-          </a:xfrm>
-          <a:prstGeom prst="roundRect">
-            <a:avLst/>
-          </a:prstGeom>
-          <a:solidFill>
-            <a:schemeClr val="accent1"/>
-          </a:solidFill>
-          <a:ln>
-            <a:noFill/>
-          </a:ln>
-          <a:effectLst>
-            <a:outerShdw blurRad="177800" dist="38100" dir="2700000" algn="tl" rotWithShape="0">
-              <a:prstClr val="black">
-                <a:alpha val="40000"/>
-              </a:prstClr>
-            </a:outerShdw>
-          </a:effectLst>
-        </p:spPr>
-        <p:style>
-          <a:lnRef idx="2">
-            <a:schemeClr val="accent1">
-              <a:shade val="50000"/>
-            </a:schemeClr>
-          </a:lnRef>
-          <a:fillRef idx="1">
-            <a:schemeClr val="accent1"/>
-          </a:fillRef>
-          <a:effectRef idx="0">
-            <a:schemeClr val="accent1"/>
-          </a:effectRef>
-          <a:fontRef idx="minor">
-            <a:schemeClr val="lt1"/>
-          </a:fontRef>
-        </p:style>
-        <p:txBody>
-          <a:bodyPr rtlCol="0" anchor="ctr"/>
-          <a:lstStyle/>
-          <a:p>
-            <a:pPr algn="ctr"/>
-            <a:endParaRPr lang="zh-CN" altLang="en-US"/>
-          </a:p>
-        </p:txBody>
-      </p:sp>
-      <p:pic>
-        <p:nvPicPr>
-          <p:cNvPr id="32" name="图片 31"/>
-          <p:cNvPicPr>
-            <a:picLocks noChangeAspect="1"/>
-          </p:cNvPicPr>
-          <p:nvPr/>
-        </p:nvPicPr>
-        <p:blipFill rotWithShape="1">
-          <a:blip r:embed="rId3">
-            <a:extLst>
-              <a:ext uri="{28A0092B-C50C-407E-A947-70E740481C1C}">
-                <a14:useLocalDpi xmlns:a14="http://schemas.microsoft.com/office/drawing/2010/main" val="0"/>
-              </a:ext>
-            </a:extLst>
-          </a:blip>
-          <a:srcRect l="5689" t="7719"/>
-          <a:stretch/>
-        </p:blipFill>
-        <p:spPr>
-          <a:xfrm>
-            <a:off x="2" y="1"/>
-            <a:ext cx="2304976" cy="1268412"/>
-          </a:xfrm>
-          <a:prstGeom prst="rect">
-            <a:avLst/>
-          </a:prstGeom>
-        </p:spPr>
-      </p:pic>
-      <p:pic>
-        <p:nvPicPr>
-          <p:cNvPr id="33" name="图片 32"/>
-          <p:cNvPicPr>
-            <a:picLocks noChangeAspect="1"/>
-          </p:cNvPicPr>
-          <p:nvPr/>
-        </p:nvPicPr>
-        <p:blipFill rotWithShape="1">
-          <a:blip r:embed="rId3">
-            <a:extLst>
-              <a:ext uri="{28A0092B-C50C-407E-A947-70E740481C1C}">
-                <a14:useLocalDpi xmlns:a14="http://schemas.microsoft.com/office/drawing/2010/main" val="0"/>
-              </a:ext>
-            </a:extLst>
-          </a:blip>
-          <a:srcRect l="5689" t="7719"/>
-          <a:stretch/>
-        </p:blipFill>
-        <p:spPr>
-          <a:xfrm rot="10800000">
-            <a:off x="8297197" y="4714717"/>
-            <a:ext cx="3894803" cy="2143282"/>
-          </a:xfrm>
-          <a:prstGeom prst="rect">
-            <a:avLst/>
-          </a:prstGeom>
-        </p:spPr>
-      </p:pic>
-      <p:grpSp>
-        <p:nvGrpSpPr>
-          <p:cNvPr id="34" name="组合 33"/>
-          <p:cNvGrpSpPr/>
-          <p:nvPr/>
-        </p:nvGrpSpPr>
-        <p:grpSpPr>
-          <a:xfrm>
-            <a:off x="5530024" y="456062"/>
-            <a:ext cx="902811" cy="770416"/>
-            <a:chOff x="1949291" y="371073"/>
-            <a:chExt cx="902811" cy="770416"/>
-          </a:xfrm>
-        </p:grpSpPr>
-        <p:sp>
-          <p:nvSpPr>
-            <p:cNvPr id="35" name="文本框 34"/>
-            <p:cNvSpPr txBox="1"/>
-            <p:nvPr/>
-          </p:nvSpPr>
-          <p:spPr>
-            <a:xfrm>
-              <a:off x="1949291" y="371073"/>
-              <a:ext cx="902811" cy="523220"/>
-            </a:xfrm>
-            <a:prstGeom prst="rect">
-              <a:avLst/>
-            </a:prstGeom>
-            <a:noFill/>
-          </p:spPr>
-          <p:txBody>
-            <a:bodyPr wrap="none" rtlCol="0">
-              <a:spAutoFit/>
-              <a:scene3d>
-                <a:camera prst="orthographicFront"/>
-                <a:lightRig rig="threePt" dir="t"/>
-              </a:scene3d>
-              <a:sp3d contourW="12700"/>
-            </a:bodyPr>
-            <a:lstStyle/>
-            <a:p>
-              <a:r>
-                <a:rPr lang="zh-CN" altLang="en-US" sz="2800" b="1" dirty="0" smtClean="0">
-                  <a:solidFill>
-                    <a:schemeClr val="tx1">
-                      <a:lumMod val="75000"/>
-                      <a:lumOff val="25000"/>
-                    </a:schemeClr>
-                  </a:solidFill>
-                  <a:latin typeface="Century Gothic" panose="020B0502020202020204" pitchFamily="34" charset="0"/>
-                </a:rPr>
-                <a:t>引言</a:t>
-              </a:r>
-              <a:endParaRPr lang="zh-CN" altLang="en-US" sz="2800" b="1" dirty="0">
-                <a:solidFill>
-                  <a:schemeClr val="accent1"/>
-                </a:solidFill>
-                <a:latin typeface="Century Gothic" panose="020B0502020202020204" pitchFamily="34" charset="0"/>
-              </a:endParaRPr>
-            </a:p>
-          </p:txBody>
-        </p:sp>
-        <p:sp>
-          <p:nvSpPr>
-            <p:cNvPr id="40" name="文本框 39"/>
-            <p:cNvSpPr txBox="1"/>
-            <p:nvPr/>
-          </p:nvSpPr>
-          <p:spPr>
-            <a:xfrm>
-              <a:off x="1949291" y="833712"/>
-              <a:ext cx="184731" cy="307777"/>
-            </a:xfrm>
-            <a:prstGeom prst="rect">
-              <a:avLst/>
-            </a:prstGeom>
-            <a:noFill/>
-          </p:spPr>
-          <p:txBody>
-            <a:bodyPr wrap="none" rtlCol="0">
-              <a:spAutoFit/>
-              <a:scene3d>
-                <a:camera prst="orthographicFront"/>
-                <a:lightRig rig="threePt" dir="t"/>
-              </a:scene3d>
-              <a:sp3d contourW="12700"/>
-            </a:bodyPr>
-            <a:lstStyle/>
-            <a:p>
-              <a:endParaRPr lang="zh-CN" altLang="en-US" sz="1400" dirty="0">
-                <a:solidFill>
-                  <a:schemeClr val="bg1">
-                    <a:lumMod val="50000"/>
-                  </a:schemeClr>
-                </a:solidFill>
-                <a:latin typeface="Century Gothic" panose="020B0502020202020204" pitchFamily="34" charset="0"/>
-              </a:endParaRPr>
-            </a:p>
-          </p:txBody>
-        </p:sp>
-      </p:grpSp>
-      <p:pic>
-        <p:nvPicPr>
-          <p:cNvPr id="21" name="图片 20"/>
-          <p:cNvPicPr>
-            <a:picLocks noChangeAspect="1"/>
-          </p:cNvPicPr>
-          <p:nvPr/>
-        </p:nvPicPr>
-        <p:blipFill>
-          <a:blip r:embed="rId4"/>
-          <a:stretch>
-            <a:fillRect/>
-          </a:stretch>
-        </p:blipFill>
-        <p:spPr>
-          <a:xfrm>
-            <a:off x="10713093" y="165550"/>
-            <a:ext cx="1276350" cy="581025"/>
-          </a:xfrm>
-          <a:prstGeom prst="rect">
-            <a:avLst/>
-          </a:prstGeom>
-        </p:spPr>
-      </p:pic>
-      <p:pic>
-        <p:nvPicPr>
-          <p:cNvPr id="10" name="图片 9"/>
-          <p:cNvPicPr>
-            <a:picLocks noChangeAspect="1"/>
-          </p:cNvPicPr>
-          <p:nvPr/>
-        </p:nvPicPr>
-        <p:blipFill>
-          <a:blip r:embed="rId4"/>
-          <a:stretch>
-            <a:fillRect/>
-          </a:stretch>
-        </p:blipFill>
-        <p:spPr>
-          <a:xfrm>
-            <a:off x="10865493" y="317950"/>
-            <a:ext cx="1276350" cy="581025"/>
-          </a:xfrm>
-          <a:prstGeom prst="rect">
-            <a:avLst/>
-          </a:prstGeom>
-        </p:spPr>
-      </p:pic>
-      <p:sp>
-        <p:nvSpPr>
-          <p:cNvPr id="2" name="矩形 1"/>
-          <p:cNvSpPr/>
-          <p:nvPr/>
-        </p:nvSpPr>
-        <p:spPr>
-          <a:xfrm>
-            <a:off x="905109" y="1441921"/>
-            <a:ext cx="9434559" cy="4154984"/>
-          </a:xfrm>
-          <a:prstGeom prst="rect">
-            <a:avLst/>
-          </a:prstGeom>
-        </p:spPr>
-        <p:txBody>
-          <a:bodyPr wrap="square">
-            <a:spAutoFit/>
-          </a:bodyPr>
-          <a:lstStyle/>
-          <a:p>
-            <a:r>
-              <a:rPr lang="en-US" altLang="zh-CN" sz="2400" dirty="0"/>
-              <a:t>vue1.0</a:t>
-            </a:r>
-            <a:r>
-              <a:rPr lang="zh-CN" altLang="en-US" sz="2400" dirty="0"/>
-              <a:t>用的是</a:t>
-            </a:r>
-            <a:r>
-              <a:rPr lang="en-US" altLang="zh-CN" sz="2400" dirty="0"/>
-              <a:t>fragment</a:t>
-            </a:r>
-            <a:r>
-              <a:rPr lang="zh-CN" altLang="en-US" sz="2400" dirty="0"/>
-              <a:t>来劫持</a:t>
-            </a:r>
-            <a:r>
-              <a:rPr lang="en-US" altLang="zh-CN" sz="2400" dirty="0" err="1"/>
-              <a:t>dom</a:t>
-            </a:r>
-            <a:r>
-              <a:rPr lang="zh-CN" altLang="en-US" sz="2400" dirty="0"/>
-              <a:t>元素，</a:t>
-            </a:r>
-            <a:r>
-              <a:rPr lang="en-US" altLang="zh-CN" sz="2400" dirty="0"/>
-              <a:t>2.0</a:t>
-            </a:r>
-            <a:r>
-              <a:rPr lang="zh-CN" altLang="en-US" sz="2400" dirty="0"/>
-              <a:t>引进了虚拟</a:t>
-            </a:r>
-            <a:r>
-              <a:rPr lang="en-US" altLang="zh-CN" sz="2400" dirty="0" err="1" smtClean="0"/>
-              <a:t>dom</a:t>
-            </a:r>
-            <a:r>
-              <a:rPr lang="en-US" altLang="zh-CN" sz="2400" dirty="0" smtClean="0"/>
-              <a:t>;</a:t>
-            </a:r>
-          </a:p>
-          <a:p>
-            <a:endParaRPr lang="en-US" altLang="zh-CN" sz="2400" dirty="0" smtClean="0"/>
-          </a:p>
-          <a:p>
-            <a:r>
-              <a:rPr lang="zh-CN" altLang="en-US" sz="2400" dirty="0" smtClean="0"/>
-              <a:t>那么</a:t>
-            </a:r>
-            <a:r>
-              <a:rPr lang="zh-CN" altLang="en-US" sz="2400" dirty="0"/>
-              <a:t>为什么要用 </a:t>
-            </a:r>
-            <a:r>
-              <a:rPr lang="en-US" altLang="zh-CN" sz="2400" dirty="0"/>
-              <a:t>VDOM</a:t>
-            </a:r>
-            <a:r>
-              <a:rPr lang="zh-CN" altLang="en-US" sz="2400" dirty="0"/>
-              <a:t>：现代 </a:t>
-            </a:r>
-            <a:r>
-              <a:rPr lang="en-US" altLang="zh-CN" sz="2400" dirty="0"/>
-              <a:t>Web </a:t>
-            </a:r>
-            <a:r>
-              <a:rPr lang="zh-CN" altLang="en-US" sz="2400" dirty="0"/>
-              <a:t>页面的大多数逻辑的本质就是不停地修改 </a:t>
-            </a:r>
-            <a:r>
-              <a:rPr lang="en-US" altLang="zh-CN" sz="2400" dirty="0"/>
-              <a:t>DOM</a:t>
-            </a:r>
-            <a:r>
-              <a:rPr lang="zh-CN" altLang="en-US" sz="2400" dirty="0"/>
-              <a:t>，但是 </a:t>
-            </a:r>
-            <a:r>
-              <a:rPr lang="en-US" altLang="zh-CN" sz="2400" dirty="0"/>
-              <a:t>DOM </a:t>
-            </a:r>
-            <a:r>
-              <a:rPr lang="zh-CN" altLang="en-US" sz="2400" dirty="0"/>
-              <a:t>操作太慢了，直接导致整个页面掉帧、卡顿甚至失去响应。</a:t>
-            </a:r>
-            <a:r>
-              <a:rPr lang="zh-CN" altLang="en-US" sz="2400" dirty="0" smtClean="0"/>
-              <a:t>然而，</a:t>
-            </a:r>
-            <a:r>
-              <a:rPr lang="zh-CN" altLang="en-US" sz="2400" dirty="0"/>
-              <a:t>很多 </a:t>
-            </a:r>
-            <a:r>
-              <a:rPr lang="en-US" altLang="zh-CN" sz="2400" dirty="0"/>
-              <a:t>DOM </a:t>
-            </a:r>
-            <a:r>
-              <a:rPr lang="zh-CN" altLang="en-US" sz="2400" dirty="0"/>
-              <a:t>操作是可以打包（多个操作压成一个）和合并（一个连续更新操作只保留最终结果）的，同时 </a:t>
-            </a:r>
-            <a:r>
-              <a:rPr lang="en-US" altLang="zh-CN" sz="2400" dirty="0"/>
-              <a:t>JS </a:t>
-            </a:r>
-            <a:r>
-              <a:rPr lang="zh-CN" altLang="en-US" sz="2400" dirty="0"/>
-              <a:t>引擎的计算速度要快得多</a:t>
-            </a:r>
-            <a:r>
-              <a:rPr lang="zh-CN" altLang="en-US" sz="2400" dirty="0" smtClean="0"/>
-              <a:t>，把 </a:t>
-            </a:r>
-            <a:r>
-              <a:rPr lang="en-US" altLang="zh-CN" sz="2400" dirty="0"/>
-              <a:t>DOM </a:t>
-            </a:r>
-            <a:r>
-              <a:rPr lang="zh-CN" altLang="en-US" sz="2400" dirty="0"/>
-              <a:t>操作放到 </a:t>
-            </a:r>
-            <a:r>
-              <a:rPr lang="en-US" altLang="zh-CN" sz="2400" dirty="0"/>
-              <a:t>JS </a:t>
-            </a:r>
-            <a:r>
-              <a:rPr lang="zh-CN" altLang="en-US" sz="2400" dirty="0"/>
-              <a:t>里计算出最终结果来一发终极 </a:t>
-            </a:r>
-            <a:r>
-              <a:rPr lang="en-US" altLang="zh-CN" sz="2400" dirty="0"/>
-              <a:t>DOM </a:t>
-            </a:r>
-            <a:r>
-              <a:rPr lang="zh-CN" altLang="en-US" sz="2400" dirty="0" smtClean="0"/>
-              <a:t>操作</a:t>
-            </a:r>
-            <a:endParaRPr lang="en-US" altLang="zh-CN" sz="2400" dirty="0" smtClean="0"/>
-          </a:p>
-          <a:p>
-            <a:endParaRPr lang="en-US" altLang="zh-CN" sz="2400" dirty="0" smtClean="0"/>
-          </a:p>
-          <a:p>
-            <a:r>
-              <a:rPr lang="zh-CN" altLang="en-US" sz="2400" dirty="0"/>
-              <a:t>虚拟</a:t>
-            </a:r>
-            <a:r>
-              <a:rPr lang="en-US" altLang="zh-CN" sz="2400" dirty="0"/>
-              <a:t>DOM</a:t>
-            </a:r>
-            <a:r>
-              <a:rPr lang="zh-CN" altLang="en-US" sz="2400" dirty="0"/>
-              <a:t>是用</a:t>
-            </a:r>
-            <a:r>
-              <a:rPr lang="en-US" altLang="zh-CN" sz="2400" dirty="0"/>
-              <a:t>Object</a:t>
-            </a:r>
-            <a:r>
-              <a:rPr lang="zh-CN" altLang="en-US" sz="2400" dirty="0"/>
-              <a:t>来代表一颗节点，这个</a:t>
-            </a:r>
-            <a:r>
-              <a:rPr lang="en-US" altLang="zh-CN" sz="2400" dirty="0"/>
-              <a:t>Object</a:t>
-            </a:r>
-            <a:r>
-              <a:rPr lang="zh-CN" altLang="en-US" sz="2400" dirty="0"/>
-              <a:t>叫做</a:t>
-            </a:r>
-            <a:r>
-              <a:rPr lang="en-US" altLang="zh-CN" sz="2400" dirty="0" err="1"/>
-              <a:t>VNode</a:t>
-            </a:r>
-            <a:r>
-              <a:rPr lang="zh-CN" altLang="en-US" sz="2400" dirty="0"/>
-              <a:t>，然后使用两个</a:t>
-            </a:r>
-            <a:r>
-              <a:rPr lang="en-US" altLang="zh-CN" sz="2400" dirty="0" err="1"/>
-              <a:t>VNode</a:t>
-            </a:r>
-            <a:r>
-              <a:rPr lang="zh-CN" altLang="en-US" sz="2400" dirty="0"/>
-              <a:t>进行对比，根据对比后的结果修改真实</a:t>
-            </a:r>
-            <a:r>
-              <a:rPr lang="en-US" altLang="zh-CN" sz="2400" dirty="0"/>
-              <a:t>DOM</a:t>
-            </a:r>
-            <a:endParaRPr lang="zh-CN" altLang="en-US" sz="2400" b="0" i="0" kern="1700" spc="90" dirty="0">
-              <a:solidFill>
-                <a:srgbClr val="24292E"/>
-              </a:solidFill>
-              <a:effectLst/>
-              <a:latin typeface="-apple-system"/>
-            </a:endParaRPr>
-          </a:p>
-        </p:txBody>
-      </p:sp>
-    </p:spTree>
-    <p:extLst>
-      <p:ext uri="{BB962C8B-B14F-4D97-AF65-F5344CB8AC3E}">
-        <p14:creationId xmlns:p14="http://schemas.microsoft.com/office/powerpoint/2010/main" val="3573651945"/>
-      </p:ext>
-    </p:extLst>
-  </p:cSld>
-  <p:clrMapOvr>
-    <a:masterClrMapping/>
-  </p:clrMapOvr>
-  <mc:AlternateContent xmlns:mc="http://schemas.openxmlformats.org/markup-compatibility/2006" xmlns:p14="http://schemas.microsoft.com/office/powerpoint/2010/main">
-    <mc:Choice Requires="p14">
-      <p:transition spd="slow" p14:dur="1400">
-        <p14:ripple/>
-      </p:transition>
-    </mc:Choice>
-    <mc:Fallback xmlns="">
-      <p:transition spd="slow">
-        <p:fade/>
-      </p:transition>
-    </mc:Fallback>
-  </mc:AlternateContent>
-  <p:timing>
-    <p:tnLst>
-      <p:par>
-        <p:cTn id="1" dur="indefinite" restart="never" nodeType="tmRoot">
-          <p:childTnLst>
-            <p:seq concurrent="1" nextAc="seek">
-              <p:cTn id="2" dur="indefinite" nodeType="mainSeq">
-                <p:childTnLst>
-                  <p:par>
-                    <p:cTn id="3" fill="hold">
-                      <p:stCondLst>
-                        <p:cond delay="indefinite"/>
-                        <p:cond evt="onBegin" delay="0">
-                          <p:tn val="2"/>
-                        </p:cond>
-                      </p:stCondLst>
-                      <p:childTnLst>
-                        <p:par>
-                          <p:cTn id="4" fill="hold">
-                            <p:stCondLst>
-                              <p:cond delay="0"/>
-                            </p:stCondLst>
-                            <p:childTnLst>
-                              <p:par>
-                                <p:cTn id="5" presetID="53" presetClass="entr" presetSubtype="16" fill="hold" grpId="0" nodeType="withEffect">
-                                  <p:stCondLst>
-                                    <p:cond delay="0"/>
-                                  </p:stCondLst>
-                                  <p:childTnLst>
-                                    <p:set>
-                                      <p:cBhvr>
-                                        <p:cTn id="6" dur="1" fill="hold">
-                                          <p:stCondLst>
-                                            <p:cond delay="0"/>
-                                          </p:stCondLst>
-                                        </p:cTn>
-                                        <p:tgtEl>
-                                          <p:spTgt spid="20"/>
-                                        </p:tgtEl>
-                                        <p:attrNameLst>
-                                          <p:attrName>style.visibility</p:attrName>
-                                        </p:attrNameLst>
-                                      </p:cBhvr>
-                                      <p:to>
-                                        <p:strVal val="visible"/>
-                                      </p:to>
-                                    </p:set>
-                                    <p:anim calcmode="lin" valueType="num">
-                                      <p:cBhvr>
-                                        <p:cTn id="7" dur="500" fill="hold"/>
-                                        <p:tgtEl>
-                                          <p:spTgt spid="20"/>
-                                        </p:tgtEl>
-                                        <p:attrNameLst>
-                                          <p:attrName>ppt_w</p:attrName>
-                                        </p:attrNameLst>
-                                      </p:cBhvr>
-                                      <p:tavLst>
-                                        <p:tav tm="0">
-                                          <p:val>
-                                            <p:fltVal val="0"/>
-                                          </p:val>
-                                        </p:tav>
-                                        <p:tav tm="100000">
-                                          <p:val>
-                                            <p:strVal val="#ppt_w"/>
-                                          </p:val>
-                                        </p:tav>
-                                      </p:tavLst>
-                                    </p:anim>
-                                    <p:anim calcmode="lin" valueType="num">
-                                      <p:cBhvr>
-                                        <p:cTn id="8" dur="500" fill="hold"/>
-                                        <p:tgtEl>
-                                          <p:spTgt spid="20"/>
-                                        </p:tgtEl>
-                                        <p:attrNameLst>
-                                          <p:attrName>ppt_h</p:attrName>
-                                        </p:attrNameLst>
-                                      </p:cBhvr>
-                                      <p:tavLst>
-                                        <p:tav tm="0">
-                                          <p:val>
-                                            <p:fltVal val="0"/>
-                                          </p:val>
-                                        </p:tav>
-                                        <p:tav tm="100000">
-                                          <p:val>
-                                            <p:strVal val="#ppt_h"/>
-                                          </p:val>
-                                        </p:tav>
-                                      </p:tavLst>
-                                    </p:anim>
-                                    <p:animEffect transition="in" filter="fade">
-                                      <p:cBhvr>
-                                        <p:cTn id="9" dur="500"/>
-                                        <p:tgtEl>
-                                          <p:spTgt spid="20"/>
-                                        </p:tgtEl>
-                                      </p:cBhvr>
-                                    </p:animEffect>
-                                  </p:childTnLst>
-                                </p:cTn>
-                              </p:par>
-                              <p:par>
-                                <p:cTn id="10" presetID="53" presetClass="entr" presetSubtype="16" fill="hold" grpId="0" nodeType="withEffect">
-                                  <p:stCondLst>
-                                    <p:cond delay="0"/>
-                                  </p:stCondLst>
-                                  <p:childTnLst>
-                                    <p:set>
-                                      <p:cBhvr>
-                                        <p:cTn id="11" dur="1" fill="hold">
-                                          <p:stCondLst>
-                                            <p:cond delay="0"/>
-                                          </p:stCondLst>
-                                        </p:cTn>
-                                        <p:tgtEl>
-                                          <p:spTgt spid="23"/>
-                                        </p:tgtEl>
-                                        <p:attrNameLst>
-                                          <p:attrName>style.visibility</p:attrName>
-                                        </p:attrNameLst>
-                                      </p:cBhvr>
-                                      <p:to>
-                                        <p:strVal val="visible"/>
-                                      </p:to>
-                                    </p:set>
-                                    <p:anim calcmode="lin" valueType="num">
-                                      <p:cBhvr>
-                                        <p:cTn id="12" dur="500" fill="hold"/>
-                                        <p:tgtEl>
-                                          <p:spTgt spid="23"/>
-                                        </p:tgtEl>
-                                        <p:attrNameLst>
-                                          <p:attrName>ppt_w</p:attrName>
-                                        </p:attrNameLst>
-                                      </p:cBhvr>
-                                      <p:tavLst>
-                                        <p:tav tm="0">
-                                          <p:val>
-                                            <p:fltVal val="0"/>
-                                          </p:val>
-                                        </p:tav>
-                                        <p:tav tm="100000">
-                                          <p:val>
-                                            <p:strVal val="#ppt_w"/>
-                                          </p:val>
-                                        </p:tav>
-                                      </p:tavLst>
-                                    </p:anim>
-                                    <p:anim calcmode="lin" valueType="num">
-                                      <p:cBhvr>
-                                        <p:cTn id="13" dur="500" fill="hold"/>
-                                        <p:tgtEl>
-                                          <p:spTgt spid="23"/>
-                                        </p:tgtEl>
-                                        <p:attrNameLst>
-                                          <p:attrName>ppt_h</p:attrName>
-                                        </p:attrNameLst>
-                                      </p:cBhvr>
-                                      <p:tavLst>
-                                        <p:tav tm="0">
-                                          <p:val>
-                                            <p:fltVal val="0"/>
-                                          </p:val>
-                                        </p:tav>
-                                        <p:tav tm="100000">
-                                          <p:val>
-                                            <p:strVal val="#ppt_h"/>
-                                          </p:val>
-                                        </p:tav>
-                                      </p:tavLst>
-                                    </p:anim>
-                                    <p:animEffect transition="in" filter="fade">
-                                      <p:cBhvr>
-                                        <p:cTn id="14" dur="500"/>
-                                        <p:tgtEl>
-                                          <p:spTgt spid="23"/>
-                                        </p:tgtEl>
-                                      </p:cBhvr>
-                                    </p:animEffect>
-                                  </p:childTnLst>
-                                </p:cTn>
-                              </p:par>
-                            </p:childTnLst>
-                          </p:cTn>
-                        </p:par>
-                      </p:childTnLst>
-                    </p:cTn>
-                  </p:par>
-                </p:childTnLst>
-              </p:cTn>
-              <p:prevCondLst>
-                <p:cond evt="onPrev" delay="0">
-                  <p:tgtEl>
-                    <p:sldTgt/>
-                  </p:tgtEl>
-                </p:cond>
-              </p:prevCondLst>
-              <p:nextCondLst>
-                <p:cond evt="onNext" delay="0">
-                  <p:tgtEl>
-                    <p:sldTgt/>
-                  </p:tgtEl>
-                </p:cond>
-              </p:nextCondLst>
-            </p:seq>
-          </p:childTnLst>
-        </p:cTn>
-      </p:par>
-    </p:tnLst>
-    <p:bldLst>
-      <p:bldP spid="20" grpId="0" animBg="1"/>
-      <p:bldP spid="23" grpId="0" animBg="1"/>
-    </p:bldLst>
-  </p:timing>
-</p:sld>
-</file>
-
 <file path=ppt/slides/slide3.xml><?xml version="1.0" encoding="utf-8"?>
 <p:sld xmlns:a="http://schemas.openxmlformats.org/drawingml/2006/main" xmlns:r="http://schemas.openxmlformats.org/officeDocument/2006/relationships" xmlns:p="http://schemas.openxmlformats.org/presentationml/2006/main">
   <p:cSld>
